--- a/9.発表資料/グループ開発_Aグループ発表資料.pptx
+++ b/9.発表資料/グループ開発_Aグループ発表資料.pptx
@@ -7,16 +7,21 @@
   <p:sldIdLst>
     <p:sldId id="256" r:id="rId2"/>
     <p:sldId id="257" r:id="rId3"/>
-    <p:sldId id="258" r:id="rId4"/>
-    <p:sldId id="259" r:id="rId5"/>
-    <p:sldId id="260" r:id="rId6"/>
-    <p:sldId id="261" r:id="rId7"/>
-    <p:sldId id="262" r:id="rId8"/>
-    <p:sldId id="266" r:id="rId9"/>
-    <p:sldId id="264" r:id="rId10"/>
-    <p:sldId id="265" r:id="rId11"/>
-    <p:sldId id="263" r:id="rId12"/>
-    <p:sldId id="267" r:id="rId13"/>
+    <p:sldId id="272" r:id="rId4"/>
+    <p:sldId id="270" r:id="rId5"/>
+    <p:sldId id="258" r:id="rId6"/>
+    <p:sldId id="268" r:id="rId7"/>
+    <p:sldId id="269" r:id="rId8"/>
+    <p:sldId id="271" r:id="rId9"/>
+    <p:sldId id="259" r:id="rId10"/>
+    <p:sldId id="260" r:id="rId11"/>
+    <p:sldId id="261" r:id="rId12"/>
+    <p:sldId id="273" r:id="rId13"/>
+    <p:sldId id="274" r:id="rId14"/>
+    <p:sldId id="275" r:id="rId15"/>
+    <p:sldId id="276" r:id="rId16"/>
+    <p:sldId id="277" r:id="rId17"/>
+    <p:sldId id="267" r:id="rId18"/>
   </p:sldIdLst>
   <p:sldSz cx="12192000" cy="6858000"/>
   <p:notesSz cx="6858000" cy="9144000"/>
@@ -115,6 +120,11 @@
       </a:defRPr>
     </a:lvl9pPr>
   </p:defaultTextStyle>
+  <p:extLst>
+    <p:ext uri="{EFAFB233-063F-42B5-8137-9DF3F51BA10A}">
+      <p15:sldGuideLst xmlns:p15="http://schemas.microsoft.com/office/powerpoint/2012/main"/>
+    </p:ext>
+  </p:extLst>
 </p:presentation>
 </file>
 
@@ -4201,7 +4211,7 @@
           <p:cNvPr id="2" name="タイトル 1">
             <a:extLst>
               <a:ext uri="{FF2B5EF4-FFF2-40B4-BE49-F238E27FC236}">
-                <a16:creationId xmlns:a16="http://schemas.microsoft.com/office/drawing/2014/main" id="{0F1FF85F-9826-486D-8995-8295E2C94422}"/>
+                <a16:creationId xmlns:a16="http://schemas.microsoft.com/office/drawing/2014/main" id="{8D7D6F9C-A981-4EAC-AD9F-82CEFF3140C5}"/>
               </a:ext>
             </a:extLst>
           </p:cNvPr>
@@ -4214,12 +4224,14 @@
         </p:nvSpPr>
         <p:spPr/>
         <p:txBody>
-          <a:bodyPr/>
-          <a:lstStyle/>
-          <a:p>
-            <a:r>
-              <a:rPr kumimoji="1" lang="ja-JP" altLang="en-US" dirty="0"/>
-              <a:t>グループ開発の感想（）</a:t>
+          <a:bodyPr>
+            <a:normAutofit/>
+          </a:bodyPr>
+          <a:lstStyle/>
+          <a:p>
+            <a:r>
+              <a:rPr kumimoji="1" lang="ja-JP" altLang="en-US" sz="7200" dirty="0"/>
+              <a:t>デモ</a:t>
             </a:r>
           </a:p>
         </p:txBody>
@@ -4229,7 +4241,7 @@
           <p:cNvPr id="4" name="テキスト ボックス 3">
             <a:extLst>
               <a:ext uri="{FF2B5EF4-FFF2-40B4-BE49-F238E27FC236}">
-                <a16:creationId xmlns:a16="http://schemas.microsoft.com/office/drawing/2014/main" id="{310DA0C8-651F-4CEC-AF22-C284C1306C2A}"/>
+                <a16:creationId xmlns:a16="http://schemas.microsoft.com/office/drawing/2014/main" id="{8F63C2D2-018B-4B0A-ACC1-BF3E0186B400}"/>
               </a:ext>
             </a:extLst>
           </p:cNvPr>
@@ -4238,8 +4250,8 @@
         </p:nvSpPr>
         <p:spPr>
           <a:xfrm>
-            <a:off x="1097280" y="2171700"/>
-            <a:ext cx="2416046" cy="523220"/>
+            <a:off x="1097280" y="2321004"/>
+            <a:ext cx="5694188" cy="1107996"/>
           </a:xfrm>
           <a:prstGeom prst="rect">
             <a:avLst/>
@@ -4253,78 +4265,8 @@
           <a:lstStyle/>
           <a:p>
             <a:r>
-              <a:rPr kumimoji="1" lang="ja-JP" altLang="en-US" sz="2800" b="1" dirty="0"/>
-              <a:t>担当した機能：</a:t>
-            </a:r>
-          </a:p>
-        </p:txBody>
-      </p:sp>
-      <p:sp>
-        <p:nvSpPr>
-          <p:cNvPr id="5" name="テキスト ボックス 4">
-            <a:extLst>
-              <a:ext uri="{FF2B5EF4-FFF2-40B4-BE49-F238E27FC236}">
-                <a16:creationId xmlns:a16="http://schemas.microsoft.com/office/drawing/2014/main" id="{4B092859-E840-48FD-8048-ABEDD3AF7591}"/>
-              </a:ext>
-            </a:extLst>
-          </p:cNvPr>
-          <p:cNvSpPr txBox="1"/>
-          <p:nvPr/>
-        </p:nvSpPr>
-        <p:spPr>
-          <a:xfrm>
-            <a:off x="1167812" y="3310265"/>
-            <a:ext cx="2345514" cy="523220"/>
-          </a:xfrm>
-          <a:prstGeom prst="rect">
-            <a:avLst/>
-          </a:prstGeom>
-          <a:noFill/>
-        </p:spPr>
-        <p:txBody>
-          <a:bodyPr wrap="none" rtlCol="0">
-            <a:spAutoFit/>
-          </a:bodyPr>
-          <a:lstStyle/>
-          <a:p>
-            <a:r>
-              <a:rPr kumimoji="1" lang="ja-JP" altLang="en-US" sz="2800" b="1" dirty="0"/>
-              <a:t>難しかった点：</a:t>
-            </a:r>
-          </a:p>
-        </p:txBody>
-      </p:sp>
-      <p:sp>
-        <p:nvSpPr>
-          <p:cNvPr id="6" name="テキスト ボックス 5">
-            <a:extLst>
-              <a:ext uri="{FF2B5EF4-FFF2-40B4-BE49-F238E27FC236}">
-                <a16:creationId xmlns:a16="http://schemas.microsoft.com/office/drawing/2014/main" id="{E70C25A1-7B57-4252-9A3B-B1F61B5DAE3D}"/>
-              </a:ext>
-            </a:extLst>
-          </p:cNvPr>
-          <p:cNvSpPr txBox="1"/>
-          <p:nvPr/>
-        </p:nvSpPr>
-        <p:spPr>
-          <a:xfrm>
-            <a:off x="1161400" y="4448830"/>
-            <a:ext cx="2271776" cy="523220"/>
-          </a:xfrm>
-          <a:prstGeom prst="rect">
-            <a:avLst/>
-          </a:prstGeom>
-          <a:noFill/>
-        </p:spPr>
-        <p:txBody>
-          <a:bodyPr wrap="none" rtlCol="0">
-            <a:spAutoFit/>
-          </a:bodyPr>
-          <a:lstStyle/>
-          <a:p>
-            <a:r>
-              <a:rPr kumimoji="1" lang="ja-JP" altLang="en-US" sz="2800" b="1" dirty="0"/>
-              <a:t>学んだところ：</a:t>
+              <a:rPr kumimoji="1" lang="ja-JP" altLang="en-US" sz="6600" dirty="0"/>
+              <a:t>デモを行います</a:t>
             </a:r>
           </a:p>
         </p:txBody>
@@ -4332,7 +4274,7 @@
     </p:spTree>
     <p:extLst>
       <p:ext uri="{BB962C8B-B14F-4D97-AF65-F5344CB8AC3E}">
-        <p14:creationId xmlns:p14="http://schemas.microsoft.com/office/powerpoint/2010/main" val="3790597380"/>
+        <p14:creationId xmlns:p14="http://schemas.microsoft.com/office/powerpoint/2010/main" val="3010472141"/>
       </p:ext>
     </p:extLst>
   </p:cSld>
@@ -4377,11 +4319,13 @@
         </p:nvSpPr>
         <p:spPr/>
         <p:txBody>
-          <a:bodyPr/>
-          <a:lstStyle/>
-          <a:p>
-            <a:r>
-              <a:rPr kumimoji="1" lang="ja-JP" altLang="en-US" dirty="0"/>
+          <a:bodyPr>
+            <a:normAutofit/>
+          </a:bodyPr>
+          <a:lstStyle/>
+          <a:p>
+            <a:r>
+              <a:rPr kumimoji="1" lang="ja-JP" altLang="en-US" sz="7200" dirty="0"/>
               <a:t>グループ開発の感想（）</a:t>
             </a:r>
           </a:p>
@@ -4402,7 +4346,7 @@
         <p:spPr>
           <a:xfrm>
             <a:off x="1097280" y="2171700"/>
-            <a:ext cx="2416046" cy="523220"/>
+            <a:ext cx="3054041" cy="646331"/>
           </a:xfrm>
           <a:prstGeom prst="rect">
             <a:avLst/>
@@ -4416,7 +4360,7 @@
           <a:lstStyle/>
           <a:p>
             <a:r>
-              <a:rPr kumimoji="1" lang="ja-JP" altLang="en-US" sz="2800" b="1" dirty="0"/>
+              <a:rPr kumimoji="1" lang="ja-JP" altLang="en-US" sz="3600" b="1" dirty="0"/>
               <a:t>担当した機能：</a:t>
             </a:r>
           </a:p>
@@ -4436,8 +4380,8 @@
         </p:nvSpPr>
         <p:spPr>
           <a:xfrm>
-            <a:off x="1167812" y="3310265"/>
-            <a:ext cx="2345514" cy="523220"/>
+            <a:off x="1121324" y="3438281"/>
+            <a:ext cx="2964273" cy="646331"/>
           </a:xfrm>
           <a:prstGeom prst="rect">
             <a:avLst/>
@@ -4451,7 +4395,7 @@
           <a:lstStyle/>
           <a:p>
             <a:r>
-              <a:rPr kumimoji="1" lang="ja-JP" altLang="en-US" sz="2800" b="1" dirty="0"/>
+              <a:rPr kumimoji="1" lang="ja-JP" altLang="en-US" sz="3600" b="1" dirty="0"/>
               <a:t>難しかった点：</a:t>
             </a:r>
           </a:p>
@@ -4471,8 +4415,8 @@
         </p:nvSpPr>
         <p:spPr>
           <a:xfrm>
-            <a:off x="1161400" y="4448830"/>
-            <a:ext cx="2271776" cy="523220"/>
+            <a:off x="1167812" y="4704862"/>
+            <a:ext cx="2871299" cy="646331"/>
           </a:xfrm>
           <a:prstGeom prst="rect">
             <a:avLst/>
@@ -4486,7 +4430,7 @@
           <a:lstStyle/>
           <a:p>
             <a:r>
-              <a:rPr kumimoji="1" lang="ja-JP" altLang="en-US" sz="2800" b="1" dirty="0"/>
+              <a:rPr kumimoji="1" lang="ja-JP" altLang="en-US" sz="3600" b="1" dirty="0"/>
               <a:t>学んだところ：</a:t>
             </a:r>
           </a:p>
@@ -4495,7 +4439,7 @@
     </p:spTree>
     <p:extLst>
       <p:ext uri="{BB962C8B-B14F-4D97-AF65-F5344CB8AC3E}">
-        <p14:creationId xmlns:p14="http://schemas.microsoft.com/office/powerpoint/2010/main" val="2730247880"/>
+        <p14:creationId xmlns:p14="http://schemas.microsoft.com/office/powerpoint/2010/main" val="1664365239"/>
       </p:ext>
     </p:extLst>
   </p:cSld>
@@ -4527,6 +4471,831 @@
           <p:cNvPr id="2" name="タイトル 1">
             <a:extLst>
               <a:ext uri="{FF2B5EF4-FFF2-40B4-BE49-F238E27FC236}">
+                <a16:creationId xmlns:a16="http://schemas.microsoft.com/office/drawing/2014/main" id="{0F1FF85F-9826-486D-8995-8295E2C94422}"/>
+              </a:ext>
+            </a:extLst>
+          </p:cNvPr>
+          <p:cNvSpPr>
+            <a:spLocks noGrp="1"/>
+          </p:cNvSpPr>
+          <p:nvPr>
+            <p:ph type="title"/>
+          </p:nvPr>
+        </p:nvSpPr>
+        <p:spPr/>
+        <p:txBody>
+          <a:bodyPr>
+            <a:normAutofit/>
+          </a:bodyPr>
+          <a:lstStyle/>
+          <a:p>
+            <a:r>
+              <a:rPr kumimoji="1" lang="ja-JP" altLang="en-US" sz="7200" dirty="0"/>
+              <a:t>グループ開発の感想（）</a:t>
+            </a:r>
+          </a:p>
+        </p:txBody>
+      </p:sp>
+      <p:sp>
+        <p:nvSpPr>
+          <p:cNvPr id="4" name="テキスト ボックス 3">
+            <a:extLst>
+              <a:ext uri="{FF2B5EF4-FFF2-40B4-BE49-F238E27FC236}">
+                <a16:creationId xmlns:a16="http://schemas.microsoft.com/office/drawing/2014/main" id="{310DA0C8-651F-4CEC-AF22-C284C1306C2A}"/>
+              </a:ext>
+            </a:extLst>
+          </p:cNvPr>
+          <p:cNvSpPr txBox="1"/>
+          <p:nvPr/>
+        </p:nvSpPr>
+        <p:spPr>
+          <a:xfrm>
+            <a:off x="1097280" y="2171700"/>
+            <a:ext cx="3054041" cy="646331"/>
+          </a:xfrm>
+          <a:prstGeom prst="rect">
+            <a:avLst/>
+          </a:prstGeom>
+          <a:noFill/>
+        </p:spPr>
+        <p:txBody>
+          <a:bodyPr wrap="none" rtlCol="0">
+            <a:spAutoFit/>
+          </a:bodyPr>
+          <a:lstStyle/>
+          <a:p>
+            <a:r>
+              <a:rPr kumimoji="1" lang="ja-JP" altLang="en-US" sz="3600" b="1" dirty="0"/>
+              <a:t>担当した機能：</a:t>
+            </a:r>
+          </a:p>
+        </p:txBody>
+      </p:sp>
+      <p:sp>
+        <p:nvSpPr>
+          <p:cNvPr id="5" name="テキスト ボックス 4">
+            <a:extLst>
+              <a:ext uri="{FF2B5EF4-FFF2-40B4-BE49-F238E27FC236}">
+                <a16:creationId xmlns:a16="http://schemas.microsoft.com/office/drawing/2014/main" id="{4B092859-E840-48FD-8048-ABEDD3AF7591}"/>
+              </a:ext>
+            </a:extLst>
+          </p:cNvPr>
+          <p:cNvSpPr txBox="1"/>
+          <p:nvPr/>
+        </p:nvSpPr>
+        <p:spPr>
+          <a:xfrm>
+            <a:off x="1121324" y="3438281"/>
+            <a:ext cx="2964273" cy="646331"/>
+          </a:xfrm>
+          <a:prstGeom prst="rect">
+            <a:avLst/>
+          </a:prstGeom>
+          <a:noFill/>
+        </p:spPr>
+        <p:txBody>
+          <a:bodyPr wrap="none" rtlCol="0">
+            <a:spAutoFit/>
+          </a:bodyPr>
+          <a:lstStyle/>
+          <a:p>
+            <a:r>
+              <a:rPr kumimoji="1" lang="ja-JP" altLang="en-US" sz="3600" b="1" dirty="0"/>
+              <a:t>難しかった点：</a:t>
+            </a:r>
+          </a:p>
+        </p:txBody>
+      </p:sp>
+      <p:sp>
+        <p:nvSpPr>
+          <p:cNvPr id="6" name="テキスト ボックス 5">
+            <a:extLst>
+              <a:ext uri="{FF2B5EF4-FFF2-40B4-BE49-F238E27FC236}">
+                <a16:creationId xmlns:a16="http://schemas.microsoft.com/office/drawing/2014/main" id="{E70C25A1-7B57-4252-9A3B-B1F61B5DAE3D}"/>
+              </a:ext>
+            </a:extLst>
+          </p:cNvPr>
+          <p:cNvSpPr txBox="1"/>
+          <p:nvPr/>
+        </p:nvSpPr>
+        <p:spPr>
+          <a:xfrm>
+            <a:off x="1167812" y="4704862"/>
+            <a:ext cx="2871299" cy="646331"/>
+          </a:xfrm>
+          <a:prstGeom prst="rect">
+            <a:avLst/>
+          </a:prstGeom>
+          <a:noFill/>
+        </p:spPr>
+        <p:txBody>
+          <a:bodyPr wrap="none" rtlCol="0">
+            <a:spAutoFit/>
+          </a:bodyPr>
+          <a:lstStyle/>
+          <a:p>
+            <a:r>
+              <a:rPr kumimoji="1" lang="ja-JP" altLang="en-US" sz="3600" b="1" dirty="0"/>
+              <a:t>学んだところ：</a:t>
+            </a:r>
+          </a:p>
+        </p:txBody>
+      </p:sp>
+    </p:spTree>
+    <p:extLst>
+      <p:ext uri="{BB962C8B-B14F-4D97-AF65-F5344CB8AC3E}">
+        <p14:creationId xmlns:p14="http://schemas.microsoft.com/office/powerpoint/2010/main" val="2306527920"/>
+      </p:ext>
+    </p:extLst>
+  </p:cSld>
+  <p:clrMapOvr>
+    <a:masterClrMapping/>
+  </p:clrMapOvr>
+</p:sld>
+</file>
+
+<file path=ppt/slides/slide13.xml><?xml version="1.0" encoding="utf-8"?>
+<p:sld xmlns:a="http://schemas.openxmlformats.org/drawingml/2006/main" xmlns:r="http://schemas.openxmlformats.org/officeDocument/2006/relationships" xmlns:p="http://schemas.openxmlformats.org/presentationml/2006/main">
+  <p:cSld>
+    <p:spTree>
+      <p:nvGrpSpPr>
+        <p:cNvPr id="1" name=""/>
+        <p:cNvGrpSpPr/>
+        <p:nvPr/>
+      </p:nvGrpSpPr>
+      <p:grpSpPr>
+        <a:xfrm>
+          <a:off x="0" y="0"/>
+          <a:ext cx="0" cy="0"/>
+          <a:chOff x="0" y="0"/>
+          <a:chExt cx="0" cy="0"/>
+        </a:xfrm>
+      </p:grpSpPr>
+      <p:sp>
+        <p:nvSpPr>
+          <p:cNvPr id="2" name="タイトル 1">
+            <a:extLst>
+              <a:ext uri="{FF2B5EF4-FFF2-40B4-BE49-F238E27FC236}">
+                <a16:creationId xmlns:a16="http://schemas.microsoft.com/office/drawing/2014/main" id="{0F1FF85F-9826-486D-8995-8295E2C94422}"/>
+              </a:ext>
+            </a:extLst>
+          </p:cNvPr>
+          <p:cNvSpPr>
+            <a:spLocks noGrp="1"/>
+          </p:cNvSpPr>
+          <p:nvPr>
+            <p:ph type="title"/>
+          </p:nvPr>
+        </p:nvSpPr>
+        <p:spPr/>
+        <p:txBody>
+          <a:bodyPr>
+            <a:normAutofit/>
+          </a:bodyPr>
+          <a:lstStyle/>
+          <a:p>
+            <a:r>
+              <a:rPr kumimoji="1" lang="ja-JP" altLang="en-US" sz="7200" dirty="0"/>
+              <a:t>グループ開発の感想（）</a:t>
+            </a:r>
+          </a:p>
+        </p:txBody>
+      </p:sp>
+      <p:sp>
+        <p:nvSpPr>
+          <p:cNvPr id="4" name="テキスト ボックス 3">
+            <a:extLst>
+              <a:ext uri="{FF2B5EF4-FFF2-40B4-BE49-F238E27FC236}">
+                <a16:creationId xmlns:a16="http://schemas.microsoft.com/office/drawing/2014/main" id="{310DA0C8-651F-4CEC-AF22-C284C1306C2A}"/>
+              </a:ext>
+            </a:extLst>
+          </p:cNvPr>
+          <p:cNvSpPr txBox="1"/>
+          <p:nvPr/>
+        </p:nvSpPr>
+        <p:spPr>
+          <a:xfrm>
+            <a:off x="1097280" y="2171700"/>
+            <a:ext cx="3054041" cy="646331"/>
+          </a:xfrm>
+          <a:prstGeom prst="rect">
+            <a:avLst/>
+          </a:prstGeom>
+          <a:noFill/>
+        </p:spPr>
+        <p:txBody>
+          <a:bodyPr wrap="none" rtlCol="0">
+            <a:spAutoFit/>
+          </a:bodyPr>
+          <a:lstStyle/>
+          <a:p>
+            <a:r>
+              <a:rPr kumimoji="1" lang="ja-JP" altLang="en-US" sz="3600" b="1" dirty="0"/>
+              <a:t>担当した機能：</a:t>
+            </a:r>
+          </a:p>
+        </p:txBody>
+      </p:sp>
+      <p:sp>
+        <p:nvSpPr>
+          <p:cNvPr id="5" name="テキスト ボックス 4">
+            <a:extLst>
+              <a:ext uri="{FF2B5EF4-FFF2-40B4-BE49-F238E27FC236}">
+                <a16:creationId xmlns:a16="http://schemas.microsoft.com/office/drawing/2014/main" id="{4B092859-E840-48FD-8048-ABEDD3AF7591}"/>
+              </a:ext>
+            </a:extLst>
+          </p:cNvPr>
+          <p:cNvSpPr txBox="1"/>
+          <p:nvPr/>
+        </p:nvSpPr>
+        <p:spPr>
+          <a:xfrm>
+            <a:off x="1121324" y="3438281"/>
+            <a:ext cx="2964273" cy="646331"/>
+          </a:xfrm>
+          <a:prstGeom prst="rect">
+            <a:avLst/>
+          </a:prstGeom>
+          <a:noFill/>
+        </p:spPr>
+        <p:txBody>
+          <a:bodyPr wrap="none" rtlCol="0">
+            <a:spAutoFit/>
+          </a:bodyPr>
+          <a:lstStyle/>
+          <a:p>
+            <a:r>
+              <a:rPr kumimoji="1" lang="ja-JP" altLang="en-US" sz="3600" b="1" dirty="0"/>
+              <a:t>難しかった点：</a:t>
+            </a:r>
+          </a:p>
+        </p:txBody>
+      </p:sp>
+      <p:sp>
+        <p:nvSpPr>
+          <p:cNvPr id="6" name="テキスト ボックス 5">
+            <a:extLst>
+              <a:ext uri="{FF2B5EF4-FFF2-40B4-BE49-F238E27FC236}">
+                <a16:creationId xmlns:a16="http://schemas.microsoft.com/office/drawing/2014/main" id="{E70C25A1-7B57-4252-9A3B-B1F61B5DAE3D}"/>
+              </a:ext>
+            </a:extLst>
+          </p:cNvPr>
+          <p:cNvSpPr txBox="1"/>
+          <p:nvPr/>
+        </p:nvSpPr>
+        <p:spPr>
+          <a:xfrm>
+            <a:off x="1167812" y="4704862"/>
+            <a:ext cx="2871299" cy="646331"/>
+          </a:xfrm>
+          <a:prstGeom prst="rect">
+            <a:avLst/>
+          </a:prstGeom>
+          <a:noFill/>
+        </p:spPr>
+        <p:txBody>
+          <a:bodyPr wrap="none" rtlCol="0">
+            <a:spAutoFit/>
+          </a:bodyPr>
+          <a:lstStyle/>
+          <a:p>
+            <a:r>
+              <a:rPr kumimoji="1" lang="ja-JP" altLang="en-US" sz="3600" b="1" dirty="0"/>
+              <a:t>学んだところ：</a:t>
+            </a:r>
+          </a:p>
+        </p:txBody>
+      </p:sp>
+    </p:spTree>
+    <p:extLst>
+      <p:ext uri="{BB962C8B-B14F-4D97-AF65-F5344CB8AC3E}">
+        <p14:creationId xmlns:p14="http://schemas.microsoft.com/office/powerpoint/2010/main" val="3048685331"/>
+      </p:ext>
+    </p:extLst>
+  </p:cSld>
+  <p:clrMapOvr>
+    <a:masterClrMapping/>
+  </p:clrMapOvr>
+</p:sld>
+</file>
+
+<file path=ppt/slides/slide14.xml><?xml version="1.0" encoding="utf-8"?>
+<p:sld xmlns:a="http://schemas.openxmlformats.org/drawingml/2006/main" xmlns:r="http://schemas.openxmlformats.org/officeDocument/2006/relationships" xmlns:p="http://schemas.openxmlformats.org/presentationml/2006/main">
+  <p:cSld>
+    <p:spTree>
+      <p:nvGrpSpPr>
+        <p:cNvPr id="1" name=""/>
+        <p:cNvGrpSpPr/>
+        <p:nvPr/>
+      </p:nvGrpSpPr>
+      <p:grpSpPr>
+        <a:xfrm>
+          <a:off x="0" y="0"/>
+          <a:ext cx="0" cy="0"/>
+          <a:chOff x="0" y="0"/>
+          <a:chExt cx="0" cy="0"/>
+        </a:xfrm>
+      </p:grpSpPr>
+      <p:sp>
+        <p:nvSpPr>
+          <p:cNvPr id="2" name="タイトル 1">
+            <a:extLst>
+              <a:ext uri="{FF2B5EF4-FFF2-40B4-BE49-F238E27FC236}">
+                <a16:creationId xmlns:a16="http://schemas.microsoft.com/office/drawing/2014/main" id="{0F1FF85F-9826-486D-8995-8295E2C94422}"/>
+              </a:ext>
+            </a:extLst>
+          </p:cNvPr>
+          <p:cNvSpPr>
+            <a:spLocks noGrp="1"/>
+          </p:cNvSpPr>
+          <p:nvPr>
+            <p:ph type="title"/>
+          </p:nvPr>
+        </p:nvSpPr>
+        <p:spPr/>
+        <p:txBody>
+          <a:bodyPr>
+            <a:normAutofit/>
+          </a:bodyPr>
+          <a:lstStyle/>
+          <a:p>
+            <a:r>
+              <a:rPr kumimoji="1" lang="ja-JP" altLang="en-US" sz="7200" dirty="0"/>
+              <a:t>グループ開発の感想（）</a:t>
+            </a:r>
+          </a:p>
+        </p:txBody>
+      </p:sp>
+      <p:sp>
+        <p:nvSpPr>
+          <p:cNvPr id="4" name="テキスト ボックス 3">
+            <a:extLst>
+              <a:ext uri="{FF2B5EF4-FFF2-40B4-BE49-F238E27FC236}">
+                <a16:creationId xmlns:a16="http://schemas.microsoft.com/office/drawing/2014/main" id="{310DA0C8-651F-4CEC-AF22-C284C1306C2A}"/>
+              </a:ext>
+            </a:extLst>
+          </p:cNvPr>
+          <p:cNvSpPr txBox="1"/>
+          <p:nvPr/>
+        </p:nvSpPr>
+        <p:spPr>
+          <a:xfrm>
+            <a:off x="1097280" y="2171700"/>
+            <a:ext cx="3054041" cy="646331"/>
+          </a:xfrm>
+          <a:prstGeom prst="rect">
+            <a:avLst/>
+          </a:prstGeom>
+          <a:noFill/>
+        </p:spPr>
+        <p:txBody>
+          <a:bodyPr wrap="none" rtlCol="0">
+            <a:spAutoFit/>
+          </a:bodyPr>
+          <a:lstStyle/>
+          <a:p>
+            <a:r>
+              <a:rPr kumimoji="1" lang="ja-JP" altLang="en-US" sz="3600" b="1" dirty="0"/>
+              <a:t>担当した機能：</a:t>
+            </a:r>
+          </a:p>
+        </p:txBody>
+      </p:sp>
+      <p:sp>
+        <p:nvSpPr>
+          <p:cNvPr id="5" name="テキスト ボックス 4">
+            <a:extLst>
+              <a:ext uri="{FF2B5EF4-FFF2-40B4-BE49-F238E27FC236}">
+                <a16:creationId xmlns:a16="http://schemas.microsoft.com/office/drawing/2014/main" id="{4B092859-E840-48FD-8048-ABEDD3AF7591}"/>
+              </a:ext>
+            </a:extLst>
+          </p:cNvPr>
+          <p:cNvSpPr txBox="1"/>
+          <p:nvPr/>
+        </p:nvSpPr>
+        <p:spPr>
+          <a:xfrm>
+            <a:off x="1121324" y="3438281"/>
+            <a:ext cx="2964273" cy="646331"/>
+          </a:xfrm>
+          <a:prstGeom prst="rect">
+            <a:avLst/>
+          </a:prstGeom>
+          <a:noFill/>
+        </p:spPr>
+        <p:txBody>
+          <a:bodyPr wrap="none" rtlCol="0">
+            <a:spAutoFit/>
+          </a:bodyPr>
+          <a:lstStyle/>
+          <a:p>
+            <a:r>
+              <a:rPr kumimoji="1" lang="ja-JP" altLang="en-US" sz="3600" b="1" dirty="0"/>
+              <a:t>難しかった点：</a:t>
+            </a:r>
+          </a:p>
+        </p:txBody>
+      </p:sp>
+      <p:sp>
+        <p:nvSpPr>
+          <p:cNvPr id="6" name="テキスト ボックス 5">
+            <a:extLst>
+              <a:ext uri="{FF2B5EF4-FFF2-40B4-BE49-F238E27FC236}">
+                <a16:creationId xmlns:a16="http://schemas.microsoft.com/office/drawing/2014/main" id="{E70C25A1-7B57-4252-9A3B-B1F61B5DAE3D}"/>
+              </a:ext>
+            </a:extLst>
+          </p:cNvPr>
+          <p:cNvSpPr txBox="1"/>
+          <p:nvPr/>
+        </p:nvSpPr>
+        <p:spPr>
+          <a:xfrm>
+            <a:off x="1167812" y="4704862"/>
+            <a:ext cx="2871299" cy="646331"/>
+          </a:xfrm>
+          <a:prstGeom prst="rect">
+            <a:avLst/>
+          </a:prstGeom>
+          <a:noFill/>
+        </p:spPr>
+        <p:txBody>
+          <a:bodyPr wrap="none" rtlCol="0">
+            <a:spAutoFit/>
+          </a:bodyPr>
+          <a:lstStyle/>
+          <a:p>
+            <a:r>
+              <a:rPr kumimoji="1" lang="ja-JP" altLang="en-US" sz="3600" b="1" dirty="0"/>
+              <a:t>学んだところ：</a:t>
+            </a:r>
+          </a:p>
+        </p:txBody>
+      </p:sp>
+    </p:spTree>
+    <p:extLst>
+      <p:ext uri="{BB962C8B-B14F-4D97-AF65-F5344CB8AC3E}">
+        <p14:creationId xmlns:p14="http://schemas.microsoft.com/office/powerpoint/2010/main" val="3423968780"/>
+      </p:ext>
+    </p:extLst>
+  </p:cSld>
+  <p:clrMapOvr>
+    <a:masterClrMapping/>
+  </p:clrMapOvr>
+</p:sld>
+</file>
+
+<file path=ppt/slides/slide15.xml><?xml version="1.0" encoding="utf-8"?>
+<p:sld xmlns:a="http://schemas.openxmlformats.org/drawingml/2006/main" xmlns:r="http://schemas.openxmlformats.org/officeDocument/2006/relationships" xmlns:p="http://schemas.openxmlformats.org/presentationml/2006/main">
+  <p:cSld>
+    <p:spTree>
+      <p:nvGrpSpPr>
+        <p:cNvPr id="1" name=""/>
+        <p:cNvGrpSpPr/>
+        <p:nvPr/>
+      </p:nvGrpSpPr>
+      <p:grpSpPr>
+        <a:xfrm>
+          <a:off x="0" y="0"/>
+          <a:ext cx="0" cy="0"/>
+          <a:chOff x="0" y="0"/>
+          <a:chExt cx="0" cy="0"/>
+        </a:xfrm>
+      </p:grpSpPr>
+      <p:sp>
+        <p:nvSpPr>
+          <p:cNvPr id="2" name="タイトル 1">
+            <a:extLst>
+              <a:ext uri="{FF2B5EF4-FFF2-40B4-BE49-F238E27FC236}">
+                <a16:creationId xmlns:a16="http://schemas.microsoft.com/office/drawing/2014/main" id="{0F1FF85F-9826-486D-8995-8295E2C94422}"/>
+              </a:ext>
+            </a:extLst>
+          </p:cNvPr>
+          <p:cNvSpPr>
+            <a:spLocks noGrp="1"/>
+          </p:cNvSpPr>
+          <p:nvPr>
+            <p:ph type="title"/>
+          </p:nvPr>
+        </p:nvSpPr>
+        <p:spPr/>
+        <p:txBody>
+          <a:bodyPr>
+            <a:normAutofit/>
+          </a:bodyPr>
+          <a:lstStyle/>
+          <a:p>
+            <a:r>
+              <a:rPr kumimoji="1" lang="ja-JP" altLang="en-US" sz="7200" dirty="0"/>
+              <a:t>グループ開発の感想（）</a:t>
+            </a:r>
+          </a:p>
+        </p:txBody>
+      </p:sp>
+      <p:sp>
+        <p:nvSpPr>
+          <p:cNvPr id="4" name="テキスト ボックス 3">
+            <a:extLst>
+              <a:ext uri="{FF2B5EF4-FFF2-40B4-BE49-F238E27FC236}">
+                <a16:creationId xmlns:a16="http://schemas.microsoft.com/office/drawing/2014/main" id="{310DA0C8-651F-4CEC-AF22-C284C1306C2A}"/>
+              </a:ext>
+            </a:extLst>
+          </p:cNvPr>
+          <p:cNvSpPr txBox="1"/>
+          <p:nvPr/>
+        </p:nvSpPr>
+        <p:spPr>
+          <a:xfrm>
+            <a:off x="1097280" y="2171700"/>
+            <a:ext cx="3054041" cy="646331"/>
+          </a:xfrm>
+          <a:prstGeom prst="rect">
+            <a:avLst/>
+          </a:prstGeom>
+          <a:noFill/>
+        </p:spPr>
+        <p:txBody>
+          <a:bodyPr wrap="none" rtlCol="0">
+            <a:spAutoFit/>
+          </a:bodyPr>
+          <a:lstStyle/>
+          <a:p>
+            <a:r>
+              <a:rPr kumimoji="1" lang="ja-JP" altLang="en-US" sz="3600" b="1" dirty="0"/>
+              <a:t>担当した機能：</a:t>
+            </a:r>
+          </a:p>
+        </p:txBody>
+      </p:sp>
+      <p:sp>
+        <p:nvSpPr>
+          <p:cNvPr id="5" name="テキスト ボックス 4">
+            <a:extLst>
+              <a:ext uri="{FF2B5EF4-FFF2-40B4-BE49-F238E27FC236}">
+                <a16:creationId xmlns:a16="http://schemas.microsoft.com/office/drawing/2014/main" id="{4B092859-E840-48FD-8048-ABEDD3AF7591}"/>
+              </a:ext>
+            </a:extLst>
+          </p:cNvPr>
+          <p:cNvSpPr txBox="1"/>
+          <p:nvPr/>
+        </p:nvSpPr>
+        <p:spPr>
+          <a:xfrm>
+            <a:off x="1121324" y="3438281"/>
+            <a:ext cx="2964273" cy="646331"/>
+          </a:xfrm>
+          <a:prstGeom prst="rect">
+            <a:avLst/>
+          </a:prstGeom>
+          <a:noFill/>
+        </p:spPr>
+        <p:txBody>
+          <a:bodyPr wrap="none" rtlCol="0">
+            <a:spAutoFit/>
+          </a:bodyPr>
+          <a:lstStyle/>
+          <a:p>
+            <a:r>
+              <a:rPr kumimoji="1" lang="ja-JP" altLang="en-US" sz="3600" b="1" dirty="0"/>
+              <a:t>難しかった点：</a:t>
+            </a:r>
+          </a:p>
+        </p:txBody>
+      </p:sp>
+      <p:sp>
+        <p:nvSpPr>
+          <p:cNvPr id="6" name="テキスト ボックス 5">
+            <a:extLst>
+              <a:ext uri="{FF2B5EF4-FFF2-40B4-BE49-F238E27FC236}">
+                <a16:creationId xmlns:a16="http://schemas.microsoft.com/office/drawing/2014/main" id="{E70C25A1-7B57-4252-9A3B-B1F61B5DAE3D}"/>
+              </a:ext>
+            </a:extLst>
+          </p:cNvPr>
+          <p:cNvSpPr txBox="1"/>
+          <p:nvPr/>
+        </p:nvSpPr>
+        <p:spPr>
+          <a:xfrm>
+            <a:off x="1167812" y="4704862"/>
+            <a:ext cx="2871299" cy="646331"/>
+          </a:xfrm>
+          <a:prstGeom prst="rect">
+            <a:avLst/>
+          </a:prstGeom>
+          <a:noFill/>
+        </p:spPr>
+        <p:txBody>
+          <a:bodyPr wrap="none" rtlCol="0">
+            <a:spAutoFit/>
+          </a:bodyPr>
+          <a:lstStyle/>
+          <a:p>
+            <a:r>
+              <a:rPr kumimoji="1" lang="ja-JP" altLang="en-US" sz="3600" b="1" dirty="0"/>
+              <a:t>学んだところ：</a:t>
+            </a:r>
+          </a:p>
+        </p:txBody>
+      </p:sp>
+    </p:spTree>
+    <p:extLst>
+      <p:ext uri="{BB962C8B-B14F-4D97-AF65-F5344CB8AC3E}">
+        <p14:creationId xmlns:p14="http://schemas.microsoft.com/office/powerpoint/2010/main" val="3602555867"/>
+      </p:ext>
+    </p:extLst>
+  </p:cSld>
+  <p:clrMapOvr>
+    <a:masterClrMapping/>
+  </p:clrMapOvr>
+</p:sld>
+</file>
+
+<file path=ppt/slides/slide16.xml><?xml version="1.0" encoding="utf-8"?>
+<p:sld xmlns:a="http://schemas.openxmlformats.org/drawingml/2006/main" xmlns:r="http://schemas.openxmlformats.org/officeDocument/2006/relationships" xmlns:p="http://schemas.openxmlformats.org/presentationml/2006/main">
+  <p:cSld>
+    <p:spTree>
+      <p:nvGrpSpPr>
+        <p:cNvPr id="1" name=""/>
+        <p:cNvGrpSpPr/>
+        <p:nvPr/>
+      </p:nvGrpSpPr>
+      <p:grpSpPr>
+        <a:xfrm>
+          <a:off x="0" y="0"/>
+          <a:ext cx="0" cy="0"/>
+          <a:chOff x="0" y="0"/>
+          <a:chExt cx="0" cy="0"/>
+        </a:xfrm>
+      </p:grpSpPr>
+      <p:sp>
+        <p:nvSpPr>
+          <p:cNvPr id="2" name="タイトル 1">
+            <a:extLst>
+              <a:ext uri="{FF2B5EF4-FFF2-40B4-BE49-F238E27FC236}">
+                <a16:creationId xmlns:a16="http://schemas.microsoft.com/office/drawing/2014/main" id="{0F1FF85F-9826-486D-8995-8295E2C94422}"/>
+              </a:ext>
+            </a:extLst>
+          </p:cNvPr>
+          <p:cNvSpPr>
+            <a:spLocks noGrp="1"/>
+          </p:cNvSpPr>
+          <p:nvPr>
+            <p:ph type="title"/>
+          </p:nvPr>
+        </p:nvSpPr>
+        <p:spPr/>
+        <p:txBody>
+          <a:bodyPr>
+            <a:normAutofit/>
+          </a:bodyPr>
+          <a:lstStyle/>
+          <a:p>
+            <a:r>
+              <a:rPr kumimoji="1" lang="ja-JP" altLang="en-US" sz="7200" dirty="0"/>
+              <a:t>グループ開発の感想（）</a:t>
+            </a:r>
+          </a:p>
+        </p:txBody>
+      </p:sp>
+      <p:sp>
+        <p:nvSpPr>
+          <p:cNvPr id="4" name="テキスト ボックス 3">
+            <a:extLst>
+              <a:ext uri="{FF2B5EF4-FFF2-40B4-BE49-F238E27FC236}">
+                <a16:creationId xmlns:a16="http://schemas.microsoft.com/office/drawing/2014/main" id="{310DA0C8-651F-4CEC-AF22-C284C1306C2A}"/>
+              </a:ext>
+            </a:extLst>
+          </p:cNvPr>
+          <p:cNvSpPr txBox="1"/>
+          <p:nvPr/>
+        </p:nvSpPr>
+        <p:spPr>
+          <a:xfrm>
+            <a:off x="1097280" y="2171700"/>
+            <a:ext cx="3054041" cy="646331"/>
+          </a:xfrm>
+          <a:prstGeom prst="rect">
+            <a:avLst/>
+          </a:prstGeom>
+          <a:noFill/>
+        </p:spPr>
+        <p:txBody>
+          <a:bodyPr wrap="none" rtlCol="0">
+            <a:spAutoFit/>
+          </a:bodyPr>
+          <a:lstStyle/>
+          <a:p>
+            <a:r>
+              <a:rPr kumimoji="1" lang="ja-JP" altLang="en-US" sz="3600" b="1" dirty="0"/>
+              <a:t>担当した機能：</a:t>
+            </a:r>
+          </a:p>
+        </p:txBody>
+      </p:sp>
+      <p:sp>
+        <p:nvSpPr>
+          <p:cNvPr id="5" name="テキスト ボックス 4">
+            <a:extLst>
+              <a:ext uri="{FF2B5EF4-FFF2-40B4-BE49-F238E27FC236}">
+                <a16:creationId xmlns:a16="http://schemas.microsoft.com/office/drawing/2014/main" id="{4B092859-E840-48FD-8048-ABEDD3AF7591}"/>
+              </a:ext>
+            </a:extLst>
+          </p:cNvPr>
+          <p:cNvSpPr txBox="1"/>
+          <p:nvPr/>
+        </p:nvSpPr>
+        <p:spPr>
+          <a:xfrm>
+            <a:off x="1121324" y="3438281"/>
+            <a:ext cx="2964273" cy="646331"/>
+          </a:xfrm>
+          <a:prstGeom prst="rect">
+            <a:avLst/>
+          </a:prstGeom>
+          <a:noFill/>
+        </p:spPr>
+        <p:txBody>
+          <a:bodyPr wrap="none" rtlCol="0">
+            <a:spAutoFit/>
+          </a:bodyPr>
+          <a:lstStyle/>
+          <a:p>
+            <a:r>
+              <a:rPr kumimoji="1" lang="ja-JP" altLang="en-US" sz="3600" b="1" dirty="0"/>
+              <a:t>難しかった点：</a:t>
+            </a:r>
+          </a:p>
+        </p:txBody>
+      </p:sp>
+      <p:sp>
+        <p:nvSpPr>
+          <p:cNvPr id="6" name="テキスト ボックス 5">
+            <a:extLst>
+              <a:ext uri="{FF2B5EF4-FFF2-40B4-BE49-F238E27FC236}">
+                <a16:creationId xmlns:a16="http://schemas.microsoft.com/office/drawing/2014/main" id="{E70C25A1-7B57-4252-9A3B-B1F61B5DAE3D}"/>
+              </a:ext>
+            </a:extLst>
+          </p:cNvPr>
+          <p:cNvSpPr txBox="1"/>
+          <p:nvPr/>
+        </p:nvSpPr>
+        <p:spPr>
+          <a:xfrm>
+            <a:off x="1167812" y="4704862"/>
+            <a:ext cx="2871299" cy="646331"/>
+          </a:xfrm>
+          <a:prstGeom prst="rect">
+            <a:avLst/>
+          </a:prstGeom>
+          <a:noFill/>
+        </p:spPr>
+        <p:txBody>
+          <a:bodyPr wrap="none" rtlCol="0">
+            <a:spAutoFit/>
+          </a:bodyPr>
+          <a:lstStyle/>
+          <a:p>
+            <a:r>
+              <a:rPr kumimoji="1" lang="ja-JP" altLang="en-US" sz="3600" b="1" dirty="0"/>
+              <a:t>学んだところ：</a:t>
+            </a:r>
+          </a:p>
+        </p:txBody>
+      </p:sp>
+    </p:spTree>
+    <p:extLst>
+      <p:ext uri="{BB962C8B-B14F-4D97-AF65-F5344CB8AC3E}">
+        <p14:creationId xmlns:p14="http://schemas.microsoft.com/office/powerpoint/2010/main" val="4269286148"/>
+      </p:ext>
+    </p:extLst>
+  </p:cSld>
+  <p:clrMapOvr>
+    <a:masterClrMapping/>
+  </p:clrMapOvr>
+</p:sld>
+</file>
+
+<file path=ppt/slides/slide17.xml><?xml version="1.0" encoding="utf-8"?>
+<p:sld xmlns:a="http://schemas.openxmlformats.org/drawingml/2006/main" xmlns:r="http://schemas.openxmlformats.org/officeDocument/2006/relationships" xmlns:p="http://schemas.openxmlformats.org/presentationml/2006/main">
+  <p:cSld>
+    <p:spTree>
+      <p:nvGrpSpPr>
+        <p:cNvPr id="1" name=""/>
+        <p:cNvGrpSpPr/>
+        <p:nvPr/>
+      </p:nvGrpSpPr>
+      <p:grpSpPr>
+        <a:xfrm>
+          <a:off x="0" y="0"/>
+          <a:ext cx="0" cy="0"/>
+          <a:chOff x="0" y="0"/>
+          <a:chExt cx="0" cy="0"/>
+        </a:xfrm>
+      </p:grpSpPr>
+      <p:sp>
+        <p:nvSpPr>
+          <p:cNvPr id="2" name="タイトル 1">
+            <a:extLst>
+              <a:ext uri="{FF2B5EF4-FFF2-40B4-BE49-F238E27FC236}">
                 <a16:creationId xmlns:a16="http://schemas.microsoft.com/office/drawing/2014/main" id="{B4436B5E-A88D-4BC0-8384-1276317B120B}"/>
               </a:ext>
             </a:extLst>
@@ -4540,12 +5309,170 @@
         </p:nvSpPr>
         <p:spPr/>
         <p:txBody>
-          <a:bodyPr/>
-          <a:lstStyle/>
-          <a:p>
-            <a:r>
-              <a:rPr kumimoji="1" lang="ja-JP" altLang="en-US" dirty="0"/>
+          <a:bodyPr>
+            <a:normAutofit/>
+          </a:bodyPr>
+          <a:lstStyle/>
+          <a:p>
+            <a:r>
+              <a:rPr kumimoji="1" lang="ja-JP" altLang="en-US" sz="7200" dirty="0"/>
               <a:t>全体の感想</a:t>
+            </a:r>
+          </a:p>
+        </p:txBody>
+      </p:sp>
+      <p:sp>
+        <p:nvSpPr>
+          <p:cNvPr id="3" name="テキスト ボックス 2">
+            <a:extLst>
+              <a:ext uri="{FF2B5EF4-FFF2-40B4-BE49-F238E27FC236}">
+                <a16:creationId xmlns:a16="http://schemas.microsoft.com/office/drawing/2014/main" id="{BB3C34DA-9FEF-405E-91EC-A6C89778EC70}"/>
+              </a:ext>
+            </a:extLst>
+          </p:cNvPr>
+          <p:cNvSpPr txBox="1"/>
+          <p:nvPr/>
+        </p:nvSpPr>
+        <p:spPr>
+          <a:xfrm>
+            <a:off x="1097280" y="2171700"/>
+            <a:ext cx="8284464" cy="830997"/>
+          </a:xfrm>
+          <a:prstGeom prst="rect">
+            <a:avLst/>
+          </a:prstGeom>
+          <a:noFill/>
+        </p:spPr>
+        <p:txBody>
+          <a:bodyPr wrap="square" rtlCol="0">
+            <a:spAutoFit/>
+          </a:bodyPr>
+          <a:lstStyle/>
+          <a:p>
+            <a:r>
+              <a:rPr kumimoji="1" lang="ja-JP" altLang="en-US" sz="4800" b="1" dirty="0"/>
+              <a:t>・</a:t>
+            </a:r>
+            <a:r>
+              <a:rPr kumimoji="1" lang="en-US" altLang="ja-JP" sz="4800" b="1" dirty="0" err="1"/>
+              <a:t>Github</a:t>
+            </a:r>
+            <a:r>
+              <a:rPr kumimoji="1" lang="ja-JP" altLang="en-US" sz="4800" b="1" dirty="0"/>
+              <a:t>の使い方</a:t>
+            </a:r>
+          </a:p>
+        </p:txBody>
+      </p:sp>
+      <p:sp>
+        <p:nvSpPr>
+          <p:cNvPr id="4" name="テキスト ボックス 3">
+            <a:extLst>
+              <a:ext uri="{FF2B5EF4-FFF2-40B4-BE49-F238E27FC236}">
+                <a16:creationId xmlns:a16="http://schemas.microsoft.com/office/drawing/2014/main" id="{77AF7F66-2502-401A-88FB-DCEADF0C4BFF}"/>
+              </a:ext>
+            </a:extLst>
+          </p:cNvPr>
+          <p:cNvSpPr txBox="1"/>
+          <p:nvPr/>
+        </p:nvSpPr>
+        <p:spPr>
+          <a:xfrm>
+            <a:off x="1127760" y="3147127"/>
+            <a:ext cx="8284464" cy="830997"/>
+          </a:xfrm>
+          <a:prstGeom prst="rect">
+            <a:avLst/>
+          </a:prstGeom>
+          <a:noFill/>
+        </p:spPr>
+        <p:txBody>
+          <a:bodyPr wrap="square" rtlCol="0">
+            <a:spAutoFit/>
+          </a:bodyPr>
+          <a:lstStyle/>
+          <a:p>
+            <a:r>
+              <a:rPr kumimoji="1" lang="ja-JP" altLang="en-US" sz="4800" b="1" dirty="0"/>
+              <a:t>・コーディング規約</a:t>
+            </a:r>
+          </a:p>
+        </p:txBody>
+      </p:sp>
+      <p:sp>
+        <p:nvSpPr>
+          <p:cNvPr id="6" name="テキスト ボックス 5">
+            <a:extLst>
+              <a:ext uri="{FF2B5EF4-FFF2-40B4-BE49-F238E27FC236}">
+                <a16:creationId xmlns:a16="http://schemas.microsoft.com/office/drawing/2014/main" id="{7F3DB48E-FA8C-43EE-9465-79935112EC45}"/>
+              </a:ext>
+            </a:extLst>
+          </p:cNvPr>
+          <p:cNvSpPr txBox="1"/>
+          <p:nvPr/>
+        </p:nvSpPr>
+        <p:spPr>
+          <a:xfrm>
+            <a:off x="1127760" y="4130308"/>
+            <a:ext cx="8284464" cy="830997"/>
+          </a:xfrm>
+          <a:prstGeom prst="rect">
+            <a:avLst/>
+          </a:prstGeom>
+          <a:noFill/>
+        </p:spPr>
+        <p:txBody>
+          <a:bodyPr wrap="square" rtlCol="0">
+            <a:spAutoFit/>
+          </a:bodyPr>
+          <a:lstStyle/>
+          <a:p>
+            <a:r>
+              <a:rPr kumimoji="1" lang="ja-JP" altLang="en-US" sz="4800" b="1" dirty="0"/>
+              <a:t>・</a:t>
+            </a:r>
+            <a:r>
+              <a:rPr kumimoji="1" lang="en-US" altLang="ja-JP" sz="4800" b="1" dirty="0" err="1"/>
+              <a:t>Springboot</a:t>
+            </a:r>
+            <a:r>
+              <a:rPr kumimoji="1" lang="ja-JP" altLang="en-US" sz="4800" b="1" dirty="0"/>
+              <a:t>を学んだこと</a:t>
+            </a:r>
+          </a:p>
+        </p:txBody>
+      </p:sp>
+      <p:sp>
+        <p:nvSpPr>
+          <p:cNvPr id="7" name="テキスト ボックス 6">
+            <a:extLst>
+              <a:ext uri="{FF2B5EF4-FFF2-40B4-BE49-F238E27FC236}">
+                <a16:creationId xmlns:a16="http://schemas.microsoft.com/office/drawing/2014/main" id="{C369CA87-8DBB-4E3B-8CDA-470F1C5B4445}"/>
+              </a:ext>
+            </a:extLst>
+          </p:cNvPr>
+          <p:cNvSpPr txBox="1"/>
+          <p:nvPr/>
+        </p:nvSpPr>
+        <p:spPr>
+          <a:xfrm>
+            <a:off x="1127760" y="5156385"/>
+            <a:ext cx="8284464" cy="830997"/>
+          </a:xfrm>
+          <a:prstGeom prst="rect">
+            <a:avLst/>
+          </a:prstGeom>
+          <a:noFill/>
+        </p:spPr>
+        <p:txBody>
+          <a:bodyPr wrap="square" rtlCol="0">
+            <a:spAutoFit/>
+          </a:bodyPr>
+          <a:lstStyle/>
+          <a:p>
+            <a:r>
+              <a:rPr kumimoji="1" lang="ja-JP" altLang="en-US" sz="4800" b="1" dirty="0"/>
+              <a:t>・結合テストの難しさ</a:t>
             </a:r>
           </a:p>
         </p:txBody>
@@ -4596,13 +5523,20 @@
             <p:ph type="title"/>
           </p:nvPr>
         </p:nvSpPr>
-        <p:spPr/>
-        <p:txBody>
-          <a:bodyPr/>
-          <a:lstStyle/>
-          <a:p>
-            <a:r>
-              <a:rPr kumimoji="1" lang="ja-JP" altLang="en-US" dirty="0"/>
+        <p:spPr>
+          <a:xfrm>
+            <a:off x="1285033" y="273504"/>
+            <a:ext cx="10058400" cy="1450757"/>
+          </a:xfrm>
+        </p:spPr>
+        <p:txBody>
+          <a:bodyPr>
+            <a:normAutofit/>
+          </a:bodyPr>
+          <a:lstStyle/>
+          <a:p>
+            <a:r>
+              <a:rPr kumimoji="1" lang="ja-JP" altLang="en-US" sz="7200" dirty="0"/>
               <a:t>目次</a:t>
             </a:r>
           </a:p>
@@ -4622,8 +5556,8 @@
         </p:nvSpPr>
         <p:spPr>
           <a:xfrm>
-            <a:off x="1235503" y="1947531"/>
-            <a:ext cx="4184159" cy="584775"/>
+            <a:off x="1313096" y="3799086"/>
+            <a:ext cx="2954655" cy="830997"/>
           </a:xfrm>
           <a:prstGeom prst="rect">
             <a:avLst/>
@@ -4637,18 +5571,18 @@
           <a:lstStyle/>
           <a:p>
             <a:r>
-              <a:rPr kumimoji="1" lang="ja-JP" altLang="en-US" sz="3200" dirty="0"/>
-              <a:t>・システムを作った動機</a:t>
-            </a:r>
-          </a:p>
-        </p:txBody>
-      </p:sp>
-      <p:sp>
-        <p:nvSpPr>
-          <p:cNvPr id="5" name="テキスト ボックス 4">
+              <a:rPr kumimoji="1" lang="ja-JP" altLang="en-US" sz="4800" dirty="0"/>
+              <a:t>・開発環境</a:t>
+            </a:r>
+          </a:p>
+        </p:txBody>
+      </p:sp>
+      <p:sp>
+        <p:nvSpPr>
+          <p:cNvPr id="9" name="テキスト ボックス 8">
             <a:extLst>
               <a:ext uri="{FF2B5EF4-FFF2-40B4-BE49-F238E27FC236}">
-                <a16:creationId xmlns:a16="http://schemas.microsoft.com/office/drawing/2014/main" id="{6D48E46F-4466-4E77-BB8A-52D6A136890A}"/>
+                <a16:creationId xmlns:a16="http://schemas.microsoft.com/office/drawing/2014/main" id="{692833D2-87A2-47CB-BA8D-9C07B80065D7}"/>
               </a:ext>
             </a:extLst>
           </p:cNvPr>
@@ -4657,8 +5591,8 @@
         </p:nvSpPr>
         <p:spPr>
           <a:xfrm>
-            <a:off x="1235503" y="2450089"/>
-            <a:ext cx="4270721" cy="584775"/>
+            <a:off x="1313096" y="1878412"/>
+            <a:ext cx="5654632" cy="830997"/>
           </a:xfrm>
           <a:prstGeom prst="rect">
             <a:avLst/>
@@ -4666,24 +5600,24 @@
           <a:noFill/>
         </p:spPr>
         <p:txBody>
-          <a:bodyPr wrap="none" rtlCol="0">
+          <a:bodyPr wrap="square" rtlCol="0">
             <a:spAutoFit/>
           </a:bodyPr>
           <a:lstStyle/>
           <a:p>
             <a:r>
-              <a:rPr kumimoji="1" lang="ja-JP" altLang="en-US" sz="3200" dirty="0"/>
-              <a:t>・大まかなシステム機能</a:t>
-            </a:r>
-          </a:p>
-        </p:txBody>
-      </p:sp>
-      <p:sp>
-        <p:nvSpPr>
-          <p:cNvPr id="6" name="テキスト ボックス 5">
+              <a:rPr kumimoji="1" lang="ja-JP" altLang="en-US" sz="4800" dirty="0"/>
+              <a:t>・開発物について</a:t>
+            </a:r>
+          </a:p>
+        </p:txBody>
+      </p:sp>
+      <p:sp>
+        <p:nvSpPr>
+          <p:cNvPr id="10" name="テキスト ボックス 9">
             <a:extLst>
               <a:ext uri="{FF2B5EF4-FFF2-40B4-BE49-F238E27FC236}">
-                <a16:creationId xmlns:a16="http://schemas.microsoft.com/office/drawing/2014/main" id="{A97E57FF-93D7-4878-8E25-3F684BA9136D}"/>
+                <a16:creationId xmlns:a16="http://schemas.microsoft.com/office/drawing/2014/main" id="{E3B87A81-28F7-41FD-8F71-880386452679}"/>
               </a:ext>
             </a:extLst>
           </p:cNvPr>
@@ -4692,8 +5626,8 @@
         </p:nvSpPr>
         <p:spPr>
           <a:xfrm>
-            <a:off x="1235503" y="2952647"/>
-            <a:ext cx="1152880" cy="584775"/>
+            <a:off x="1313096" y="2836459"/>
+            <a:ext cx="6186309" cy="830997"/>
           </a:xfrm>
           <a:prstGeom prst="rect">
             <a:avLst/>
@@ -4707,18 +5641,18 @@
           <a:lstStyle/>
           <a:p>
             <a:r>
-              <a:rPr kumimoji="1" lang="ja-JP" altLang="en-US" sz="3200" dirty="0"/>
-              <a:t>・デモ</a:t>
-            </a:r>
-          </a:p>
-        </p:txBody>
-      </p:sp>
-      <p:sp>
-        <p:nvSpPr>
-          <p:cNvPr id="7" name="テキスト ボックス 6">
+              <a:rPr kumimoji="1" lang="ja-JP" altLang="en-US" sz="4800" dirty="0"/>
+              <a:t>・システムを作った動機</a:t>
+            </a:r>
+          </a:p>
+        </p:txBody>
+      </p:sp>
+      <p:sp>
+        <p:nvSpPr>
+          <p:cNvPr id="11" name="テキスト ボックス 10">
             <a:extLst>
               <a:ext uri="{FF2B5EF4-FFF2-40B4-BE49-F238E27FC236}">
-                <a16:creationId xmlns:a16="http://schemas.microsoft.com/office/drawing/2014/main" id="{DC02F3E1-4180-4613-B13B-96C72CF39901}"/>
+                <a16:creationId xmlns:a16="http://schemas.microsoft.com/office/drawing/2014/main" id="{63722904-E70E-4FC5-93F4-B0F7FA492465}"/>
               </a:ext>
             </a:extLst>
           </p:cNvPr>
@@ -4727,8 +5661,8 @@
         </p:nvSpPr>
         <p:spPr>
           <a:xfrm>
-            <a:off x="1235503" y="3399186"/>
-            <a:ext cx="4815742" cy="584775"/>
+            <a:off x="1285033" y="4761713"/>
+            <a:ext cx="3570208" cy="830997"/>
           </a:xfrm>
           <a:prstGeom prst="rect">
             <a:avLst/>
@@ -4742,43 +5676,8 @@
           <a:lstStyle/>
           <a:p>
             <a:r>
-              <a:rPr kumimoji="1" lang="ja-JP" altLang="en-US" sz="3200" dirty="0"/>
-              <a:t>・グループ開発の感想個人</a:t>
-            </a:r>
-          </a:p>
-        </p:txBody>
-      </p:sp>
-      <p:sp>
-        <p:nvSpPr>
-          <p:cNvPr id="8" name="テキスト ボックス 7">
-            <a:extLst>
-              <a:ext uri="{FF2B5EF4-FFF2-40B4-BE49-F238E27FC236}">
-                <a16:creationId xmlns:a16="http://schemas.microsoft.com/office/drawing/2014/main" id="{71840DBC-2A9E-43C7-AA44-BD95F22DF84C}"/>
-              </a:ext>
-            </a:extLst>
-          </p:cNvPr>
-          <p:cNvSpPr txBox="1"/>
-          <p:nvPr/>
-        </p:nvSpPr>
-        <p:spPr>
-          <a:xfrm>
-            <a:off x="1235503" y="3983961"/>
-            <a:ext cx="4815742" cy="584775"/>
-          </a:xfrm>
-          <a:prstGeom prst="rect">
-            <a:avLst/>
-          </a:prstGeom>
-          <a:noFill/>
-        </p:spPr>
-        <p:txBody>
-          <a:bodyPr wrap="none" rtlCol="0">
-            <a:spAutoFit/>
-          </a:bodyPr>
-          <a:lstStyle/>
-          <a:p>
-            <a:r>
-              <a:rPr kumimoji="1" lang="ja-JP" altLang="en-US" sz="3200" dirty="0"/>
-              <a:t>・グループ開発の感想全体</a:t>
+              <a:rPr kumimoji="1" lang="ja-JP" altLang="en-US" sz="4800" dirty="0"/>
+              <a:t>・総開発時間</a:t>
             </a:r>
           </a:p>
         </p:txBody>
@@ -4818,7 +5717,7 @@
           <p:cNvPr id="2" name="タイトル 1">
             <a:extLst>
               <a:ext uri="{FF2B5EF4-FFF2-40B4-BE49-F238E27FC236}">
-                <a16:creationId xmlns:a16="http://schemas.microsoft.com/office/drawing/2014/main" id="{AD47A9EB-59B0-4024-8478-938E4D60AD17}"/>
+                <a16:creationId xmlns:a16="http://schemas.microsoft.com/office/drawing/2014/main" id="{38525E75-6859-4CCC-95D9-1B3E59976600}"/>
               </a:ext>
             </a:extLst>
           </p:cNvPr>
@@ -4829,24 +5728,31 @@
             <p:ph type="title"/>
           </p:nvPr>
         </p:nvSpPr>
-        <p:spPr/>
-        <p:txBody>
-          <a:bodyPr/>
-          <a:lstStyle/>
-          <a:p>
-            <a:r>
-              <a:rPr kumimoji="1" lang="ja-JP" altLang="en-US" dirty="0"/>
-              <a:t>システムを作った動機</a:t>
-            </a:r>
-          </a:p>
-        </p:txBody>
-      </p:sp>
-      <p:sp>
-        <p:nvSpPr>
-          <p:cNvPr id="6" name="テキスト ボックス 5">
+        <p:spPr>
+          <a:xfrm>
+            <a:off x="1285033" y="273504"/>
+            <a:ext cx="10058400" cy="1450757"/>
+          </a:xfrm>
+        </p:spPr>
+        <p:txBody>
+          <a:bodyPr>
+            <a:normAutofit/>
+          </a:bodyPr>
+          <a:lstStyle/>
+          <a:p>
+            <a:r>
+              <a:rPr kumimoji="1" lang="ja-JP" altLang="en-US" sz="7200" dirty="0"/>
+              <a:t>目次</a:t>
+            </a:r>
+          </a:p>
+        </p:txBody>
+      </p:sp>
+      <p:sp>
+        <p:nvSpPr>
+          <p:cNvPr id="5" name="テキスト ボックス 4">
             <a:extLst>
               <a:ext uri="{FF2B5EF4-FFF2-40B4-BE49-F238E27FC236}">
-                <a16:creationId xmlns:a16="http://schemas.microsoft.com/office/drawing/2014/main" id="{D7AEB56A-B41F-402D-8EEE-F76E8B9F696B}"/>
+                <a16:creationId xmlns:a16="http://schemas.microsoft.com/office/drawing/2014/main" id="{6D48E46F-4466-4E77-BB8A-52D6A136890A}"/>
               </a:ext>
             </a:extLst>
           </p:cNvPr>
@@ -4855,8 +5761,8 @@
         </p:nvSpPr>
         <p:spPr>
           <a:xfrm>
-            <a:off x="1262078" y="2209800"/>
-            <a:ext cx="9853980" cy="1077218"/>
+            <a:off x="1285033" y="1956733"/>
+            <a:ext cx="6990705" cy="830997"/>
           </a:xfrm>
           <a:prstGeom prst="rect">
             <a:avLst/>
@@ -4864,21 +5770,119 @@
           <a:noFill/>
         </p:spPr>
         <p:txBody>
-          <a:bodyPr wrap="none" rtlCol="0">
+          <a:bodyPr wrap="square" rtlCol="0">
             <a:spAutoFit/>
           </a:bodyPr>
           <a:lstStyle/>
           <a:p>
             <a:r>
-              <a:rPr kumimoji="1" lang="ja-JP" altLang="en-US" sz="3200" dirty="0"/>
-              <a:t>・家計簿を使ってもらって支出や浪費を減らし豊な人生を</a:t>
-            </a:r>
-            <a:endParaRPr kumimoji="1" lang="en-US" altLang="ja-JP" sz="3200" dirty="0"/>
-          </a:p>
-          <a:p>
-            <a:r>
-              <a:rPr kumimoji="1" lang="ja-JP" altLang="en-US" sz="3200" dirty="0"/>
-              <a:t>  歩んでもらいたい</a:t>
+              <a:rPr kumimoji="1" lang="ja-JP" altLang="en-US" sz="4800" dirty="0"/>
+              <a:t>・大まかなシステム機能</a:t>
+            </a:r>
+          </a:p>
+        </p:txBody>
+      </p:sp>
+      <p:sp>
+        <p:nvSpPr>
+          <p:cNvPr id="6" name="テキスト ボックス 5">
+            <a:extLst>
+              <a:ext uri="{FF2B5EF4-FFF2-40B4-BE49-F238E27FC236}">
+                <a16:creationId xmlns:a16="http://schemas.microsoft.com/office/drawing/2014/main" id="{A97E57FF-93D7-4878-8E25-3F684BA9136D}"/>
+              </a:ext>
+            </a:extLst>
+          </p:cNvPr>
+          <p:cNvSpPr txBox="1"/>
+          <p:nvPr/>
+        </p:nvSpPr>
+        <p:spPr>
+          <a:xfrm>
+            <a:off x="1285032" y="2970296"/>
+            <a:ext cx="3652727" cy="830997"/>
+          </a:xfrm>
+          <a:prstGeom prst="rect">
+            <a:avLst/>
+          </a:prstGeom>
+          <a:noFill/>
+        </p:spPr>
+        <p:txBody>
+          <a:bodyPr wrap="square" rtlCol="0">
+            <a:spAutoFit/>
+          </a:bodyPr>
+          <a:lstStyle/>
+          <a:p>
+            <a:r>
+              <a:rPr kumimoji="1" lang="ja-JP" altLang="en-US" sz="4800" dirty="0"/>
+              <a:t>・デモ</a:t>
+            </a:r>
+          </a:p>
+        </p:txBody>
+      </p:sp>
+      <p:sp>
+        <p:nvSpPr>
+          <p:cNvPr id="7" name="テキスト ボックス 6">
+            <a:extLst>
+              <a:ext uri="{FF2B5EF4-FFF2-40B4-BE49-F238E27FC236}">
+                <a16:creationId xmlns:a16="http://schemas.microsoft.com/office/drawing/2014/main" id="{DC02F3E1-4180-4613-B13B-96C72CF39901}"/>
+              </a:ext>
+            </a:extLst>
+          </p:cNvPr>
+          <p:cNvSpPr txBox="1"/>
+          <p:nvPr/>
+        </p:nvSpPr>
+        <p:spPr>
+          <a:xfrm>
+            <a:off x="1285032" y="3887704"/>
+            <a:ext cx="8041847" cy="830997"/>
+          </a:xfrm>
+          <a:prstGeom prst="rect">
+            <a:avLst/>
+          </a:prstGeom>
+          <a:noFill/>
+        </p:spPr>
+        <p:txBody>
+          <a:bodyPr wrap="square" rtlCol="0">
+            <a:spAutoFit/>
+          </a:bodyPr>
+          <a:lstStyle/>
+          <a:p>
+            <a:r>
+              <a:rPr kumimoji="1" lang="ja-JP" altLang="en-US" sz="4800" dirty="0"/>
+              <a:t>・グループ開発の感想個人</a:t>
+            </a:r>
+          </a:p>
+        </p:txBody>
+      </p:sp>
+      <p:sp>
+        <p:nvSpPr>
+          <p:cNvPr id="8" name="テキスト ボックス 7">
+            <a:extLst>
+              <a:ext uri="{FF2B5EF4-FFF2-40B4-BE49-F238E27FC236}">
+                <a16:creationId xmlns:a16="http://schemas.microsoft.com/office/drawing/2014/main" id="{71840DBC-2A9E-43C7-AA44-BD95F22DF84C}"/>
+              </a:ext>
+            </a:extLst>
+          </p:cNvPr>
+          <p:cNvSpPr txBox="1"/>
+          <p:nvPr/>
+        </p:nvSpPr>
+        <p:spPr>
+          <a:xfrm>
+            <a:off x="1285032" y="4944472"/>
+            <a:ext cx="8238143" cy="830997"/>
+          </a:xfrm>
+          <a:prstGeom prst="rect">
+            <a:avLst/>
+          </a:prstGeom>
+          <a:noFill/>
+        </p:spPr>
+        <p:txBody>
+          <a:bodyPr wrap="square" rtlCol="0">
+            <a:spAutoFit/>
+          </a:bodyPr>
+          <a:lstStyle/>
+          <a:p>
+            <a:r>
+              <a:rPr kumimoji="1" lang="ja-JP" altLang="en-US" sz="4800" dirty="0"/>
+              <a:t>・グループ開発の感想全体</a:t>
             </a:r>
           </a:p>
         </p:txBody>
@@ -4886,7 +5890,7 @@
     </p:spTree>
     <p:extLst>
       <p:ext uri="{BB962C8B-B14F-4D97-AF65-F5344CB8AC3E}">
-        <p14:creationId xmlns:p14="http://schemas.microsoft.com/office/powerpoint/2010/main" val="2760113443"/>
+        <p14:creationId xmlns:p14="http://schemas.microsoft.com/office/powerpoint/2010/main" val="3245711014"/>
       </p:ext>
     </p:extLst>
   </p:cSld>
@@ -4918,7 +5922,7 @@
           <p:cNvPr id="2" name="タイトル 1">
             <a:extLst>
               <a:ext uri="{FF2B5EF4-FFF2-40B4-BE49-F238E27FC236}">
-                <a16:creationId xmlns:a16="http://schemas.microsoft.com/office/drawing/2014/main" id="{E1EDD94E-7452-4ED7-8E3F-714CB643674F}"/>
+                <a16:creationId xmlns:a16="http://schemas.microsoft.com/office/drawing/2014/main" id="{5964E447-0A99-49B6-A08E-863EFE6F5520}"/>
               </a:ext>
             </a:extLst>
           </p:cNvPr>
@@ -4931,321 +5935,342 @@
         </p:nvSpPr>
         <p:spPr/>
         <p:txBody>
-          <a:bodyPr/>
-          <a:lstStyle/>
-          <a:p>
-            <a:r>
-              <a:rPr kumimoji="1" lang="ja-JP" altLang="en-US" dirty="0"/>
-              <a:t>大まかなシステム機能</a:t>
-            </a:r>
-          </a:p>
-        </p:txBody>
-      </p:sp>
-      <p:sp>
-        <p:nvSpPr>
-          <p:cNvPr id="4" name="テキスト ボックス 3">
+          <a:bodyPr>
+            <a:normAutofit/>
+          </a:bodyPr>
+          <a:lstStyle/>
+          <a:p>
+            <a:r>
+              <a:rPr kumimoji="1" lang="ja-JP" altLang="en-US" sz="7200" dirty="0"/>
+              <a:t>開発物について</a:t>
+            </a:r>
+          </a:p>
+        </p:txBody>
+      </p:sp>
+      <p:sp>
+        <p:nvSpPr>
+          <p:cNvPr id="3" name="コンテンツ プレースホルダー 2">
             <a:extLst>
               <a:ext uri="{FF2B5EF4-FFF2-40B4-BE49-F238E27FC236}">
-                <a16:creationId xmlns:a16="http://schemas.microsoft.com/office/drawing/2014/main" id="{A257304D-8129-42EF-96B3-F0FC7A7DC971}"/>
+                <a16:creationId xmlns:a16="http://schemas.microsoft.com/office/drawing/2014/main" id="{D91B5385-8202-436C-9FA3-221E51470542}"/>
               </a:ext>
             </a:extLst>
           </p:cNvPr>
-          <p:cNvSpPr txBox="1"/>
+          <p:cNvSpPr>
+            <a:spLocks noGrp="1"/>
+          </p:cNvSpPr>
+          <p:nvPr>
+            <p:ph idx="1"/>
+          </p:nvPr>
+        </p:nvSpPr>
+        <p:spPr>
+          <a:xfrm>
+            <a:off x="1859280" y="2400083"/>
+            <a:ext cx="9075420" cy="1450757"/>
+          </a:xfrm>
+        </p:spPr>
+        <p:txBody>
+          <a:bodyPr>
+            <a:normAutofit/>
+          </a:bodyPr>
+          <a:lstStyle/>
+          <a:p>
+            <a:pPr marL="0" indent="0">
+              <a:buNone/>
+            </a:pPr>
+            <a:r>
+              <a:rPr lang="ja-JP" altLang="en-US" sz="8800" dirty="0"/>
+              <a:t>家計管理システム</a:t>
+            </a:r>
+            <a:endParaRPr lang="en-US" altLang="ja-JP" sz="8800" dirty="0"/>
+          </a:p>
+        </p:txBody>
+      </p:sp>
+      <p:sp>
+        <p:nvSpPr>
+          <p:cNvPr id="4" name="コンテンツ プレースホルダー 2">
+            <a:extLst>
+              <a:ext uri="{FF2B5EF4-FFF2-40B4-BE49-F238E27FC236}">
+                <a16:creationId xmlns:a16="http://schemas.microsoft.com/office/drawing/2014/main" id="{BECAF397-C4BE-4F92-9FB2-F05E55D3322D}"/>
+              </a:ext>
+            </a:extLst>
+          </p:cNvPr>
+          <p:cNvSpPr txBox="1">
+            <a:spLocks/>
+          </p:cNvSpPr>
           <p:nvPr/>
         </p:nvSpPr>
         <p:spPr>
           <a:xfrm>
-            <a:off x="1097280" y="1905000"/>
-            <a:ext cx="6569427" cy="584775"/>
+            <a:off x="3063240" y="3757094"/>
+            <a:ext cx="6065520" cy="1426622"/>
           </a:xfrm>
           <a:prstGeom prst="rect">
             <a:avLst/>
           </a:prstGeom>
-          <a:noFill/>
-        </p:spPr>
-        <p:txBody>
-          <a:bodyPr wrap="none" rtlCol="0">
-            <a:spAutoFit/>
+        </p:spPr>
+        <p:txBody>
+          <a:bodyPr vert="horz" lIns="0" tIns="45720" rIns="0" bIns="45720" rtlCol="0">
+            <a:normAutofit/>
           </a:bodyPr>
-          <a:lstStyle/>
-          <a:p>
-            <a:r>
-              <a:rPr kumimoji="1" lang="ja-JP" altLang="en-US" sz="3200" dirty="0">
+          <a:lstStyle>
+            <a:lvl1pPr marL="91440" indent="-91440" algn="l" defTabSz="914400" rtl="0" eaLnBrk="1" latinLnBrk="0" hangingPunct="1">
+              <a:lnSpc>
+                <a:spcPct val="90000"/>
+              </a:lnSpc>
+              <a:spcBef>
+                <a:spcPts val="1200"/>
+              </a:spcBef>
+              <a:spcAft>
+                <a:spcPts val="200"/>
+              </a:spcAft>
+              <a:buClr>
+                <a:schemeClr val="accent1"/>
+              </a:buClr>
+              <a:buSzPct val="100000"/>
+              <a:buFont typeface="Calibri" panose="020F0502020204030204" pitchFamily="34" charset="0"/>
+              <a:buChar char=" "/>
+              <a:defRPr kumimoji="1" sz="2000" kern="1200">
+                <a:solidFill>
+                  <a:schemeClr val="tx1">
+                    <a:lumMod val="75000"/>
+                    <a:lumOff val="25000"/>
+                  </a:schemeClr>
+                </a:solidFill>
+                <a:latin typeface="+mn-lt"/>
+                <a:ea typeface="+mn-ea"/>
+                <a:cs typeface="+mn-cs"/>
+              </a:defRPr>
+            </a:lvl1pPr>
+            <a:lvl2pPr marL="384048" indent="-182880" algn="l" defTabSz="914400" rtl="0" eaLnBrk="1" latinLnBrk="0" hangingPunct="1">
+              <a:lnSpc>
+                <a:spcPct val="90000"/>
+              </a:lnSpc>
+              <a:spcBef>
+                <a:spcPts val="200"/>
+              </a:spcBef>
+              <a:spcAft>
+                <a:spcPts val="400"/>
+              </a:spcAft>
+              <a:buClr>
+                <a:schemeClr val="accent1"/>
+              </a:buClr>
+              <a:buFont typeface="Calibri" pitchFamily="34" charset="0"/>
+              <a:buChar char="◦"/>
+              <a:defRPr kumimoji="1" sz="1800" kern="1200">
+                <a:solidFill>
+                  <a:schemeClr val="tx1">
+                    <a:lumMod val="75000"/>
+                    <a:lumOff val="25000"/>
+                  </a:schemeClr>
+                </a:solidFill>
+                <a:latin typeface="+mn-lt"/>
+                <a:ea typeface="+mn-ea"/>
+                <a:cs typeface="+mn-cs"/>
+              </a:defRPr>
+            </a:lvl2pPr>
+            <a:lvl3pPr marL="566928" indent="-182880" algn="l" defTabSz="914400" rtl="0" eaLnBrk="1" latinLnBrk="0" hangingPunct="1">
+              <a:lnSpc>
+                <a:spcPct val="90000"/>
+              </a:lnSpc>
+              <a:spcBef>
+                <a:spcPts val="200"/>
+              </a:spcBef>
+              <a:spcAft>
+                <a:spcPts val="400"/>
+              </a:spcAft>
+              <a:buClr>
+                <a:schemeClr val="accent1"/>
+              </a:buClr>
+              <a:buFont typeface="Calibri" pitchFamily="34" charset="0"/>
+              <a:buChar char="◦"/>
+              <a:defRPr kumimoji="1" sz="1400" kern="1200">
+                <a:solidFill>
+                  <a:schemeClr val="tx1">
+                    <a:lumMod val="75000"/>
+                    <a:lumOff val="25000"/>
+                  </a:schemeClr>
+                </a:solidFill>
+                <a:latin typeface="+mn-lt"/>
+                <a:ea typeface="+mn-ea"/>
+                <a:cs typeface="+mn-cs"/>
+              </a:defRPr>
+            </a:lvl3pPr>
+            <a:lvl4pPr marL="749808" indent="-182880" algn="l" defTabSz="914400" rtl="0" eaLnBrk="1" latinLnBrk="0" hangingPunct="1">
+              <a:lnSpc>
+                <a:spcPct val="90000"/>
+              </a:lnSpc>
+              <a:spcBef>
+                <a:spcPts val="200"/>
+              </a:spcBef>
+              <a:spcAft>
+                <a:spcPts val="400"/>
+              </a:spcAft>
+              <a:buClr>
+                <a:schemeClr val="accent1"/>
+              </a:buClr>
+              <a:buFont typeface="Calibri" pitchFamily="34" charset="0"/>
+              <a:buChar char="◦"/>
+              <a:defRPr kumimoji="1" sz="1400" kern="1200">
+                <a:solidFill>
+                  <a:schemeClr val="tx1">
+                    <a:lumMod val="75000"/>
+                    <a:lumOff val="25000"/>
+                  </a:schemeClr>
+                </a:solidFill>
+                <a:latin typeface="+mn-lt"/>
+                <a:ea typeface="+mn-ea"/>
+                <a:cs typeface="+mn-cs"/>
+              </a:defRPr>
+            </a:lvl4pPr>
+            <a:lvl5pPr marL="932688" indent="-182880" algn="l" defTabSz="914400" rtl="0" eaLnBrk="1" latinLnBrk="0" hangingPunct="1">
+              <a:lnSpc>
+                <a:spcPct val="90000"/>
+              </a:lnSpc>
+              <a:spcBef>
+                <a:spcPts val="200"/>
+              </a:spcBef>
+              <a:spcAft>
+                <a:spcPts val="400"/>
+              </a:spcAft>
+              <a:buClr>
+                <a:schemeClr val="accent1"/>
+              </a:buClr>
+              <a:buFont typeface="Calibri" pitchFamily="34" charset="0"/>
+              <a:buChar char="◦"/>
+              <a:defRPr kumimoji="1" sz="1400" kern="1200">
+                <a:solidFill>
+                  <a:schemeClr val="tx1">
+                    <a:lumMod val="75000"/>
+                    <a:lumOff val="25000"/>
+                  </a:schemeClr>
+                </a:solidFill>
+                <a:latin typeface="+mn-lt"/>
+                <a:ea typeface="+mn-ea"/>
+                <a:cs typeface="+mn-cs"/>
+              </a:defRPr>
+            </a:lvl5pPr>
+            <a:lvl6pPr marL="1100000" indent="-228600" algn="l" defTabSz="914400" rtl="0" eaLnBrk="1" latinLnBrk="0" hangingPunct="1">
+              <a:lnSpc>
+                <a:spcPct val="90000"/>
+              </a:lnSpc>
+              <a:spcBef>
+                <a:spcPts val="200"/>
+              </a:spcBef>
+              <a:spcAft>
+                <a:spcPts val="400"/>
+              </a:spcAft>
+              <a:buClr>
+                <a:schemeClr val="accent1"/>
+              </a:buClr>
+              <a:buFont typeface="Calibri" pitchFamily="34" charset="0"/>
+              <a:buChar char="◦"/>
+              <a:defRPr kumimoji="1" sz="1400" kern="1200">
+                <a:solidFill>
+                  <a:schemeClr val="tx1">
+                    <a:lumMod val="75000"/>
+                    <a:lumOff val="25000"/>
+                  </a:schemeClr>
+                </a:solidFill>
+                <a:latin typeface="+mn-lt"/>
+                <a:ea typeface="+mn-ea"/>
+                <a:cs typeface="+mn-cs"/>
+              </a:defRPr>
+            </a:lvl6pPr>
+            <a:lvl7pPr marL="1300000" indent="-228600" algn="l" defTabSz="914400" rtl="0" eaLnBrk="1" latinLnBrk="0" hangingPunct="1">
+              <a:lnSpc>
+                <a:spcPct val="90000"/>
+              </a:lnSpc>
+              <a:spcBef>
+                <a:spcPts val="200"/>
+              </a:spcBef>
+              <a:spcAft>
+                <a:spcPts val="400"/>
+              </a:spcAft>
+              <a:buClr>
+                <a:schemeClr val="accent1"/>
+              </a:buClr>
+              <a:buFont typeface="Calibri" pitchFamily="34" charset="0"/>
+              <a:buChar char="◦"/>
+              <a:defRPr kumimoji="1" sz="1400" kern="1200">
+                <a:solidFill>
+                  <a:schemeClr val="tx1">
+                    <a:lumMod val="75000"/>
+                    <a:lumOff val="25000"/>
+                  </a:schemeClr>
+                </a:solidFill>
+                <a:latin typeface="+mn-lt"/>
+                <a:ea typeface="+mn-ea"/>
+                <a:cs typeface="+mn-cs"/>
+              </a:defRPr>
+            </a:lvl7pPr>
+            <a:lvl8pPr marL="1500000" indent="-228600" algn="l" defTabSz="914400" rtl="0" eaLnBrk="1" latinLnBrk="0" hangingPunct="1">
+              <a:lnSpc>
+                <a:spcPct val="90000"/>
+              </a:lnSpc>
+              <a:spcBef>
+                <a:spcPts val="200"/>
+              </a:spcBef>
+              <a:spcAft>
+                <a:spcPts val="400"/>
+              </a:spcAft>
+              <a:buClr>
+                <a:schemeClr val="accent1"/>
+              </a:buClr>
+              <a:buFont typeface="Calibri" pitchFamily="34" charset="0"/>
+              <a:buChar char="◦"/>
+              <a:defRPr kumimoji="1" sz="1400" kern="1200">
+                <a:solidFill>
+                  <a:schemeClr val="tx1">
+                    <a:lumMod val="75000"/>
+                    <a:lumOff val="25000"/>
+                  </a:schemeClr>
+                </a:solidFill>
+                <a:latin typeface="+mn-lt"/>
+                <a:ea typeface="+mn-ea"/>
+                <a:cs typeface="+mn-cs"/>
+              </a:defRPr>
+            </a:lvl8pPr>
+            <a:lvl9pPr marL="1700000" indent="-228600" algn="l" defTabSz="914400" rtl="0" eaLnBrk="1" latinLnBrk="0" hangingPunct="1">
+              <a:lnSpc>
+                <a:spcPct val="90000"/>
+              </a:lnSpc>
+              <a:spcBef>
+                <a:spcPts val="200"/>
+              </a:spcBef>
+              <a:spcAft>
+                <a:spcPts val="400"/>
+              </a:spcAft>
+              <a:buClr>
+                <a:schemeClr val="accent1"/>
+              </a:buClr>
+              <a:buFont typeface="Calibri" pitchFamily="34" charset="0"/>
+              <a:buChar char="◦"/>
+              <a:defRPr kumimoji="1" sz="1400" kern="1200">
+                <a:solidFill>
+                  <a:schemeClr val="tx1">
+                    <a:lumMod val="75000"/>
+                    <a:lumOff val="25000"/>
+                  </a:schemeClr>
+                </a:solidFill>
+                <a:latin typeface="+mn-lt"/>
+                <a:ea typeface="+mn-ea"/>
+                <a:cs typeface="+mn-cs"/>
+              </a:defRPr>
+            </a:lvl9pPr>
+          </a:lstStyle>
+          <a:p>
+            <a:pPr marL="0" indent="0">
+              <a:buFont typeface="Calibri" panose="020F0502020204030204" pitchFamily="34" charset="0"/>
+              <a:buNone/>
+            </a:pPr>
+            <a:r>
+              <a:rPr lang="ja-JP" altLang="en-US" sz="9600" b="1" dirty="0">
                 <a:solidFill>
                   <a:srgbClr val="FF0000"/>
                 </a:solidFill>
               </a:rPr>
-              <a:t>・ユーザー登録機能</a:t>
-            </a:r>
-            <a:r>
-              <a:rPr kumimoji="1" lang="ja-JP" altLang="en-US" sz="3200" dirty="0"/>
-              <a:t>（アカウント作成）</a:t>
-            </a:r>
-          </a:p>
-        </p:txBody>
-      </p:sp>
-      <p:sp>
-        <p:nvSpPr>
-          <p:cNvPr id="5" name="テキスト ボックス 4">
-            <a:extLst>
-              <a:ext uri="{FF2B5EF4-FFF2-40B4-BE49-F238E27FC236}">
-                <a16:creationId xmlns:a16="http://schemas.microsoft.com/office/drawing/2014/main" id="{0E54FD1B-E51B-41A8-AC9E-E5A040CC393D}"/>
-              </a:ext>
-            </a:extLst>
-          </p:cNvPr>
-          <p:cNvSpPr txBox="1"/>
-          <p:nvPr/>
-        </p:nvSpPr>
-        <p:spPr>
-          <a:xfrm>
-            <a:off x="1097280" y="2471398"/>
-            <a:ext cx="5468164" cy="584775"/>
-          </a:xfrm>
-          <a:prstGeom prst="rect">
-            <a:avLst/>
-          </a:prstGeom>
-          <a:noFill/>
-        </p:spPr>
-        <p:txBody>
-          <a:bodyPr wrap="none" rtlCol="0">
-            <a:spAutoFit/>
-          </a:bodyPr>
-          <a:lstStyle/>
-          <a:p>
-            <a:r>
-              <a:rPr kumimoji="1" lang="ja-JP" altLang="en-US" sz="3200" dirty="0">
-                <a:solidFill>
-                  <a:srgbClr val="FF0000"/>
-                </a:solidFill>
-              </a:rPr>
-              <a:t>・ユーザー認証機能</a:t>
-            </a:r>
-            <a:r>
-              <a:rPr kumimoji="1" lang="ja-JP" altLang="en-US" sz="3200" dirty="0"/>
-              <a:t>（ログイン）</a:t>
-            </a:r>
-          </a:p>
-        </p:txBody>
-      </p:sp>
-      <p:sp>
-        <p:nvSpPr>
-          <p:cNvPr id="6" name="テキスト ボックス 5">
-            <a:extLst>
-              <a:ext uri="{FF2B5EF4-FFF2-40B4-BE49-F238E27FC236}">
-                <a16:creationId xmlns:a16="http://schemas.microsoft.com/office/drawing/2014/main" id="{74641B81-4112-491D-A619-16594E1851D2}"/>
-              </a:ext>
-            </a:extLst>
-          </p:cNvPr>
-          <p:cNvSpPr txBox="1"/>
-          <p:nvPr/>
-        </p:nvSpPr>
-        <p:spPr>
-          <a:xfrm>
-            <a:off x="1097280" y="3056173"/>
-            <a:ext cx="8996374" cy="584775"/>
-          </a:xfrm>
-          <a:prstGeom prst="rect">
-            <a:avLst/>
-          </a:prstGeom>
-          <a:noFill/>
-        </p:spPr>
-        <p:txBody>
-          <a:bodyPr wrap="none" rtlCol="0">
-            <a:spAutoFit/>
-          </a:bodyPr>
-          <a:lstStyle/>
-          <a:p>
-            <a:r>
-              <a:rPr kumimoji="1" lang="ja-JP" altLang="en-US" sz="3200" dirty="0">
-                <a:solidFill>
-                  <a:srgbClr val="FF0000"/>
-                </a:solidFill>
-              </a:rPr>
-              <a:t>・収入、支出記入機能</a:t>
-            </a:r>
-            <a:r>
-              <a:rPr kumimoji="1" lang="ja-JP" altLang="en-US" sz="3200" dirty="0"/>
-              <a:t>（収入と支出のデータを入力）</a:t>
-            </a:r>
-          </a:p>
-        </p:txBody>
-      </p:sp>
-      <p:sp>
-        <p:nvSpPr>
-          <p:cNvPr id="7" name="テキスト ボックス 6">
-            <a:extLst>
-              <a:ext uri="{FF2B5EF4-FFF2-40B4-BE49-F238E27FC236}">
-                <a16:creationId xmlns:a16="http://schemas.microsoft.com/office/drawing/2014/main" id="{90F1F11D-4038-4170-B1F9-00C5C9F49006}"/>
-              </a:ext>
-            </a:extLst>
-          </p:cNvPr>
-          <p:cNvSpPr txBox="1"/>
-          <p:nvPr/>
-        </p:nvSpPr>
-        <p:spPr>
-          <a:xfrm>
-            <a:off x="1097280" y="3640948"/>
-            <a:ext cx="7040710" cy="584775"/>
-          </a:xfrm>
-          <a:prstGeom prst="rect">
-            <a:avLst/>
-          </a:prstGeom>
-          <a:noFill/>
-        </p:spPr>
-        <p:txBody>
-          <a:bodyPr wrap="none" rtlCol="0">
-            <a:spAutoFit/>
-          </a:bodyPr>
-          <a:lstStyle/>
-          <a:p>
-            <a:r>
-              <a:rPr kumimoji="1" lang="ja-JP" altLang="en-US" sz="3200" dirty="0">
-                <a:solidFill>
-                  <a:srgbClr val="FF0000"/>
-                </a:solidFill>
-              </a:rPr>
-              <a:t>・閲覧機能</a:t>
-            </a:r>
-            <a:r>
-              <a:rPr kumimoji="1" lang="ja-JP" altLang="en-US" sz="3200" dirty="0"/>
-              <a:t>（入力した収入、支出を表示）</a:t>
-            </a:r>
-          </a:p>
-        </p:txBody>
-      </p:sp>
-      <p:sp>
-        <p:nvSpPr>
-          <p:cNvPr id="8" name="テキスト ボックス 7">
-            <a:extLst>
-              <a:ext uri="{FF2B5EF4-FFF2-40B4-BE49-F238E27FC236}">
-                <a16:creationId xmlns:a16="http://schemas.microsoft.com/office/drawing/2014/main" id="{FDFB6392-D8C1-41F8-9ACB-B07EB92075A7}"/>
-              </a:ext>
-            </a:extLst>
-          </p:cNvPr>
-          <p:cNvSpPr txBox="1"/>
-          <p:nvPr/>
-        </p:nvSpPr>
-        <p:spPr>
-          <a:xfrm>
-            <a:off x="1097280" y="4242238"/>
-            <a:ext cx="8677375" cy="584775"/>
-          </a:xfrm>
-          <a:prstGeom prst="rect">
-            <a:avLst/>
-          </a:prstGeom>
-          <a:noFill/>
-        </p:spPr>
-        <p:txBody>
-          <a:bodyPr wrap="none" rtlCol="0">
-            <a:spAutoFit/>
-          </a:bodyPr>
-          <a:lstStyle/>
-          <a:p>
-            <a:r>
-              <a:rPr kumimoji="1" lang="ja-JP" altLang="en-US" sz="3200" dirty="0">
-                <a:solidFill>
-                  <a:srgbClr val="FF0000"/>
-                </a:solidFill>
-              </a:rPr>
-              <a:t>・支払い通知設定</a:t>
-            </a:r>
-            <a:r>
-              <a:rPr kumimoji="1" lang="ja-JP" altLang="en-US" sz="3200" dirty="0"/>
-              <a:t>（その日の支払いをお知らせ）</a:t>
-            </a:r>
-          </a:p>
-        </p:txBody>
-      </p:sp>
-      <p:sp>
-        <p:nvSpPr>
-          <p:cNvPr id="9" name="テキスト ボックス 8">
-            <a:extLst>
-              <a:ext uri="{FF2B5EF4-FFF2-40B4-BE49-F238E27FC236}">
-                <a16:creationId xmlns:a16="http://schemas.microsoft.com/office/drawing/2014/main" id="{8CF05F54-E0A7-483E-A3BE-1863957D0161}"/>
-              </a:ext>
-            </a:extLst>
-          </p:cNvPr>
-          <p:cNvSpPr txBox="1"/>
-          <p:nvPr/>
-        </p:nvSpPr>
-        <p:spPr>
-          <a:xfrm>
-            <a:off x="1097280" y="4843528"/>
-            <a:ext cx="9078126" cy="584775"/>
-          </a:xfrm>
-          <a:prstGeom prst="rect">
-            <a:avLst/>
-          </a:prstGeom>
-          <a:noFill/>
-        </p:spPr>
-        <p:txBody>
-          <a:bodyPr wrap="none" rtlCol="0">
-            <a:spAutoFit/>
-          </a:bodyPr>
-          <a:lstStyle/>
-          <a:p>
-            <a:r>
-              <a:rPr kumimoji="1" lang="ja-JP" altLang="en-US" sz="3200" dirty="0">
-                <a:solidFill>
-                  <a:srgbClr val="FF0000"/>
-                </a:solidFill>
-              </a:rPr>
-              <a:t>・忘れ防止通知機能</a:t>
-            </a:r>
-            <a:r>
-              <a:rPr kumimoji="1" lang="ja-JP" altLang="en-US" sz="3200" dirty="0"/>
-              <a:t>（その時間帯にログインを促す）</a:t>
-            </a:r>
-          </a:p>
-        </p:txBody>
-      </p:sp>
-      <p:sp>
-        <p:nvSpPr>
-          <p:cNvPr id="10" name="テキスト ボックス 9">
-            <a:extLst>
-              <a:ext uri="{FF2B5EF4-FFF2-40B4-BE49-F238E27FC236}">
-                <a16:creationId xmlns:a16="http://schemas.microsoft.com/office/drawing/2014/main" id="{8714A85C-C0EB-474A-9339-B6FF5C0DF376}"/>
-              </a:ext>
-            </a:extLst>
-          </p:cNvPr>
-          <p:cNvSpPr txBox="1"/>
-          <p:nvPr/>
-        </p:nvSpPr>
-        <p:spPr>
-          <a:xfrm>
-            <a:off x="1108710" y="5428303"/>
-            <a:ext cx="10589758" cy="584775"/>
-          </a:xfrm>
-          <a:prstGeom prst="rect">
-            <a:avLst/>
-          </a:prstGeom>
-          <a:noFill/>
-        </p:spPr>
-        <p:txBody>
-          <a:bodyPr wrap="none" rtlCol="0">
-            <a:spAutoFit/>
-          </a:bodyPr>
-          <a:lstStyle/>
-          <a:p>
-            <a:r>
-              <a:rPr kumimoji="1" lang="ja-JP" altLang="en-US" sz="3200" dirty="0">
-                <a:solidFill>
-                  <a:srgbClr val="FF0000"/>
-                </a:solidFill>
-              </a:rPr>
-              <a:t>・ユーザー情報修正機能</a:t>
-            </a:r>
-            <a:r>
-              <a:rPr kumimoji="1" lang="ja-JP" altLang="en-US" sz="3200" dirty="0"/>
-              <a:t>（</a:t>
-            </a:r>
-            <a:r>
-              <a:rPr kumimoji="1" lang="ja-JP" altLang="en-US" sz="2400" b="1" dirty="0"/>
-              <a:t>ユーザー名、パスワード変更、ユーザー削除</a:t>
-            </a:r>
-            <a:r>
-              <a:rPr kumimoji="1" lang="ja-JP" altLang="en-US" sz="3200" dirty="0"/>
-              <a:t>）</a:t>
+              <a:t>スーテェ簿</a:t>
             </a:r>
           </a:p>
         </p:txBody>
@@ -5253,7 +6278,7 @@
     </p:spTree>
     <p:extLst>
       <p:ext uri="{BB962C8B-B14F-4D97-AF65-F5344CB8AC3E}">
-        <p14:creationId xmlns:p14="http://schemas.microsoft.com/office/powerpoint/2010/main" val="4194157175"/>
+        <p14:creationId xmlns:p14="http://schemas.microsoft.com/office/powerpoint/2010/main" val="2795978933"/>
       </p:ext>
     </p:extLst>
   </p:cSld>
@@ -5285,7 +6310,7 @@
           <p:cNvPr id="2" name="タイトル 1">
             <a:extLst>
               <a:ext uri="{FF2B5EF4-FFF2-40B4-BE49-F238E27FC236}">
-                <a16:creationId xmlns:a16="http://schemas.microsoft.com/office/drawing/2014/main" id="{8D7D6F9C-A981-4EAC-AD9F-82CEFF3140C5}"/>
+                <a16:creationId xmlns:a16="http://schemas.microsoft.com/office/drawing/2014/main" id="{AD47A9EB-59B0-4024-8478-938E4D60AD17}"/>
               </a:ext>
             </a:extLst>
           </p:cNvPr>
@@ -5298,22 +6323,24 @@
         </p:nvSpPr>
         <p:spPr/>
         <p:txBody>
-          <a:bodyPr/>
-          <a:lstStyle/>
-          <a:p>
-            <a:r>
-              <a:rPr kumimoji="1" lang="ja-JP" altLang="en-US" dirty="0"/>
-              <a:t>デモ</a:t>
-            </a:r>
-          </a:p>
-        </p:txBody>
-      </p:sp>
-      <p:sp>
-        <p:nvSpPr>
-          <p:cNvPr id="4" name="テキスト ボックス 3">
+          <a:bodyPr>
+            <a:normAutofit/>
+          </a:bodyPr>
+          <a:lstStyle/>
+          <a:p>
+            <a:r>
+              <a:rPr kumimoji="1" lang="ja-JP" altLang="en-US" sz="7200" dirty="0"/>
+              <a:t>システムを作った動機</a:t>
+            </a:r>
+          </a:p>
+        </p:txBody>
+      </p:sp>
+      <p:sp>
+        <p:nvSpPr>
+          <p:cNvPr id="6" name="テキスト ボックス 5">
             <a:extLst>
               <a:ext uri="{FF2B5EF4-FFF2-40B4-BE49-F238E27FC236}">
-                <a16:creationId xmlns:a16="http://schemas.microsoft.com/office/drawing/2014/main" id="{8F63C2D2-018B-4B0A-ACC1-BF3E0186B400}"/>
+                <a16:creationId xmlns:a16="http://schemas.microsoft.com/office/drawing/2014/main" id="{D7AEB56A-B41F-402D-8EEE-F76E8B9F696B}"/>
               </a:ext>
             </a:extLst>
           </p:cNvPr>
@@ -5322,8 +6349,8 @@
         </p:nvSpPr>
         <p:spPr>
           <a:xfrm>
-            <a:off x="1097280" y="2095500"/>
-            <a:ext cx="4176143" cy="584775"/>
+            <a:off x="1262078" y="2209800"/>
+            <a:ext cx="9344225" cy="1446550"/>
           </a:xfrm>
           <a:prstGeom prst="rect">
             <a:avLst/>
@@ -5337,8 +6364,19 @@
           <a:lstStyle/>
           <a:p>
             <a:r>
-              <a:rPr kumimoji="1" lang="ja-JP" altLang="en-US" sz="3200" dirty="0"/>
-              <a:t>デモをやっていきます。</a:t>
+              <a:rPr kumimoji="1" lang="ja-JP" altLang="en-US" sz="4400" dirty="0"/>
+              <a:t>・家計簿を使ってもらって支出や浪費を</a:t>
+            </a:r>
+            <a:endParaRPr kumimoji="1" lang="en-US" altLang="ja-JP" sz="4400" dirty="0"/>
+          </a:p>
+          <a:p>
+            <a:r>
+              <a:rPr kumimoji="1" lang="en-US" altLang="ja-JP" sz="4400" dirty="0"/>
+              <a:t>  </a:t>
+            </a:r>
+            <a:r>
+              <a:rPr kumimoji="1" lang="ja-JP" altLang="en-US" sz="4400" dirty="0"/>
+              <a:t>減らし豊な人生を歩んでもらいたい</a:t>
             </a:r>
           </a:p>
         </p:txBody>
@@ -5346,7 +6384,7 @@
     </p:spTree>
     <p:extLst>
       <p:ext uri="{BB962C8B-B14F-4D97-AF65-F5344CB8AC3E}">
-        <p14:creationId xmlns:p14="http://schemas.microsoft.com/office/powerpoint/2010/main" val="3010472141"/>
+        <p14:creationId xmlns:p14="http://schemas.microsoft.com/office/powerpoint/2010/main" val="2760113443"/>
       </p:ext>
     </p:extLst>
   </p:cSld>
@@ -5378,7 +6416,7 @@
           <p:cNvPr id="2" name="タイトル 1">
             <a:extLst>
               <a:ext uri="{FF2B5EF4-FFF2-40B4-BE49-F238E27FC236}">
-                <a16:creationId xmlns:a16="http://schemas.microsoft.com/office/drawing/2014/main" id="{0F1FF85F-9826-486D-8995-8295E2C94422}"/>
+                <a16:creationId xmlns:a16="http://schemas.microsoft.com/office/drawing/2014/main" id="{1C785A62-91EF-47D2-9283-416C34C1D552}"/>
               </a:ext>
             </a:extLst>
           </p:cNvPr>
@@ -5391,125 +6429,484 @@
         </p:nvSpPr>
         <p:spPr/>
         <p:txBody>
-          <a:bodyPr/>
-          <a:lstStyle/>
-          <a:p>
-            <a:r>
-              <a:rPr kumimoji="1" lang="ja-JP" altLang="en-US" dirty="0"/>
-              <a:t>グループ開発の感想（）</a:t>
-            </a:r>
-          </a:p>
-        </p:txBody>
-      </p:sp>
-      <p:sp>
-        <p:nvSpPr>
-          <p:cNvPr id="4" name="テキスト ボックス 3">
+          <a:bodyPr>
+            <a:normAutofit/>
+          </a:bodyPr>
+          <a:lstStyle/>
+          <a:p>
+            <a:r>
+              <a:rPr kumimoji="1" lang="ja-JP" altLang="en-US" sz="7200" dirty="0"/>
+              <a:t>開発環境</a:t>
+            </a:r>
+          </a:p>
+        </p:txBody>
+      </p:sp>
+      <p:sp>
+        <p:nvSpPr>
+          <p:cNvPr id="5" name="テキスト プレースホルダー 2">
             <a:extLst>
               <a:ext uri="{FF2B5EF4-FFF2-40B4-BE49-F238E27FC236}">
-                <a16:creationId xmlns:a16="http://schemas.microsoft.com/office/drawing/2014/main" id="{310DA0C8-651F-4CEC-AF22-C284C1306C2A}"/>
+                <a16:creationId xmlns:a16="http://schemas.microsoft.com/office/drawing/2014/main" id="{D93599DD-46D7-45BC-B531-630FA2999455}"/>
               </a:ext>
             </a:extLst>
           </p:cNvPr>
-          <p:cNvSpPr txBox="1"/>
+          <p:cNvSpPr txBox="1">
+            <a:spLocks/>
+          </p:cNvSpPr>
           <p:nvPr/>
         </p:nvSpPr>
         <p:spPr>
           <a:xfrm>
-            <a:off x="1097280" y="2171700"/>
-            <a:ext cx="2416046" cy="523220"/>
+            <a:off x="1255350" y="1891397"/>
+            <a:ext cx="9180000" cy="4680000"/>
           </a:xfrm>
           <a:prstGeom prst="rect">
             <a:avLst/>
           </a:prstGeom>
-          <a:noFill/>
-        </p:spPr>
-        <p:txBody>
-          <a:bodyPr wrap="none" rtlCol="0">
-            <a:spAutoFit/>
+        </p:spPr>
+        <p:txBody>
+          <a:bodyPr vert="horz" lIns="0" tIns="45720" rIns="0" bIns="45720" rtlCol="0">
+            <a:normAutofit/>
           </a:bodyPr>
-          <a:lstStyle/>
-          <a:p>
-            <a:r>
-              <a:rPr kumimoji="1" lang="ja-JP" altLang="en-US" sz="2800" b="1" dirty="0"/>
-              <a:t>担当した機能：</a:t>
-            </a:r>
-          </a:p>
-        </p:txBody>
-      </p:sp>
-      <p:sp>
-        <p:nvSpPr>
-          <p:cNvPr id="5" name="テキスト ボックス 4">
-            <a:extLst>
-              <a:ext uri="{FF2B5EF4-FFF2-40B4-BE49-F238E27FC236}">
-                <a16:creationId xmlns:a16="http://schemas.microsoft.com/office/drawing/2014/main" id="{4B092859-E840-48FD-8048-ABEDD3AF7591}"/>
-              </a:ext>
-            </a:extLst>
-          </p:cNvPr>
-          <p:cNvSpPr txBox="1"/>
-          <p:nvPr/>
-        </p:nvSpPr>
-        <p:spPr>
-          <a:xfrm>
-            <a:off x="1167812" y="3310265"/>
-            <a:ext cx="2345514" cy="523220"/>
-          </a:xfrm>
-          <a:prstGeom prst="rect">
-            <a:avLst/>
-          </a:prstGeom>
-          <a:noFill/>
-        </p:spPr>
-        <p:txBody>
-          <a:bodyPr wrap="none" rtlCol="0">
-            <a:spAutoFit/>
-          </a:bodyPr>
-          <a:lstStyle/>
-          <a:p>
-            <a:r>
-              <a:rPr kumimoji="1" lang="ja-JP" altLang="en-US" sz="2800" b="1" dirty="0"/>
-              <a:t>難しかった点：</a:t>
-            </a:r>
-          </a:p>
-        </p:txBody>
-      </p:sp>
-      <p:sp>
-        <p:nvSpPr>
-          <p:cNvPr id="6" name="テキスト ボックス 5">
-            <a:extLst>
-              <a:ext uri="{FF2B5EF4-FFF2-40B4-BE49-F238E27FC236}">
-                <a16:creationId xmlns:a16="http://schemas.microsoft.com/office/drawing/2014/main" id="{E70C25A1-7B57-4252-9A3B-B1F61B5DAE3D}"/>
-              </a:ext>
-            </a:extLst>
-          </p:cNvPr>
-          <p:cNvSpPr txBox="1"/>
-          <p:nvPr/>
-        </p:nvSpPr>
-        <p:spPr>
-          <a:xfrm>
-            <a:off x="1161400" y="4448830"/>
-            <a:ext cx="2271776" cy="523220"/>
-          </a:xfrm>
-          <a:prstGeom prst="rect">
-            <a:avLst/>
-          </a:prstGeom>
-          <a:noFill/>
-        </p:spPr>
-        <p:txBody>
-          <a:bodyPr wrap="none" rtlCol="0">
-            <a:spAutoFit/>
-          </a:bodyPr>
-          <a:lstStyle/>
-          <a:p>
-            <a:r>
-              <a:rPr kumimoji="1" lang="ja-JP" altLang="en-US" sz="2800" b="1" dirty="0"/>
-              <a:t>学んだところ：</a:t>
-            </a:r>
+          <a:lstStyle>
+            <a:lvl1pPr marL="91440" indent="-91440" algn="l" defTabSz="914400" rtl="0" eaLnBrk="1" latinLnBrk="0" hangingPunct="1">
+              <a:lnSpc>
+                <a:spcPct val="90000"/>
+              </a:lnSpc>
+              <a:spcBef>
+                <a:spcPts val="1200"/>
+              </a:spcBef>
+              <a:spcAft>
+                <a:spcPts val="200"/>
+              </a:spcAft>
+              <a:buClr>
+                <a:schemeClr val="accent1"/>
+              </a:buClr>
+              <a:buSzPct val="100000"/>
+              <a:buFont typeface="Calibri" panose="020F0502020204030204" pitchFamily="34" charset="0"/>
+              <a:buChar char=" "/>
+              <a:defRPr kumimoji="1" sz="2000" kern="1200">
+                <a:solidFill>
+                  <a:schemeClr val="tx1">
+                    <a:lumMod val="75000"/>
+                    <a:lumOff val="25000"/>
+                  </a:schemeClr>
+                </a:solidFill>
+                <a:latin typeface="+mn-lt"/>
+                <a:ea typeface="+mn-ea"/>
+                <a:cs typeface="+mn-cs"/>
+              </a:defRPr>
+            </a:lvl1pPr>
+            <a:lvl2pPr marL="384048" indent="-182880" algn="l" defTabSz="914400" rtl="0" eaLnBrk="1" latinLnBrk="0" hangingPunct="1">
+              <a:lnSpc>
+                <a:spcPct val="90000"/>
+              </a:lnSpc>
+              <a:spcBef>
+                <a:spcPts val="200"/>
+              </a:spcBef>
+              <a:spcAft>
+                <a:spcPts val="400"/>
+              </a:spcAft>
+              <a:buClr>
+                <a:schemeClr val="accent1"/>
+              </a:buClr>
+              <a:buFont typeface="Calibri" pitchFamily="34" charset="0"/>
+              <a:buChar char="◦"/>
+              <a:defRPr kumimoji="1" sz="1800" kern="1200">
+                <a:solidFill>
+                  <a:schemeClr val="tx1">
+                    <a:lumMod val="75000"/>
+                    <a:lumOff val="25000"/>
+                  </a:schemeClr>
+                </a:solidFill>
+                <a:latin typeface="+mn-lt"/>
+                <a:ea typeface="+mn-ea"/>
+                <a:cs typeface="+mn-cs"/>
+              </a:defRPr>
+            </a:lvl2pPr>
+            <a:lvl3pPr marL="566928" indent="-182880" algn="l" defTabSz="914400" rtl="0" eaLnBrk="1" latinLnBrk="0" hangingPunct="1">
+              <a:lnSpc>
+                <a:spcPct val="90000"/>
+              </a:lnSpc>
+              <a:spcBef>
+                <a:spcPts val="200"/>
+              </a:spcBef>
+              <a:spcAft>
+                <a:spcPts val="400"/>
+              </a:spcAft>
+              <a:buClr>
+                <a:schemeClr val="accent1"/>
+              </a:buClr>
+              <a:buFont typeface="Calibri" pitchFamily="34" charset="0"/>
+              <a:buChar char="◦"/>
+              <a:defRPr kumimoji="1" sz="1400" kern="1200">
+                <a:solidFill>
+                  <a:schemeClr val="tx1">
+                    <a:lumMod val="75000"/>
+                    <a:lumOff val="25000"/>
+                  </a:schemeClr>
+                </a:solidFill>
+                <a:latin typeface="+mn-lt"/>
+                <a:ea typeface="+mn-ea"/>
+                <a:cs typeface="+mn-cs"/>
+              </a:defRPr>
+            </a:lvl3pPr>
+            <a:lvl4pPr marL="749808" indent="-182880" algn="l" defTabSz="914400" rtl="0" eaLnBrk="1" latinLnBrk="0" hangingPunct="1">
+              <a:lnSpc>
+                <a:spcPct val="90000"/>
+              </a:lnSpc>
+              <a:spcBef>
+                <a:spcPts val="200"/>
+              </a:spcBef>
+              <a:spcAft>
+                <a:spcPts val="400"/>
+              </a:spcAft>
+              <a:buClr>
+                <a:schemeClr val="accent1"/>
+              </a:buClr>
+              <a:buFont typeface="Calibri" pitchFamily="34" charset="0"/>
+              <a:buChar char="◦"/>
+              <a:defRPr kumimoji="1" sz="1400" kern="1200">
+                <a:solidFill>
+                  <a:schemeClr val="tx1">
+                    <a:lumMod val="75000"/>
+                    <a:lumOff val="25000"/>
+                  </a:schemeClr>
+                </a:solidFill>
+                <a:latin typeface="+mn-lt"/>
+                <a:ea typeface="+mn-ea"/>
+                <a:cs typeface="+mn-cs"/>
+              </a:defRPr>
+            </a:lvl4pPr>
+            <a:lvl5pPr marL="932688" indent="-182880" algn="l" defTabSz="914400" rtl="0" eaLnBrk="1" latinLnBrk="0" hangingPunct="1">
+              <a:lnSpc>
+                <a:spcPct val="90000"/>
+              </a:lnSpc>
+              <a:spcBef>
+                <a:spcPts val="200"/>
+              </a:spcBef>
+              <a:spcAft>
+                <a:spcPts val="400"/>
+              </a:spcAft>
+              <a:buClr>
+                <a:schemeClr val="accent1"/>
+              </a:buClr>
+              <a:buFont typeface="Calibri" pitchFamily="34" charset="0"/>
+              <a:buChar char="◦"/>
+              <a:defRPr kumimoji="1" sz="1400" kern="1200">
+                <a:solidFill>
+                  <a:schemeClr val="tx1">
+                    <a:lumMod val="75000"/>
+                    <a:lumOff val="25000"/>
+                  </a:schemeClr>
+                </a:solidFill>
+                <a:latin typeface="+mn-lt"/>
+                <a:ea typeface="+mn-ea"/>
+                <a:cs typeface="+mn-cs"/>
+              </a:defRPr>
+            </a:lvl5pPr>
+            <a:lvl6pPr marL="1100000" indent="-228600" algn="l" defTabSz="914400" rtl="0" eaLnBrk="1" latinLnBrk="0" hangingPunct="1">
+              <a:lnSpc>
+                <a:spcPct val="90000"/>
+              </a:lnSpc>
+              <a:spcBef>
+                <a:spcPts val="200"/>
+              </a:spcBef>
+              <a:spcAft>
+                <a:spcPts val="400"/>
+              </a:spcAft>
+              <a:buClr>
+                <a:schemeClr val="accent1"/>
+              </a:buClr>
+              <a:buFont typeface="Calibri" pitchFamily="34" charset="0"/>
+              <a:buChar char="◦"/>
+              <a:defRPr kumimoji="1" sz="1400" kern="1200">
+                <a:solidFill>
+                  <a:schemeClr val="tx1">
+                    <a:lumMod val="75000"/>
+                    <a:lumOff val="25000"/>
+                  </a:schemeClr>
+                </a:solidFill>
+                <a:latin typeface="+mn-lt"/>
+                <a:ea typeface="+mn-ea"/>
+                <a:cs typeface="+mn-cs"/>
+              </a:defRPr>
+            </a:lvl6pPr>
+            <a:lvl7pPr marL="1300000" indent="-228600" algn="l" defTabSz="914400" rtl="0" eaLnBrk="1" latinLnBrk="0" hangingPunct="1">
+              <a:lnSpc>
+                <a:spcPct val="90000"/>
+              </a:lnSpc>
+              <a:spcBef>
+                <a:spcPts val="200"/>
+              </a:spcBef>
+              <a:spcAft>
+                <a:spcPts val="400"/>
+              </a:spcAft>
+              <a:buClr>
+                <a:schemeClr val="accent1"/>
+              </a:buClr>
+              <a:buFont typeface="Calibri" pitchFamily="34" charset="0"/>
+              <a:buChar char="◦"/>
+              <a:defRPr kumimoji="1" sz="1400" kern="1200">
+                <a:solidFill>
+                  <a:schemeClr val="tx1">
+                    <a:lumMod val="75000"/>
+                    <a:lumOff val="25000"/>
+                  </a:schemeClr>
+                </a:solidFill>
+                <a:latin typeface="+mn-lt"/>
+                <a:ea typeface="+mn-ea"/>
+                <a:cs typeface="+mn-cs"/>
+              </a:defRPr>
+            </a:lvl7pPr>
+            <a:lvl8pPr marL="1500000" indent="-228600" algn="l" defTabSz="914400" rtl="0" eaLnBrk="1" latinLnBrk="0" hangingPunct="1">
+              <a:lnSpc>
+                <a:spcPct val="90000"/>
+              </a:lnSpc>
+              <a:spcBef>
+                <a:spcPts val="200"/>
+              </a:spcBef>
+              <a:spcAft>
+                <a:spcPts val="400"/>
+              </a:spcAft>
+              <a:buClr>
+                <a:schemeClr val="accent1"/>
+              </a:buClr>
+              <a:buFont typeface="Calibri" pitchFamily="34" charset="0"/>
+              <a:buChar char="◦"/>
+              <a:defRPr kumimoji="1" sz="1400" kern="1200">
+                <a:solidFill>
+                  <a:schemeClr val="tx1">
+                    <a:lumMod val="75000"/>
+                    <a:lumOff val="25000"/>
+                  </a:schemeClr>
+                </a:solidFill>
+                <a:latin typeface="+mn-lt"/>
+                <a:ea typeface="+mn-ea"/>
+                <a:cs typeface="+mn-cs"/>
+              </a:defRPr>
+            </a:lvl8pPr>
+            <a:lvl9pPr marL="1700000" indent="-228600" algn="l" defTabSz="914400" rtl="0" eaLnBrk="1" latinLnBrk="0" hangingPunct="1">
+              <a:lnSpc>
+                <a:spcPct val="90000"/>
+              </a:lnSpc>
+              <a:spcBef>
+                <a:spcPts val="200"/>
+              </a:spcBef>
+              <a:spcAft>
+                <a:spcPts val="400"/>
+              </a:spcAft>
+              <a:buClr>
+                <a:schemeClr val="accent1"/>
+              </a:buClr>
+              <a:buFont typeface="Calibri" pitchFamily="34" charset="0"/>
+              <a:buChar char="◦"/>
+              <a:defRPr kumimoji="1" sz="1400" kern="1200">
+                <a:solidFill>
+                  <a:schemeClr val="tx1">
+                    <a:lumMod val="75000"/>
+                    <a:lumOff val="25000"/>
+                  </a:schemeClr>
+                </a:solidFill>
+                <a:latin typeface="+mn-lt"/>
+                <a:ea typeface="+mn-ea"/>
+                <a:cs typeface="+mn-cs"/>
+              </a:defRPr>
+            </a:lvl9pPr>
+          </a:lstStyle>
+          <a:p>
+            <a:endParaRPr lang="en-US" dirty="0">
+              <a:ea typeface="ＭＳ 明朝" pitchFamily="2"/>
+              <a:cs typeface="Tahoma" pitchFamily="2"/>
+            </a:endParaRPr>
+          </a:p>
+          <a:p>
+            <a:r>
+              <a:rPr lang="ja-JP" altLang="en-US" sz="4400" dirty="0">
+                <a:ea typeface="游ゴシック" pitchFamily="50"/>
+                <a:cs typeface="Tahoma" pitchFamily="2"/>
+              </a:rPr>
+              <a:t>・言語：</a:t>
+            </a:r>
+            <a:r>
+              <a:rPr lang="en-US" sz="4400" dirty="0">
+                <a:ea typeface="游ゴシック" pitchFamily="50"/>
+                <a:cs typeface="Tahoma" pitchFamily="2"/>
+              </a:rPr>
+              <a:t>Java SE</a:t>
+            </a:r>
+            <a:r>
+              <a:rPr lang="en-US" altLang="ja-JP" sz="4400" dirty="0">
+                <a:ea typeface="游ゴシック" pitchFamily="50"/>
+                <a:cs typeface="Tahoma" pitchFamily="2"/>
+              </a:rPr>
+              <a:t>11</a:t>
+            </a:r>
+            <a:endParaRPr lang="en-US" sz="4400" dirty="0">
+              <a:ea typeface="游ゴシック" pitchFamily="50"/>
+              <a:cs typeface="Tahoma" pitchFamily="2"/>
+            </a:endParaRPr>
+          </a:p>
+          <a:p>
+            <a:r>
+              <a:rPr lang="ja-JP" altLang="en-US" sz="4400" dirty="0">
+                <a:ea typeface="游ゴシック" pitchFamily="50"/>
+                <a:cs typeface="Tahoma" pitchFamily="2"/>
+              </a:rPr>
+              <a:t>・バージョン管理：</a:t>
+            </a:r>
+            <a:r>
+              <a:rPr lang="en-US" sz="4400" dirty="0">
+                <a:ea typeface="游ゴシック" pitchFamily="50"/>
+                <a:cs typeface="Tahoma" pitchFamily="2"/>
+              </a:rPr>
+              <a:t>GIT ,</a:t>
+            </a:r>
+            <a:r>
+              <a:rPr lang="en-US" sz="4400" dirty="0" err="1">
+                <a:ea typeface="游ゴシック" pitchFamily="50"/>
+                <a:cs typeface="Tahoma" pitchFamily="2"/>
+              </a:rPr>
+              <a:t>Github</a:t>
+            </a:r>
+            <a:r>
+              <a:rPr lang="en-US" sz="4400" dirty="0">
+                <a:ea typeface="游ゴシック" pitchFamily="50"/>
+                <a:cs typeface="Tahoma" pitchFamily="2"/>
+              </a:rPr>
+              <a:t>             </a:t>
+            </a:r>
+          </a:p>
+          <a:p>
+            <a:r>
+              <a:rPr lang="ja-JP" altLang="en-US" sz="4400" dirty="0">
+                <a:ea typeface="游ゴシック" pitchFamily="50"/>
+                <a:cs typeface="Tahoma" pitchFamily="2"/>
+              </a:rPr>
+              <a:t>・データベース：</a:t>
+            </a:r>
+            <a:r>
+              <a:rPr lang="en-US" sz="4400" dirty="0">
+                <a:ea typeface="游ゴシック" pitchFamily="50"/>
+                <a:cs typeface="Tahoma" pitchFamily="2"/>
+              </a:rPr>
+              <a:t>PostgreSQL  12.3</a:t>
+            </a:r>
+          </a:p>
+          <a:p>
+            <a:r>
+              <a:rPr lang="ja-JP" altLang="en-US" sz="4400" dirty="0">
+                <a:ea typeface="游ゴシック" pitchFamily="50"/>
+                <a:cs typeface="Tahoma" pitchFamily="2"/>
+              </a:rPr>
+              <a:t>・</a:t>
+            </a:r>
+            <a:r>
+              <a:rPr lang="en-US" sz="4400" dirty="0">
+                <a:ea typeface="游ゴシック" pitchFamily="50"/>
+                <a:cs typeface="Tahoma" pitchFamily="2"/>
+              </a:rPr>
+              <a:t>AP</a:t>
+            </a:r>
+            <a:r>
+              <a:rPr lang="ja-JP" altLang="en-US" sz="4400" dirty="0">
+                <a:ea typeface="游ゴシック" pitchFamily="50"/>
+                <a:cs typeface="Tahoma" pitchFamily="2"/>
+              </a:rPr>
+              <a:t>サーバ：</a:t>
+            </a:r>
+            <a:r>
+              <a:rPr lang="en-US" sz="4400" dirty="0">
+                <a:ea typeface="游ゴシック" pitchFamily="50"/>
+                <a:cs typeface="Tahoma" pitchFamily="2"/>
+              </a:rPr>
+              <a:t>tomcat 9.0</a:t>
+            </a:r>
+          </a:p>
+          <a:p>
+            <a:r>
+              <a:rPr lang="ja-JP" altLang="en-US" sz="4400" dirty="0">
+                <a:solidFill>
+                  <a:srgbClr val="1C1C1C"/>
+                </a:solidFill>
+                <a:highlight>
+                  <a:scrgbClr r="0" g="0" b="0">
+                    <a:alpha val="0"/>
+                  </a:scrgbClr>
+                </a:highlight>
+                <a:latin typeface="游ゴシック" panose="020B0400000000000000" pitchFamily="50" charset="-128"/>
+                <a:ea typeface="游ゴシック" panose="020B0400000000000000" pitchFamily="50" charset="-128"/>
+                <a:cs typeface="Tahoma" pitchFamily="2"/>
+              </a:rPr>
+              <a:t>・フレームワーク：</a:t>
+            </a:r>
+            <a:r>
+              <a:rPr lang="en-US" altLang="ja-JP" sz="4400" dirty="0">
+                <a:solidFill>
+                  <a:srgbClr val="1C1C1C"/>
+                </a:solidFill>
+                <a:highlight>
+                  <a:scrgbClr r="0" g="0" b="0">
+                    <a:alpha val="0"/>
+                  </a:scrgbClr>
+                </a:highlight>
+                <a:latin typeface="游ゴシック" panose="020B0400000000000000" pitchFamily="50" charset="-128"/>
+                <a:ea typeface="游ゴシック" panose="020B0400000000000000" pitchFamily="50" charset="-128"/>
+                <a:cs typeface="Tahoma" pitchFamily="2"/>
+              </a:rPr>
+              <a:t>spring boot</a:t>
+            </a:r>
+            <a:endParaRPr lang="en-US" sz="2600" dirty="0">
+              <a:solidFill>
+                <a:srgbClr val="1C1C1C"/>
+              </a:solidFill>
+              <a:highlight>
+                <a:scrgbClr r="0" g="0" b="0">
+                  <a:alpha val="0"/>
+                </a:scrgbClr>
+              </a:highlight>
+              <a:latin typeface="游ゴシック" panose="020B0400000000000000" pitchFamily="50" charset="-128"/>
+              <a:ea typeface="游ゴシック" panose="020B0400000000000000" pitchFamily="50" charset="-128"/>
+              <a:cs typeface="Tahoma" pitchFamily="2"/>
+            </a:endParaRPr>
+          </a:p>
+          <a:p>
+            <a:pPr marL="0" lvl="1" indent="0">
+              <a:spcBef>
+                <a:spcPts val="0"/>
+              </a:spcBef>
+              <a:spcAft>
+                <a:spcPts val="1142"/>
+              </a:spcAft>
+              <a:buFont typeface="Calibri" pitchFamily="34" charset="0"/>
+              <a:buNone/>
+            </a:pPr>
+            <a:endParaRPr lang="en-US" sz="4400" b="1" dirty="0">
+              <a:solidFill>
+                <a:srgbClr val="1C1C1C"/>
+              </a:solidFill>
+              <a:highlight>
+                <a:scrgbClr r="0" g="0" b="0">
+                  <a:alpha val="0"/>
+                </a:scrgbClr>
+              </a:highlight>
+              <a:latin typeface="Source Sans Pro Semibold" pitchFamily="34"/>
+              <a:ea typeface="ＭＳ 明朝" pitchFamily="2"/>
+              <a:cs typeface="Tahoma" pitchFamily="2"/>
+            </a:endParaRPr>
+          </a:p>
+          <a:p>
+            <a:endParaRPr lang="en-US" dirty="0">
+              <a:ea typeface="ＭＳ 明朝" pitchFamily="2"/>
+              <a:cs typeface="Tahoma" pitchFamily="2"/>
+            </a:endParaRPr>
           </a:p>
         </p:txBody>
       </p:sp>
     </p:spTree>
     <p:extLst>
       <p:ext uri="{BB962C8B-B14F-4D97-AF65-F5344CB8AC3E}">
-        <p14:creationId xmlns:p14="http://schemas.microsoft.com/office/powerpoint/2010/main" val="1664365239"/>
+        <p14:creationId xmlns:p14="http://schemas.microsoft.com/office/powerpoint/2010/main" val="738210577"/>
       </p:ext>
     </p:extLst>
   </p:cSld>
@@ -5541,7 +6938,7 @@
           <p:cNvPr id="2" name="タイトル 1">
             <a:extLst>
               <a:ext uri="{FF2B5EF4-FFF2-40B4-BE49-F238E27FC236}">
-                <a16:creationId xmlns:a16="http://schemas.microsoft.com/office/drawing/2014/main" id="{0F1FF85F-9826-486D-8995-8295E2C94422}"/>
+                <a16:creationId xmlns:a16="http://schemas.microsoft.com/office/drawing/2014/main" id="{62E38D82-DECE-433A-86E4-13A7782F8184}"/>
               </a:ext>
             </a:extLst>
           </p:cNvPr>
@@ -5554,125 +6951,426 @@
         </p:nvSpPr>
         <p:spPr/>
         <p:txBody>
-          <a:bodyPr/>
-          <a:lstStyle/>
-          <a:p>
-            <a:r>
-              <a:rPr kumimoji="1" lang="ja-JP" altLang="en-US" dirty="0"/>
-              <a:t>グループ開発の感想（）</a:t>
-            </a:r>
-          </a:p>
-        </p:txBody>
-      </p:sp>
-      <p:sp>
-        <p:nvSpPr>
-          <p:cNvPr id="4" name="テキスト ボックス 3">
+          <a:bodyPr>
+            <a:normAutofit/>
+          </a:bodyPr>
+          <a:lstStyle/>
+          <a:p>
+            <a:r>
+              <a:rPr lang="ja-JP" altLang="en-US" sz="7200" dirty="0"/>
+              <a:t>その他の開発環境</a:t>
+            </a:r>
+            <a:endParaRPr kumimoji="1" lang="ja-JP" altLang="en-US" sz="7200" dirty="0"/>
+          </a:p>
+        </p:txBody>
+      </p:sp>
+      <p:sp>
+        <p:nvSpPr>
+          <p:cNvPr id="4" name="テキスト プレースホルダー 2">
             <a:extLst>
               <a:ext uri="{FF2B5EF4-FFF2-40B4-BE49-F238E27FC236}">
-                <a16:creationId xmlns:a16="http://schemas.microsoft.com/office/drawing/2014/main" id="{310DA0C8-651F-4CEC-AF22-C284C1306C2A}"/>
+                <a16:creationId xmlns:a16="http://schemas.microsoft.com/office/drawing/2014/main" id="{EE1159EA-2BDB-4AB9-8091-18304F2AC53C}"/>
               </a:ext>
             </a:extLst>
           </p:cNvPr>
-          <p:cNvSpPr txBox="1"/>
+          <p:cNvSpPr txBox="1">
+            <a:spLocks/>
+          </p:cNvSpPr>
           <p:nvPr/>
         </p:nvSpPr>
         <p:spPr>
           <a:xfrm>
-            <a:off x="1097280" y="2171700"/>
-            <a:ext cx="2416046" cy="523220"/>
+            <a:off x="1506000" y="1737360"/>
+            <a:ext cx="9180000" cy="4680000"/>
           </a:xfrm>
           <a:prstGeom prst="rect">
             <a:avLst/>
           </a:prstGeom>
-          <a:noFill/>
-        </p:spPr>
-        <p:txBody>
-          <a:bodyPr wrap="none" rtlCol="0">
-            <a:spAutoFit/>
+        </p:spPr>
+        <p:txBody>
+          <a:bodyPr vert="horz" lIns="0" tIns="45720" rIns="0" bIns="45720" rtlCol="0">
+            <a:normAutofit fontScale="77500" lnSpcReduction="20000"/>
           </a:bodyPr>
-          <a:lstStyle/>
-          <a:p>
-            <a:r>
-              <a:rPr kumimoji="1" lang="ja-JP" altLang="en-US" sz="2800" b="1" dirty="0"/>
-              <a:t>担当した機能：</a:t>
-            </a:r>
-          </a:p>
-        </p:txBody>
-      </p:sp>
-      <p:sp>
-        <p:nvSpPr>
-          <p:cNvPr id="5" name="テキスト ボックス 4">
-            <a:extLst>
-              <a:ext uri="{FF2B5EF4-FFF2-40B4-BE49-F238E27FC236}">
-                <a16:creationId xmlns:a16="http://schemas.microsoft.com/office/drawing/2014/main" id="{4B092859-E840-48FD-8048-ABEDD3AF7591}"/>
-              </a:ext>
-            </a:extLst>
-          </p:cNvPr>
-          <p:cNvSpPr txBox="1"/>
-          <p:nvPr/>
-        </p:nvSpPr>
-        <p:spPr>
-          <a:xfrm>
-            <a:off x="1167812" y="3310265"/>
-            <a:ext cx="2345514" cy="523220"/>
-          </a:xfrm>
-          <a:prstGeom prst="rect">
-            <a:avLst/>
-          </a:prstGeom>
-          <a:noFill/>
-        </p:spPr>
-        <p:txBody>
-          <a:bodyPr wrap="none" rtlCol="0">
-            <a:spAutoFit/>
-          </a:bodyPr>
-          <a:lstStyle/>
-          <a:p>
-            <a:r>
-              <a:rPr kumimoji="1" lang="ja-JP" altLang="en-US" sz="2800" b="1" dirty="0"/>
-              <a:t>難しかった点：</a:t>
-            </a:r>
-          </a:p>
-        </p:txBody>
-      </p:sp>
-      <p:sp>
-        <p:nvSpPr>
-          <p:cNvPr id="6" name="テキスト ボックス 5">
-            <a:extLst>
-              <a:ext uri="{FF2B5EF4-FFF2-40B4-BE49-F238E27FC236}">
-                <a16:creationId xmlns:a16="http://schemas.microsoft.com/office/drawing/2014/main" id="{E70C25A1-7B57-4252-9A3B-B1F61B5DAE3D}"/>
-              </a:ext>
-            </a:extLst>
-          </p:cNvPr>
-          <p:cNvSpPr txBox="1"/>
-          <p:nvPr/>
-        </p:nvSpPr>
-        <p:spPr>
-          <a:xfrm>
-            <a:off x="1161400" y="4448830"/>
-            <a:ext cx="2271776" cy="523220"/>
-          </a:xfrm>
-          <a:prstGeom prst="rect">
-            <a:avLst/>
-          </a:prstGeom>
-          <a:noFill/>
-        </p:spPr>
-        <p:txBody>
-          <a:bodyPr wrap="none" rtlCol="0">
-            <a:spAutoFit/>
-          </a:bodyPr>
-          <a:lstStyle/>
-          <a:p>
-            <a:r>
-              <a:rPr kumimoji="1" lang="ja-JP" altLang="en-US" sz="2800" b="1" dirty="0"/>
-              <a:t>学んだところ：</a:t>
-            </a:r>
+          <a:lstStyle>
+            <a:lvl1pPr marL="91440" indent="-91440" algn="l" defTabSz="914400" rtl="0" eaLnBrk="1" latinLnBrk="0" hangingPunct="1">
+              <a:lnSpc>
+                <a:spcPct val="90000"/>
+              </a:lnSpc>
+              <a:spcBef>
+                <a:spcPts val="1200"/>
+              </a:spcBef>
+              <a:spcAft>
+                <a:spcPts val="200"/>
+              </a:spcAft>
+              <a:buClr>
+                <a:schemeClr val="accent1"/>
+              </a:buClr>
+              <a:buSzPct val="100000"/>
+              <a:buFont typeface="Calibri" panose="020F0502020204030204" pitchFamily="34" charset="0"/>
+              <a:buChar char=" "/>
+              <a:defRPr kumimoji="1" sz="2000" kern="1200">
+                <a:solidFill>
+                  <a:schemeClr val="tx1">
+                    <a:lumMod val="75000"/>
+                    <a:lumOff val="25000"/>
+                  </a:schemeClr>
+                </a:solidFill>
+                <a:latin typeface="+mn-lt"/>
+                <a:ea typeface="+mn-ea"/>
+                <a:cs typeface="+mn-cs"/>
+              </a:defRPr>
+            </a:lvl1pPr>
+            <a:lvl2pPr marL="384048" indent="-182880" algn="l" defTabSz="914400" rtl="0" eaLnBrk="1" latinLnBrk="0" hangingPunct="1">
+              <a:lnSpc>
+                <a:spcPct val="90000"/>
+              </a:lnSpc>
+              <a:spcBef>
+                <a:spcPts val="200"/>
+              </a:spcBef>
+              <a:spcAft>
+                <a:spcPts val="400"/>
+              </a:spcAft>
+              <a:buClr>
+                <a:schemeClr val="accent1"/>
+              </a:buClr>
+              <a:buFont typeface="Calibri" pitchFamily="34" charset="0"/>
+              <a:buChar char="◦"/>
+              <a:defRPr kumimoji="1" sz="1800" kern="1200">
+                <a:solidFill>
+                  <a:schemeClr val="tx1">
+                    <a:lumMod val="75000"/>
+                    <a:lumOff val="25000"/>
+                  </a:schemeClr>
+                </a:solidFill>
+                <a:latin typeface="+mn-lt"/>
+                <a:ea typeface="+mn-ea"/>
+                <a:cs typeface="+mn-cs"/>
+              </a:defRPr>
+            </a:lvl2pPr>
+            <a:lvl3pPr marL="566928" indent="-182880" algn="l" defTabSz="914400" rtl="0" eaLnBrk="1" latinLnBrk="0" hangingPunct="1">
+              <a:lnSpc>
+                <a:spcPct val="90000"/>
+              </a:lnSpc>
+              <a:spcBef>
+                <a:spcPts val="200"/>
+              </a:spcBef>
+              <a:spcAft>
+                <a:spcPts val="400"/>
+              </a:spcAft>
+              <a:buClr>
+                <a:schemeClr val="accent1"/>
+              </a:buClr>
+              <a:buFont typeface="Calibri" pitchFamily="34" charset="0"/>
+              <a:buChar char="◦"/>
+              <a:defRPr kumimoji="1" sz="1400" kern="1200">
+                <a:solidFill>
+                  <a:schemeClr val="tx1">
+                    <a:lumMod val="75000"/>
+                    <a:lumOff val="25000"/>
+                  </a:schemeClr>
+                </a:solidFill>
+                <a:latin typeface="+mn-lt"/>
+                <a:ea typeface="+mn-ea"/>
+                <a:cs typeface="+mn-cs"/>
+              </a:defRPr>
+            </a:lvl3pPr>
+            <a:lvl4pPr marL="749808" indent="-182880" algn="l" defTabSz="914400" rtl="0" eaLnBrk="1" latinLnBrk="0" hangingPunct="1">
+              <a:lnSpc>
+                <a:spcPct val="90000"/>
+              </a:lnSpc>
+              <a:spcBef>
+                <a:spcPts val="200"/>
+              </a:spcBef>
+              <a:spcAft>
+                <a:spcPts val="400"/>
+              </a:spcAft>
+              <a:buClr>
+                <a:schemeClr val="accent1"/>
+              </a:buClr>
+              <a:buFont typeface="Calibri" pitchFamily="34" charset="0"/>
+              <a:buChar char="◦"/>
+              <a:defRPr kumimoji="1" sz="1400" kern="1200">
+                <a:solidFill>
+                  <a:schemeClr val="tx1">
+                    <a:lumMod val="75000"/>
+                    <a:lumOff val="25000"/>
+                  </a:schemeClr>
+                </a:solidFill>
+                <a:latin typeface="+mn-lt"/>
+                <a:ea typeface="+mn-ea"/>
+                <a:cs typeface="+mn-cs"/>
+              </a:defRPr>
+            </a:lvl4pPr>
+            <a:lvl5pPr marL="932688" indent="-182880" algn="l" defTabSz="914400" rtl="0" eaLnBrk="1" latinLnBrk="0" hangingPunct="1">
+              <a:lnSpc>
+                <a:spcPct val="90000"/>
+              </a:lnSpc>
+              <a:spcBef>
+                <a:spcPts val="200"/>
+              </a:spcBef>
+              <a:spcAft>
+                <a:spcPts val="400"/>
+              </a:spcAft>
+              <a:buClr>
+                <a:schemeClr val="accent1"/>
+              </a:buClr>
+              <a:buFont typeface="Calibri" pitchFamily="34" charset="0"/>
+              <a:buChar char="◦"/>
+              <a:defRPr kumimoji="1" sz="1400" kern="1200">
+                <a:solidFill>
+                  <a:schemeClr val="tx1">
+                    <a:lumMod val="75000"/>
+                    <a:lumOff val="25000"/>
+                  </a:schemeClr>
+                </a:solidFill>
+                <a:latin typeface="+mn-lt"/>
+                <a:ea typeface="+mn-ea"/>
+                <a:cs typeface="+mn-cs"/>
+              </a:defRPr>
+            </a:lvl5pPr>
+            <a:lvl6pPr marL="1100000" indent="-228600" algn="l" defTabSz="914400" rtl="0" eaLnBrk="1" latinLnBrk="0" hangingPunct="1">
+              <a:lnSpc>
+                <a:spcPct val="90000"/>
+              </a:lnSpc>
+              <a:spcBef>
+                <a:spcPts val="200"/>
+              </a:spcBef>
+              <a:spcAft>
+                <a:spcPts val="400"/>
+              </a:spcAft>
+              <a:buClr>
+                <a:schemeClr val="accent1"/>
+              </a:buClr>
+              <a:buFont typeface="Calibri" pitchFamily="34" charset="0"/>
+              <a:buChar char="◦"/>
+              <a:defRPr kumimoji="1" sz="1400" kern="1200">
+                <a:solidFill>
+                  <a:schemeClr val="tx1">
+                    <a:lumMod val="75000"/>
+                    <a:lumOff val="25000"/>
+                  </a:schemeClr>
+                </a:solidFill>
+                <a:latin typeface="+mn-lt"/>
+                <a:ea typeface="+mn-ea"/>
+                <a:cs typeface="+mn-cs"/>
+              </a:defRPr>
+            </a:lvl6pPr>
+            <a:lvl7pPr marL="1300000" indent="-228600" algn="l" defTabSz="914400" rtl="0" eaLnBrk="1" latinLnBrk="0" hangingPunct="1">
+              <a:lnSpc>
+                <a:spcPct val="90000"/>
+              </a:lnSpc>
+              <a:spcBef>
+                <a:spcPts val="200"/>
+              </a:spcBef>
+              <a:spcAft>
+                <a:spcPts val="400"/>
+              </a:spcAft>
+              <a:buClr>
+                <a:schemeClr val="accent1"/>
+              </a:buClr>
+              <a:buFont typeface="Calibri" pitchFamily="34" charset="0"/>
+              <a:buChar char="◦"/>
+              <a:defRPr kumimoji="1" sz="1400" kern="1200">
+                <a:solidFill>
+                  <a:schemeClr val="tx1">
+                    <a:lumMod val="75000"/>
+                    <a:lumOff val="25000"/>
+                  </a:schemeClr>
+                </a:solidFill>
+                <a:latin typeface="+mn-lt"/>
+                <a:ea typeface="+mn-ea"/>
+                <a:cs typeface="+mn-cs"/>
+              </a:defRPr>
+            </a:lvl7pPr>
+            <a:lvl8pPr marL="1500000" indent="-228600" algn="l" defTabSz="914400" rtl="0" eaLnBrk="1" latinLnBrk="0" hangingPunct="1">
+              <a:lnSpc>
+                <a:spcPct val="90000"/>
+              </a:lnSpc>
+              <a:spcBef>
+                <a:spcPts val="200"/>
+              </a:spcBef>
+              <a:spcAft>
+                <a:spcPts val="400"/>
+              </a:spcAft>
+              <a:buClr>
+                <a:schemeClr val="accent1"/>
+              </a:buClr>
+              <a:buFont typeface="Calibri" pitchFamily="34" charset="0"/>
+              <a:buChar char="◦"/>
+              <a:defRPr kumimoji="1" sz="1400" kern="1200">
+                <a:solidFill>
+                  <a:schemeClr val="tx1">
+                    <a:lumMod val="75000"/>
+                    <a:lumOff val="25000"/>
+                  </a:schemeClr>
+                </a:solidFill>
+                <a:latin typeface="+mn-lt"/>
+                <a:ea typeface="+mn-ea"/>
+                <a:cs typeface="+mn-cs"/>
+              </a:defRPr>
+            </a:lvl8pPr>
+            <a:lvl9pPr marL="1700000" indent="-228600" algn="l" defTabSz="914400" rtl="0" eaLnBrk="1" latinLnBrk="0" hangingPunct="1">
+              <a:lnSpc>
+                <a:spcPct val="90000"/>
+              </a:lnSpc>
+              <a:spcBef>
+                <a:spcPts val="200"/>
+              </a:spcBef>
+              <a:spcAft>
+                <a:spcPts val="400"/>
+              </a:spcAft>
+              <a:buClr>
+                <a:schemeClr val="accent1"/>
+              </a:buClr>
+              <a:buFont typeface="Calibri" pitchFamily="34" charset="0"/>
+              <a:buChar char="◦"/>
+              <a:defRPr kumimoji="1" sz="1400" kern="1200">
+                <a:solidFill>
+                  <a:schemeClr val="tx1">
+                    <a:lumMod val="75000"/>
+                    <a:lumOff val="25000"/>
+                  </a:schemeClr>
+                </a:solidFill>
+                <a:latin typeface="+mn-lt"/>
+                <a:ea typeface="+mn-ea"/>
+                <a:cs typeface="+mn-cs"/>
+              </a:defRPr>
+            </a:lvl9pPr>
+          </a:lstStyle>
+          <a:p>
+            <a:endParaRPr lang="en-US" dirty="0">
+              <a:ea typeface="ＭＳ 明朝" pitchFamily="2"/>
+              <a:cs typeface="Tahoma" pitchFamily="2"/>
+            </a:endParaRPr>
+          </a:p>
+          <a:p>
+            <a:r>
+              <a:rPr lang="ja-JP" altLang="en-US" sz="2400" dirty="0">
+                <a:ea typeface="ＭＳ 明朝" pitchFamily="2"/>
+                <a:cs typeface="Tahoma" pitchFamily="2"/>
+              </a:rPr>
+              <a:t>　・</a:t>
+            </a:r>
+            <a:r>
+              <a:rPr lang="en-US" sz="6000" dirty="0">
+                <a:ea typeface="ＭＳ 明朝" pitchFamily="2"/>
+                <a:cs typeface="Tahoma" pitchFamily="2"/>
+              </a:rPr>
+              <a:t>JSP  </a:t>
+            </a:r>
+          </a:p>
+          <a:p>
+            <a:r>
+              <a:rPr lang="en-US" sz="6000" dirty="0">
+                <a:ea typeface="ＭＳ 明朝" pitchFamily="2"/>
+                <a:cs typeface="Tahoma" pitchFamily="2"/>
+              </a:rPr>
+              <a:t> </a:t>
+            </a:r>
+            <a:r>
+              <a:rPr lang="ja-JP" altLang="en-US" sz="3200" dirty="0">
+                <a:ea typeface="ＭＳ 明朝" pitchFamily="2"/>
+                <a:cs typeface="Tahoma" pitchFamily="2"/>
+              </a:rPr>
+              <a:t>・</a:t>
+            </a:r>
+            <a:r>
+              <a:rPr lang="en-US" sz="6000" dirty="0">
+                <a:ea typeface="ＭＳ 明朝" pitchFamily="2"/>
+                <a:cs typeface="Tahoma" pitchFamily="2"/>
+              </a:rPr>
+              <a:t>HTML</a:t>
+            </a:r>
+          </a:p>
+          <a:p>
+            <a:r>
+              <a:rPr lang="ja-JP" altLang="en-US" sz="2400" dirty="0">
+                <a:ea typeface="ＭＳ 明朝" pitchFamily="2"/>
+                <a:cs typeface="Tahoma" pitchFamily="2"/>
+              </a:rPr>
+              <a:t>　・</a:t>
+            </a:r>
+            <a:r>
+              <a:rPr lang="en-US" sz="6000" dirty="0">
+                <a:ea typeface="ＭＳ 明朝" pitchFamily="2"/>
+                <a:cs typeface="Tahoma" pitchFamily="2"/>
+              </a:rPr>
+              <a:t>CSS  </a:t>
+            </a:r>
+            <a:r>
+              <a:rPr lang="ja-JP" altLang="en-US" sz="2400" dirty="0">
+                <a:ea typeface="ＭＳ 明朝" pitchFamily="2"/>
+                <a:cs typeface="Tahoma" pitchFamily="2"/>
+              </a:rPr>
+              <a:t>　　　　</a:t>
+            </a:r>
+          </a:p>
+          <a:p>
+            <a:r>
+              <a:rPr lang="en-US" sz="6000" dirty="0">
+                <a:ea typeface="ＭＳ 明朝" pitchFamily="2"/>
+                <a:cs typeface="Tahoma" pitchFamily="2"/>
+              </a:rPr>
+              <a:t> </a:t>
+            </a:r>
+            <a:r>
+              <a:rPr lang="ja-JP" altLang="en-US" sz="2400" dirty="0">
+                <a:ea typeface="ＭＳ 明朝" pitchFamily="2"/>
+                <a:cs typeface="Tahoma" pitchFamily="2"/>
+              </a:rPr>
+              <a:t>・</a:t>
+            </a:r>
+            <a:r>
+              <a:rPr lang="en-US" sz="6000" dirty="0">
+                <a:ea typeface="ＭＳ 明朝" pitchFamily="2"/>
+                <a:cs typeface="Tahoma" pitchFamily="2"/>
+              </a:rPr>
+              <a:t>JavaScript  </a:t>
+            </a:r>
+          </a:p>
+          <a:p>
+            <a:r>
+              <a:rPr lang="en-US" sz="6000" dirty="0">
+                <a:ea typeface="ＭＳ 明朝" pitchFamily="2"/>
+                <a:cs typeface="Tahoma" pitchFamily="2"/>
+              </a:rPr>
+              <a:t> </a:t>
+            </a:r>
+            <a:endParaRPr lang="en-US" sz="6100" dirty="0">
+              <a:ea typeface="ＭＳ 明朝" pitchFamily="2"/>
+              <a:cs typeface="Tahoma" pitchFamily="2"/>
+            </a:endParaRPr>
+          </a:p>
+          <a:p>
+            <a:r>
+              <a:rPr lang="en-US" sz="4400" dirty="0">
+                <a:ea typeface="ＭＳ 明朝" pitchFamily="2"/>
+                <a:cs typeface="Tahoma" pitchFamily="2"/>
+              </a:rPr>
+              <a:t> </a:t>
+            </a:r>
+          </a:p>
+          <a:p>
+            <a:r>
+              <a:rPr lang="ja-JP" altLang="en-US" sz="2400" dirty="0">
+                <a:ea typeface="ＭＳ 明朝" pitchFamily="2"/>
+                <a:cs typeface="Tahoma" pitchFamily="2"/>
+              </a:rPr>
+              <a:t>　</a:t>
+            </a:r>
+          </a:p>
+          <a:p>
+            <a:endParaRPr lang="en-US" dirty="0">
+              <a:ea typeface="ＭＳ 明朝" pitchFamily="2"/>
+              <a:cs typeface="Tahoma" pitchFamily="2"/>
+            </a:endParaRPr>
           </a:p>
         </p:txBody>
       </p:sp>
     </p:spTree>
     <p:extLst>
       <p:ext uri="{BB962C8B-B14F-4D97-AF65-F5344CB8AC3E}">
-        <p14:creationId xmlns:p14="http://schemas.microsoft.com/office/powerpoint/2010/main" val="2472309274"/>
+        <p14:creationId xmlns:p14="http://schemas.microsoft.com/office/powerpoint/2010/main" val="935304826"/>
       </p:ext>
     </p:extLst>
   </p:cSld>
@@ -5704,7 +7402,7 @@
           <p:cNvPr id="2" name="タイトル 1">
             <a:extLst>
               <a:ext uri="{FF2B5EF4-FFF2-40B4-BE49-F238E27FC236}">
-                <a16:creationId xmlns:a16="http://schemas.microsoft.com/office/drawing/2014/main" id="{0F1FF85F-9826-486D-8995-8295E2C94422}"/>
+                <a16:creationId xmlns:a16="http://schemas.microsoft.com/office/drawing/2014/main" id="{D9E89D45-2942-4F8E-92D6-E413F8873F44}"/>
               </a:ext>
             </a:extLst>
           </p:cNvPr>
@@ -5717,12 +7415,14 @@
         </p:nvSpPr>
         <p:spPr/>
         <p:txBody>
-          <a:bodyPr/>
-          <a:lstStyle/>
-          <a:p>
-            <a:r>
-              <a:rPr kumimoji="1" lang="ja-JP" altLang="en-US" dirty="0"/>
-              <a:t>グループ開発の感想（）</a:t>
+          <a:bodyPr>
+            <a:normAutofit/>
+          </a:bodyPr>
+          <a:lstStyle/>
+          <a:p>
+            <a:r>
+              <a:rPr kumimoji="1" lang="ja-JP" altLang="en-US" sz="7200" dirty="0"/>
+              <a:t>総開発時間</a:t>
             </a:r>
           </a:p>
         </p:txBody>
@@ -5732,7 +7432,7 @@
           <p:cNvPr id="4" name="テキスト ボックス 3">
             <a:extLst>
               <a:ext uri="{FF2B5EF4-FFF2-40B4-BE49-F238E27FC236}">
-                <a16:creationId xmlns:a16="http://schemas.microsoft.com/office/drawing/2014/main" id="{310DA0C8-651F-4CEC-AF22-C284C1306C2A}"/>
+                <a16:creationId xmlns:a16="http://schemas.microsoft.com/office/drawing/2014/main" id="{FD1105EC-D247-48C6-904B-06B79C695EBD}"/>
               </a:ext>
             </a:extLst>
           </p:cNvPr>
@@ -5741,8 +7441,8 @@
         </p:nvSpPr>
         <p:spPr>
           <a:xfrm>
-            <a:off x="1097280" y="2171700"/>
-            <a:ext cx="2416046" cy="523220"/>
+            <a:off x="1970842" y="2767280"/>
+            <a:ext cx="3804247" cy="1323439"/>
           </a:xfrm>
           <a:prstGeom prst="rect">
             <a:avLst/>
@@ -5756,78 +7456,12 @@
           <a:lstStyle/>
           <a:p>
             <a:r>
-              <a:rPr kumimoji="1" lang="ja-JP" altLang="en-US" sz="2800" b="1" dirty="0"/>
-              <a:t>担当した機能：</a:t>
-            </a:r>
-          </a:p>
-        </p:txBody>
-      </p:sp>
-      <p:sp>
-        <p:nvSpPr>
-          <p:cNvPr id="5" name="テキスト ボックス 4">
-            <a:extLst>
-              <a:ext uri="{FF2B5EF4-FFF2-40B4-BE49-F238E27FC236}">
-                <a16:creationId xmlns:a16="http://schemas.microsoft.com/office/drawing/2014/main" id="{4B092859-E840-48FD-8048-ABEDD3AF7591}"/>
-              </a:ext>
-            </a:extLst>
-          </p:cNvPr>
-          <p:cNvSpPr txBox="1"/>
-          <p:nvPr/>
-        </p:nvSpPr>
-        <p:spPr>
-          <a:xfrm>
-            <a:off x="1167812" y="3310265"/>
-            <a:ext cx="2345514" cy="523220"/>
-          </a:xfrm>
-          <a:prstGeom prst="rect">
-            <a:avLst/>
-          </a:prstGeom>
-          <a:noFill/>
-        </p:spPr>
-        <p:txBody>
-          <a:bodyPr wrap="none" rtlCol="0">
-            <a:spAutoFit/>
-          </a:bodyPr>
-          <a:lstStyle/>
-          <a:p>
-            <a:r>
-              <a:rPr kumimoji="1" lang="ja-JP" altLang="en-US" sz="2800" b="1" dirty="0"/>
-              <a:t>難しかった点：</a:t>
-            </a:r>
-          </a:p>
-        </p:txBody>
-      </p:sp>
-      <p:sp>
-        <p:nvSpPr>
-          <p:cNvPr id="6" name="テキスト ボックス 5">
-            <a:extLst>
-              <a:ext uri="{FF2B5EF4-FFF2-40B4-BE49-F238E27FC236}">
-                <a16:creationId xmlns:a16="http://schemas.microsoft.com/office/drawing/2014/main" id="{E70C25A1-7B57-4252-9A3B-B1F61B5DAE3D}"/>
-              </a:ext>
-            </a:extLst>
-          </p:cNvPr>
-          <p:cNvSpPr txBox="1"/>
-          <p:nvPr/>
-        </p:nvSpPr>
-        <p:spPr>
-          <a:xfrm>
-            <a:off x="1161400" y="4448830"/>
-            <a:ext cx="2271776" cy="523220"/>
-          </a:xfrm>
-          <a:prstGeom prst="rect">
-            <a:avLst/>
-          </a:prstGeom>
-          <a:noFill/>
-        </p:spPr>
-        <p:txBody>
-          <a:bodyPr wrap="none" rtlCol="0">
-            <a:spAutoFit/>
-          </a:bodyPr>
-          <a:lstStyle/>
-          <a:p>
-            <a:r>
-              <a:rPr kumimoji="1" lang="ja-JP" altLang="en-US" sz="2800" b="1" dirty="0"/>
-              <a:t>学んだところ：</a:t>
+              <a:rPr kumimoji="1" lang="en-US" altLang="ja-JP" sz="8000" b="1" dirty="0"/>
+              <a:t>121</a:t>
+            </a:r>
+            <a:r>
+              <a:rPr kumimoji="1" lang="ja-JP" altLang="en-US" sz="8000" b="1" dirty="0"/>
+              <a:t>時間</a:t>
             </a:r>
           </a:p>
         </p:txBody>
@@ -5835,7 +7469,7 @@
     </p:spTree>
     <p:extLst>
       <p:ext uri="{BB962C8B-B14F-4D97-AF65-F5344CB8AC3E}">
-        <p14:creationId xmlns:p14="http://schemas.microsoft.com/office/powerpoint/2010/main" val="2710666289"/>
+        <p14:creationId xmlns:p14="http://schemas.microsoft.com/office/powerpoint/2010/main" val="3355379057"/>
       </p:ext>
     </p:extLst>
   </p:cSld>
@@ -5867,7 +7501,7 @@
           <p:cNvPr id="2" name="タイトル 1">
             <a:extLst>
               <a:ext uri="{FF2B5EF4-FFF2-40B4-BE49-F238E27FC236}">
-                <a16:creationId xmlns:a16="http://schemas.microsoft.com/office/drawing/2014/main" id="{0F1FF85F-9826-486D-8995-8295E2C94422}"/>
+                <a16:creationId xmlns:a16="http://schemas.microsoft.com/office/drawing/2014/main" id="{E1EDD94E-7452-4ED7-8E3F-714CB643674F}"/>
               </a:ext>
             </a:extLst>
           </p:cNvPr>
@@ -5880,12 +7514,14 @@
         </p:nvSpPr>
         <p:spPr/>
         <p:txBody>
-          <a:bodyPr/>
-          <a:lstStyle/>
-          <a:p>
-            <a:r>
-              <a:rPr kumimoji="1" lang="ja-JP" altLang="en-US" dirty="0"/>
-              <a:t>グループ開発の感想（）</a:t>
+          <a:bodyPr>
+            <a:normAutofit/>
+          </a:bodyPr>
+          <a:lstStyle/>
+          <a:p>
+            <a:r>
+              <a:rPr kumimoji="1" lang="ja-JP" altLang="en-US" sz="7200" dirty="0"/>
+              <a:t>大まかなシステム機能</a:t>
             </a:r>
           </a:p>
         </p:txBody>
@@ -5895,7 +7531,7 @@
           <p:cNvPr id="4" name="テキスト ボックス 3">
             <a:extLst>
               <a:ext uri="{FF2B5EF4-FFF2-40B4-BE49-F238E27FC236}">
-                <a16:creationId xmlns:a16="http://schemas.microsoft.com/office/drawing/2014/main" id="{310DA0C8-651F-4CEC-AF22-C284C1306C2A}"/>
+                <a16:creationId xmlns:a16="http://schemas.microsoft.com/office/drawing/2014/main" id="{A257304D-8129-42EF-96B3-F0FC7A7DC971}"/>
               </a:ext>
             </a:extLst>
           </p:cNvPr>
@@ -5904,8 +7540,8 @@
         </p:nvSpPr>
         <p:spPr>
           <a:xfrm>
-            <a:off x="1097280" y="2171700"/>
-            <a:ext cx="2416046" cy="523220"/>
+            <a:off x="1097280" y="1905000"/>
+            <a:ext cx="6569427" cy="584775"/>
           </a:xfrm>
           <a:prstGeom prst="rect">
             <a:avLst/>
@@ -5919,8 +7555,16 @@
           <a:lstStyle/>
           <a:p>
             <a:r>
-              <a:rPr kumimoji="1" lang="ja-JP" altLang="en-US" sz="2800" b="1" dirty="0"/>
-              <a:t>担当した機能：</a:t>
+              <a:rPr kumimoji="1" lang="ja-JP" altLang="en-US" sz="3200" dirty="0">
+                <a:solidFill>
+                  <a:srgbClr val="FF0000"/>
+                </a:solidFill>
+              </a:rPr>
+              <a:t>・ユーザー登録機能</a:t>
+            </a:r>
+            <a:r>
+              <a:rPr kumimoji="1" lang="ja-JP" altLang="en-US" sz="3200" dirty="0"/>
+              <a:t>（アカウント作成）</a:t>
             </a:r>
           </a:p>
         </p:txBody>
@@ -5930,7 +7574,7 @@
           <p:cNvPr id="5" name="テキスト ボックス 4">
             <a:extLst>
               <a:ext uri="{FF2B5EF4-FFF2-40B4-BE49-F238E27FC236}">
-                <a16:creationId xmlns:a16="http://schemas.microsoft.com/office/drawing/2014/main" id="{4B092859-E840-48FD-8048-ABEDD3AF7591}"/>
+                <a16:creationId xmlns:a16="http://schemas.microsoft.com/office/drawing/2014/main" id="{0E54FD1B-E51B-41A8-AC9E-E5A040CC393D}"/>
               </a:ext>
             </a:extLst>
           </p:cNvPr>
@@ -5939,8 +7583,8 @@
         </p:nvSpPr>
         <p:spPr>
           <a:xfrm>
-            <a:off x="1167812" y="3310265"/>
-            <a:ext cx="2345514" cy="523220"/>
+            <a:off x="1097280" y="2471398"/>
+            <a:ext cx="5468164" cy="584775"/>
           </a:xfrm>
           <a:prstGeom prst="rect">
             <a:avLst/>
@@ -5954,8 +7598,16 @@
           <a:lstStyle/>
           <a:p>
             <a:r>
-              <a:rPr kumimoji="1" lang="ja-JP" altLang="en-US" sz="2800" b="1" dirty="0"/>
-              <a:t>難しかった点：</a:t>
+              <a:rPr kumimoji="1" lang="ja-JP" altLang="en-US" sz="3200" dirty="0">
+                <a:solidFill>
+                  <a:srgbClr val="FF0000"/>
+                </a:solidFill>
+              </a:rPr>
+              <a:t>・ユーザー認証機能</a:t>
+            </a:r>
+            <a:r>
+              <a:rPr kumimoji="1" lang="ja-JP" altLang="en-US" sz="3200" dirty="0"/>
+              <a:t>（ログイン）</a:t>
             </a:r>
           </a:p>
         </p:txBody>
@@ -5965,7 +7617,7 @@
           <p:cNvPr id="6" name="テキスト ボックス 5">
             <a:extLst>
               <a:ext uri="{FF2B5EF4-FFF2-40B4-BE49-F238E27FC236}">
-                <a16:creationId xmlns:a16="http://schemas.microsoft.com/office/drawing/2014/main" id="{E70C25A1-7B57-4252-9A3B-B1F61B5DAE3D}"/>
+                <a16:creationId xmlns:a16="http://schemas.microsoft.com/office/drawing/2014/main" id="{74641B81-4112-491D-A619-16594E1851D2}"/>
               </a:ext>
             </a:extLst>
           </p:cNvPr>
@@ -5974,8 +7626,8 @@
         </p:nvSpPr>
         <p:spPr>
           <a:xfrm>
-            <a:off x="1161400" y="4448830"/>
-            <a:ext cx="2271776" cy="523220"/>
+            <a:off x="1097280" y="3056173"/>
+            <a:ext cx="8996374" cy="584775"/>
           </a:xfrm>
           <a:prstGeom prst="rect">
             <a:avLst/>
@@ -5989,8 +7641,196 @@
           <a:lstStyle/>
           <a:p>
             <a:r>
-              <a:rPr kumimoji="1" lang="ja-JP" altLang="en-US" sz="2800" b="1" dirty="0"/>
-              <a:t>学んだところ：</a:t>
+              <a:rPr kumimoji="1" lang="ja-JP" altLang="en-US" sz="3200" dirty="0">
+                <a:solidFill>
+                  <a:srgbClr val="FF0000"/>
+                </a:solidFill>
+              </a:rPr>
+              <a:t>・収入、支出記入機能</a:t>
+            </a:r>
+            <a:r>
+              <a:rPr kumimoji="1" lang="ja-JP" altLang="en-US" sz="3200" dirty="0"/>
+              <a:t>（収入と支出のデータを入力）</a:t>
+            </a:r>
+          </a:p>
+        </p:txBody>
+      </p:sp>
+      <p:sp>
+        <p:nvSpPr>
+          <p:cNvPr id="7" name="テキスト ボックス 6">
+            <a:extLst>
+              <a:ext uri="{FF2B5EF4-FFF2-40B4-BE49-F238E27FC236}">
+                <a16:creationId xmlns:a16="http://schemas.microsoft.com/office/drawing/2014/main" id="{90F1F11D-4038-4170-B1F9-00C5C9F49006}"/>
+              </a:ext>
+            </a:extLst>
+          </p:cNvPr>
+          <p:cNvSpPr txBox="1"/>
+          <p:nvPr/>
+        </p:nvSpPr>
+        <p:spPr>
+          <a:xfrm>
+            <a:off x="1097280" y="3640948"/>
+            <a:ext cx="7040710" cy="584775"/>
+          </a:xfrm>
+          <a:prstGeom prst="rect">
+            <a:avLst/>
+          </a:prstGeom>
+          <a:noFill/>
+        </p:spPr>
+        <p:txBody>
+          <a:bodyPr wrap="none" rtlCol="0">
+            <a:spAutoFit/>
+          </a:bodyPr>
+          <a:lstStyle/>
+          <a:p>
+            <a:r>
+              <a:rPr kumimoji="1" lang="ja-JP" altLang="en-US" sz="3200" dirty="0">
+                <a:solidFill>
+                  <a:srgbClr val="FF0000"/>
+                </a:solidFill>
+              </a:rPr>
+              <a:t>・閲覧機能</a:t>
+            </a:r>
+            <a:r>
+              <a:rPr kumimoji="1" lang="ja-JP" altLang="en-US" sz="3200" dirty="0"/>
+              <a:t>（入力した収入、支出を表示）</a:t>
+            </a:r>
+          </a:p>
+        </p:txBody>
+      </p:sp>
+      <p:sp>
+        <p:nvSpPr>
+          <p:cNvPr id="8" name="テキスト ボックス 7">
+            <a:extLst>
+              <a:ext uri="{FF2B5EF4-FFF2-40B4-BE49-F238E27FC236}">
+                <a16:creationId xmlns:a16="http://schemas.microsoft.com/office/drawing/2014/main" id="{FDFB6392-D8C1-41F8-9ACB-B07EB92075A7}"/>
+              </a:ext>
+            </a:extLst>
+          </p:cNvPr>
+          <p:cNvSpPr txBox="1"/>
+          <p:nvPr/>
+        </p:nvSpPr>
+        <p:spPr>
+          <a:xfrm>
+            <a:off x="1097280" y="4242238"/>
+            <a:ext cx="8677375" cy="584775"/>
+          </a:xfrm>
+          <a:prstGeom prst="rect">
+            <a:avLst/>
+          </a:prstGeom>
+          <a:noFill/>
+        </p:spPr>
+        <p:txBody>
+          <a:bodyPr wrap="none" rtlCol="0">
+            <a:spAutoFit/>
+          </a:bodyPr>
+          <a:lstStyle/>
+          <a:p>
+            <a:r>
+              <a:rPr kumimoji="1" lang="ja-JP" altLang="en-US" sz="3200" dirty="0">
+                <a:solidFill>
+                  <a:srgbClr val="FF0000"/>
+                </a:solidFill>
+              </a:rPr>
+              <a:t>・支払い通知設定</a:t>
+            </a:r>
+            <a:r>
+              <a:rPr kumimoji="1" lang="ja-JP" altLang="en-US" sz="3200" dirty="0"/>
+              <a:t>（その日の支払いをお知らせ）</a:t>
+            </a:r>
+          </a:p>
+        </p:txBody>
+      </p:sp>
+      <p:sp>
+        <p:nvSpPr>
+          <p:cNvPr id="9" name="テキスト ボックス 8">
+            <a:extLst>
+              <a:ext uri="{FF2B5EF4-FFF2-40B4-BE49-F238E27FC236}">
+                <a16:creationId xmlns:a16="http://schemas.microsoft.com/office/drawing/2014/main" id="{8CF05F54-E0A7-483E-A3BE-1863957D0161}"/>
+              </a:ext>
+            </a:extLst>
+          </p:cNvPr>
+          <p:cNvSpPr txBox="1"/>
+          <p:nvPr/>
+        </p:nvSpPr>
+        <p:spPr>
+          <a:xfrm>
+            <a:off x="1097280" y="4843528"/>
+            <a:ext cx="9078126" cy="584775"/>
+          </a:xfrm>
+          <a:prstGeom prst="rect">
+            <a:avLst/>
+          </a:prstGeom>
+          <a:noFill/>
+        </p:spPr>
+        <p:txBody>
+          <a:bodyPr wrap="none" rtlCol="0">
+            <a:spAutoFit/>
+          </a:bodyPr>
+          <a:lstStyle/>
+          <a:p>
+            <a:r>
+              <a:rPr kumimoji="1" lang="ja-JP" altLang="en-US" sz="3200" dirty="0">
+                <a:solidFill>
+                  <a:srgbClr val="FF0000"/>
+                </a:solidFill>
+              </a:rPr>
+              <a:t>・忘れ防止通知機能</a:t>
+            </a:r>
+            <a:r>
+              <a:rPr kumimoji="1" lang="ja-JP" altLang="en-US" sz="3200" dirty="0"/>
+              <a:t>（その時間帯にログインを促す）</a:t>
+            </a:r>
+          </a:p>
+        </p:txBody>
+      </p:sp>
+      <p:sp>
+        <p:nvSpPr>
+          <p:cNvPr id="10" name="テキスト ボックス 9">
+            <a:extLst>
+              <a:ext uri="{FF2B5EF4-FFF2-40B4-BE49-F238E27FC236}">
+                <a16:creationId xmlns:a16="http://schemas.microsoft.com/office/drawing/2014/main" id="{8714A85C-C0EB-474A-9339-B6FF5C0DF376}"/>
+              </a:ext>
+            </a:extLst>
+          </p:cNvPr>
+          <p:cNvSpPr txBox="1"/>
+          <p:nvPr/>
+        </p:nvSpPr>
+        <p:spPr>
+          <a:xfrm>
+            <a:off x="1108710" y="5428303"/>
+            <a:ext cx="10589758" cy="584775"/>
+          </a:xfrm>
+          <a:prstGeom prst="rect">
+            <a:avLst/>
+          </a:prstGeom>
+          <a:noFill/>
+        </p:spPr>
+        <p:txBody>
+          <a:bodyPr wrap="none" rtlCol="0">
+            <a:spAutoFit/>
+          </a:bodyPr>
+          <a:lstStyle/>
+          <a:p>
+            <a:r>
+              <a:rPr kumimoji="1" lang="ja-JP" altLang="en-US" sz="3200" dirty="0">
+                <a:solidFill>
+                  <a:srgbClr val="FF0000"/>
+                </a:solidFill>
+              </a:rPr>
+              <a:t>・ユーザー情報修正機能</a:t>
+            </a:r>
+            <a:r>
+              <a:rPr kumimoji="1" lang="ja-JP" altLang="en-US" sz="3200" dirty="0"/>
+              <a:t>（</a:t>
+            </a:r>
+            <a:r>
+              <a:rPr kumimoji="1" lang="ja-JP" altLang="en-US" sz="2400" b="1" dirty="0"/>
+              <a:t>ユーザー名、パスワード変更、ユーザー削除</a:t>
+            </a:r>
+            <a:r>
+              <a:rPr kumimoji="1" lang="ja-JP" altLang="en-US" sz="3200" dirty="0"/>
+              <a:t>）</a:t>
             </a:r>
           </a:p>
         </p:txBody>
@@ -5998,7 +7838,7 @@
     </p:spTree>
     <p:extLst>
       <p:ext uri="{BB962C8B-B14F-4D97-AF65-F5344CB8AC3E}">
-        <p14:creationId xmlns:p14="http://schemas.microsoft.com/office/powerpoint/2010/main" val="1786057320"/>
+        <p14:creationId xmlns:p14="http://schemas.microsoft.com/office/powerpoint/2010/main" val="4194157175"/>
       </p:ext>
     </p:extLst>
   </p:cSld>

--- a/9.発表資料/グループ開発_Aグループ発表資料.pptx
+++ b/9.発表資料/グループ開発_Aグループ発表資料.pptx
@@ -4135,10 +4135,13 @@
           <a:lstStyle/>
           <a:p>
             <a:r>
-              <a:rPr lang="ja-JP" altLang="en-US" dirty="0"/>
-              <a:t>スーテェ簿</a:t>
-            </a:r>
-            <a:endParaRPr kumimoji="1" lang="ja-JP" altLang="en-US" dirty="0"/>
+              <a:rPr kumimoji="1" lang="en-US" altLang="ja-JP" sz="9600" dirty="0"/>
+              <a:t>A</a:t>
+            </a:r>
+            <a:r>
+              <a:rPr kumimoji="1" lang="ja-JP" altLang="en-US" dirty="0"/>
+              <a:t>グループ成果発表</a:t>
+            </a:r>
           </a:p>
         </p:txBody>
       </p:sp>
@@ -5831,7 +5834,7 @@
         </p:nvSpPr>
         <p:spPr>
           <a:xfrm>
-            <a:off x="1285032" y="3887704"/>
+            <a:off x="1285032" y="3881003"/>
             <a:ext cx="8041847" cy="830997"/>
           </a:xfrm>
           <a:prstGeom prst="rect">
@@ -5847,7 +5850,7 @@
           <a:p>
             <a:r>
               <a:rPr kumimoji="1" lang="ja-JP" altLang="en-US" sz="4800" dirty="0"/>
-              <a:t>・グループ開発の感想個人</a:t>
+              <a:t>・グループ開発の個人感想</a:t>
             </a:r>
           </a:p>
         </p:txBody>
@@ -5882,7 +5885,7 @@
           <a:p>
             <a:r>
               <a:rPr kumimoji="1" lang="ja-JP" altLang="en-US" sz="4800" dirty="0"/>
-              <a:t>・グループ開発の感想全体</a:t>
+              <a:t>・グループ開発の全体感想</a:t>
             </a:r>
           </a:p>
         </p:txBody>
@@ -6376,7 +6379,7 @@
             </a:r>
             <a:r>
               <a:rPr kumimoji="1" lang="ja-JP" altLang="en-US" sz="4400" dirty="0"/>
-              <a:t>減らし豊な人生を歩んでもらいたい</a:t>
+              <a:t>減らし豊かな人生を歩んでもらいたい</a:t>
             </a:r>
           </a:p>
         </p:txBody>

--- a/9.発表資料/グループ開発_Aグループ発表資料.pptx
+++ b/9.発表資料/グループ開発_Aグループ発表資料.pptx
@@ -14,14 +14,13 @@
     <p:sldId id="269" r:id="rId8"/>
     <p:sldId id="271" r:id="rId9"/>
     <p:sldId id="259" r:id="rId10"/>
-    <p:sldId id="260" r:id="rId11"/>
-    <p:sldId id="261" r:id="rId12"/>
-    <p:sldId id="273" r:id="rId13"/>
-    <p:sldId id="274" r:id="rId14"/>
-    <p:sldId id="275" r:id="rId15"/>
-    <p:sldId id="276" r:id="rId16"/>
-    <p:sldId id="277" r:id="rId17"/>
-    <p:sldId id="267" r:id="rId18"/>
+    <p:sldId id="261" r:id="rId11"/>
+    <p:sldId id="273" r:id="rId12"/>
+    <p:sldId id="274" r:id="rId13"/>
+    <p:sldId id="275" r:id="rId14"/>
+    <p:sldId id="276" r:id="rId15"/>
+    <p:sldId id="277" r:id="rId16"/>
+    <p:sldId id="267" r:id="rId17"/>
   </p:sldIdLst>
   <p:sldSz cx="12192000" cy="6858000"/>
   <p:notesSz cx="6858000" cy="9144000"/>
@@ -4214,7 +4213,7 @@
           <p:cNvPr id="2" name="タイトル 1">
             <a:extLst>
               <a:ext uri="{FF2B5EF4-FFF2-40B4-BE49-F238E27FC236}">
-                <a16:creationId xmlns:a16="http://schemas.microsoft.com/office/drawing/2014/main" id="{8D7D6F9C-A981-4EAC-AD9F-82CEFF3140C5}"/>
+                <a16:creationId xmlns:a16="http://schemas.microsoft.com/office/drawing/2014/main" id="{0F1FF85F-9826-486D-8995-8295E2C94422}"/>
               </a:ext>
             </a:extLst>
           </p:cNvPr>
@@ -4234,7 +4233,7 @@
           <a:p>
             <a:r>
               <a:rPr kumimoji="1" lang="ja-JP" altLang="en-US" sz="7200" dirty="0"/>
-              <a:t>デモ</a:t>
+              <a:t>グループ開発の感想（）</a:t>
             </a:r>
           </a:p>
         </p:txBody>
@@ -4244,7 +4243,7 @@
           <p:cNvPr id="4" name="テキスト ボックス 3">
             <a:extLst>
               <a:ext uri="{FF2B5EF4-FFF2-40B4-BE49-F238E27FC236}">
-                <a16:creationId xmlns:a16="http://schemas.microsoft.com/office/drawing/2014/main" id="{8F63C2D2-018B-4B0A-ACC1-BF3E0186B400}"/>
+                <a16:creationId xmlns:a16="http://schemas.microsoft.com/office/drawing/2014/main" id="{310DA0C8-651F-4CEC-AF22-C284C1306C2A}"/>
               </a:ext>
             </a:extLst>
           </p:cNvPr>
@@ -4253,8 +4252,8 @@
         </p:nvSpPr>
         <p:spPr>
           <a:xfrm>
-            <a:off x="1097280" y="2321004"/>
-            <a:ext cx="5694188" cy="1107996"/>
+            <a:off x="1097280" y="2171700"/>
+            <a:ext cx="3054041" cy="646331"/>
           </a:xfrm>
           <a:prstGeom prst="rect">
             <a:avLst/>
@@ -4268,8 +4267,78 @@
           <a:lstStyle/>
           <a:p>
             <a:r>
-              <a:rPr kumimoji="1" lang="ja-JP" altLang="en-US" sz="6600" dirty="0"/>
-              <a:t>デモを行います</a:t>
+              <a:rPr kumimoji="1" lang="ja-JP" altLang="en-US" sz="3600" b="1" dirty="0"/>
+              <a:t>担当した機能：</a:t>
+            </a:r>
+          </a:p>
+        </p:txBody>
+      </p:sp>
+      <p:sp>
+        <p:nvSpPr>
+          <p:cNvPr id="5" name="テキスト ボックス 4">
+            <a:extLst>
+              <a:ext uri="{FF2B5EF4-FFF2-40B4-BE49-F238E27FC236}">
+                <a16:creationId xmlns:a16="http://schemas.microsoft.com/office/drawing/2014/main" id="{4B092859-E840-48FD-8048-ABEDD3AF7591}"/>
+              </a:ext>
+            </a:extLst>
+          </p:cNvPr>
+          <p:cNvSpPr txBox="1"/>
+          <p:nvPr/>
+        </p:nvSpPr>
+        <p:spPr>
+          <a:xfrm>
+            <a:off x="1121324" y="3438281"/>
+            <a:ext cx="2964273" cy="646331"/>
+          </a:xfrm>
+          <a:prstGeom prst="rect">
+            <a:avLst/>
+          </a:prstGeom>
+          <a:noFill/>
+        </p:spPr>
+        <p:txBody>
+          <a:bodyPr wrap="none" rtlCol="0">
+            <a:spAutoFit/>
+          </a:bodyPr>
+          <a:lstStyle/>
+          <a:p>
+            <a:r>
+              <a:rPr kumimoji="1" lang="ja-JP" altLang="en-US" sz="3600" b="1" dirty="0"/>
+              <a:t>難しかった点：</a:t>
+            </a:r>
+          </a:p>
+        </p:txBody>
+      </p:sp>
+      <p:sp>
+        <p:nvSpPr>
+          <p:cNvPr id="6" name="テキスト ボックス 5">
+            <a:extLst>
+              <a:ext uri="{FF2B5EF4-FFF2-40B4-BE49-F238E27FC236}">
+                <a16:creationId xmlns:a16="http://schemas.microsoft.com/office/drawing/2014/main" id="{E70C25A1-7B57-4252-9A3B-B1F61B5DAE3D}"/>
+              </a:ext>
+            </a:extLst>
+          </p:cNvPr>
+          <p:cNvSpPr txBox="1"/>
+          <p:nvPr/>
+        </p:nvSpPr>
+        <p:spPr>
+          <a:xfrm>
+            <a:off x="1167812" y="4704862"/>
+            <a:ext cx="2871299" cy="646331"/>
+          </a:xfrm>
+          <a:prstGeom prst="rect">
+            <a:avLst/>
+          </a:prstGeom>
+          <a:noFill/>
+        </p:spPr>
+        <p:txBody>
+          <a:bodyPr wrap="none" rtlCol="0">
+            <a:spAutoFit/>
+          </a:bodyPr>
+          <a:lstStyle/>
+          <a:p>
+            <a:r>
+              <a:rPr kumimoji="1" lang="ja-JP" altLang="en-US" sz="3600" b="1" dirty="0"/>
+              <a:t>学んだところ：</a:t>
             </a:r>
           </a:p>
         </p:txBody>
@@ -4277,7 +4346,7 @@
     </p:spTree>
     <p:extLst>
       <p:ext uri="{BB962C8B-B14F-4D97-AF65-F5344CB8AC3E}">
-        <p14:creationId xmlns:p14="http://schemas.microsoft.com/office/powerpoint/2010/main" val="3010472141"/>
+        <p14:creationId xmlns:p14="http://schemas.microsoft.com/office/powerpoint/2010/main" val="1664365239"/>
       </p:ext>
     </p:extLst>
   </p:cSld>
@@ -4442,7 +4511,7 @@
     </p:spTree>
     <p:extLst>
       <p:ext uri="{BB962C8B-B14F-4D97-AF65-F5344CB8AC3E}">
-        <p14:creationId xmlns:p14="http://schemas.microsoft.com/office/powerpoint/2010/main" val="1664365239"/>
+        <p14:creationId xmlns:p14="http://schemas.microsoft.com/office/powerpoint/2010/main" val="2306527920"/>
       </p:ext>
     </p:extLst>
   </p:cSld>
@@ -4607,7 +4676,7 @@
     </p:spTree>
     <p:extLst>
       <p:ext uri="{BB962C8B-B14F-4D97-AF65-F5344CB8AC3E}">
-        <p14:creationId xmlns:p14="http://schemas.microsoft.com/office/powerpoint/2010/main" val="2306527920"/>
+        <p14:creationId xmlns:p14="http://schemas.microsoft.com/office/powerpoint/2010/main" val="3048685331"/>
       </p:ext>
     </p:extLst>
   </p:cSld>
@@ -4772,7 +4841,7 @@
     </p:spTree>
     <p:extLst>
       <p:ext uri="{BB962C8B-B14F-4D97-AF65-F5344CB8AC3E}">
-        <p14:creationId xmlns:p14="http://schemas.microsoft.com/office/powerpoint/2010/main" val="3048685331"/>
+        <p14:creationId xmlns:p14="http://schemas.microsoft.com/office/powerpoint/2010/main" val="3423968780"/>
       </p:ext>
     </p:extLst>
   </p:cSld>
@@ -4937,7 +5006,7 @@
     </p:spTree>
     <p:extLst>
       <p:ext uri="{BB962C8B-B14F-4D97-AF65-F5344CB8AC3E}">
-        <p14:creationId xmlns:p14="http://schemas.microsoft.com/office/powerpoint/2010/main" val="3423968780"/>
+        <p14:creationId xmlns:p14="http://schemas.microsoft.com/office/powerpoint/2010/main" val="3602555867"/>
       </p:ext>
     </p:extLst>
   </p:cSld>
@@ -5102,7 +5171,7 @@
     </p:spTree>
     <p:extLst>
       <p:ext uri="{BB962C8B-B14F-4D97-AF65-F5344CB8AC3E}">
-        <p14:creationId xmlns:p14="http://schemas.microsoft.com/office/powerpoint/2010/main" val="3602555867"/>
+        <p14:creationId xmlns:p14="http://schemas.microsoft.com/office/powerpoint/2010/main" val="4269286148"/>
       </p:ext>
     </p:extLst>
   </p:cSld>
@@ -5113,171 +5182,6 @@
 </file>
 
 <file path=ppt/slides/slide16.xml><?xml version="1.0" encoding="utf-8"?>
-<p:sld xmlns:a="http://schemas.openxmlformats.org/drawingml/2006/main" xmlns:r="http://schemas.openxmlformats.org/officeDocument/2006/relationships" xmlns:p="http://schemas.openxmlformats.org/presentationml/2006/main">
-  <p:cSld>
-    <p:spTree>
-      <p:nvGrpSpPr>
-        <p:cNvPr id="1" name=""/>
-        <p:cNvGrpSpPr/>
-        <p:nvPr/>
-      </p:nvGrpSpPr>
-      <p:grpSpPr>
-        <a:xfrm>
-          <a:off x="0" y="0"/>
-          <a:ext cx="0" cy="0"/>
-          <a:chOff x="0" y="0"/>
-          <a:chExt cx="0" cy="0"/>
-        </a:xfrm>
-      </p:grpSpPr>
-      <p:sp>
-        <p:nvSpPr>
-          <p:cNvPr id="2" name="タイトル 1">
-            <a:extLst>
-              <a:ext uri="{FF2B5EF4-FFF2-40B4-BE49-F238E27FC236}">
-                <a16:creationId xmlns:a16="http://schemas.microsoft.com/office/drawing/2014/main" id="{0F1FF85F-9826-486D-8995-8295E2C94422}"/>
-              </a:ext>
-            </a:extLst>
-          </p:cNvPr>
-          <p:cNvSpPr>
-            <a:spLocks noGrp="1"/>
-          </p:cNvSpPr>
-          <p:nvPr>
-            <p:ph type="title"/>
-          </p:nvPr>
-        </p:nvSpPr>
-        <p:spPr/>
-        <p:txBody>
-          <a:bodyPr>
-            <a:normAutofit/>
-          </a:bodyPr>
-          <a:lstStyle/>
-          <a:p>
-            <a:r>
-              <a:rPr kumimoji="1" lang="ja-JP" altLang="en-US" sz="7200" dirty="0"/>
-              <a:t>グループ開発の感想（）</a:t>
-            </a:r>
-          </a:p>
-        </p:txBody>
-      </p:sp>
-      <p:sp>
-        <p:nvSpPr>
-          <p:cNvPr id="4" name="テキスト ボックス 3">
-            <a:extLst>
-              <a:ext uri="{FF2B5EF4-FFF2-40B4-BE49-F238E27FC236}">
-                <a16:creationId xmlns:a16="http://schemas.microsoft.com/office/drawing/2014/main" id="{310DA0C8-651F-4CEC-AF22-C284C1306C2A}"/>
-              </a:ext>
-            </a:extLst>
-          </p:cNvPr>
-          <p:cNvSpPr txBox="1"/>
-          <p:nvPr/>
-        </p:nvSpPr>
-        <p:spPr>
-          <a:xfrm>
-            <a:off x="1097280" y="2171700"/>
-            <a:ext cx="3054041" cy="646331"/>
-          </a:xfrm>
-          <a:prstGeom prst="rect">
-            <a:avLst/>
-          </a:prstGeom>
-          <a:noFill/>
-        </p:spPr>
-        <p:txBody>
-          <a:bodyPr wrap="none" rtlCol="0">
-            <a:spAutoFit/>
-          </a:bodyPr>
-          <a:lstStyle/>
-          <a:p>
-            <a:r>
-              <a:rPr kumimoji="1" lang="ja-JP" altLang="en-US" sz="3600" b="1" dirty="0"/>
-              <a:t>担当した機能：</a:t>
-            </a:r>
-          </a:p>
-        </p:txBody>
-      </p:sp>
-      <p:sp>
-        <p:nvSpPr>
-          <p:cNvPr id="5" name="テキスト ボックス 4">
-            <a:extLst>
-              <a:ext uri="{FF2B5EF4-FFF2-40B4-BE49-F238E27FC236}">
-                <a16:creationId xmlns:a16="http://schemas.microsoft.com/office/drawing/2014/main" id="{4B092859-E840-48FD-8048-ABEDD3AF7591}"/>
-              </a:ext>
-            </a:extLst>
-          </p:cNvPr>
-          <p:cNvSpPr txBox="1"/>
-          <p:nvPr/>
-        </p:nvSpPr>
-        <p:spPr>
-          <a:xfrm>
-            <a:off x="1121324" y="3438281"/>
-            <a:ext cx="2964273" cy="646331"/>
-          </a:xfrm>
-          <a:prstGeom prst="rect">
-            <a:avLst/>
-          </a:prstGeom>
-          <a:noFill/>
-        </p:spPr>
-        <p:txBody>
-          <a:bodyPr wrap="none" rtlCol="0">
-            <a:spAutoFit/>
-          </a:bodyPr>
-          <a:lstStyle/>
-          <a:p>
-            <a:r>
-              <a:rPr kumimoji="1" lang="ja-JP" altLang="en-US" sz="3600" b="1" dirty="0"/>
-              <a:t>難しかった点：</a:t>
-            </a:r>
-          </a:p>
-        </p:txBody>
-      </p:sp>
-      <p:sp>
-        <p:nvSpPr>
-          <p:cNvPr id="6" name="テキスト ボックス 5">
-            <a:extLst>
-              <a:ext uri="{FF2B5EF4-FFF2-40B4-BE49-F238E27FC236}">
-                <a16:creationId xmlns:a16="http://schemas.microsoft.com/office/drawing/2014/main" id="{E70C25A1-7B57-4252-9A3B-B1F61B5DAE3D}"/>
-              </a:ext>
-            </a:extLst>
-          </p:cNvPr>
-          <p:cNvSpPr txBox="1"/>
-          <p:nvPr/>
-        </p:nvSpPr>
-        <p:spPr>
-          <a:xfrm>
-            <a:off x="1167812" y="4704862"/>
-            <a:ext cx="2871299" cy="646331"/>
-          </a:xfrm>
-          <a:prstGeom prst="rect">
-            <a:avLst/>
-          </a:prstGeom>
-          <a:noFill/>
-        </p:spPr>
-        <p:txBody>
-          <a:bodyPr wrap="none" rtlCol="0">
-            <a:spAutoFit/>
-          </a:bodyPr>
-          <a:lstStyle/>
-          <a:p>
-            <a:r>
-              <a:rPr kumimoji="1" lang="ja-JP" altLang="en-US" sz="3600" b="1" dirty="0"/>
-              <a:t>学んだところ：</a:t>
-            </a:r>
-          </a:p>
-        </p:txBody>
-      </p:sp>
-    </p:spTree>
-    <p:extLst>
-      <p:ext uri="{BB962C8B-B14F-4D97-AF65-F5344CB8AC3E}">
-        <p14:creationId xmlns:p14="http://schemas.microsoft.com/office/powerpoint/2010/main" val="4269286148"/>
-      </p:ext>
-    </p:extLst>
-  </p:cSld>
-  <p:clrMapOvr>
-    <a:masterClrMapping/>
-  </p:clrMapOvr>
-</p:sld>
-</file>
-
-<file path=ppt/slides/slide17.xml><?xml version="1.0" encoding="utf-8"?>
 <p:sld xmlns:a="http://schemas.openxmlformats.org/drawingml/2006/main" xmlns:r="http://schemas.openxmlformats.org/officeDocument/2006/relationships" xmlns:p="http://schemas.openxmlformats.org/presentationml/2006/main">
   <p:cSld>
     <p:spTree>
@@ -7459,13 +7363,14 @@
           <a:lstStyle/>
           <a:p>
             <a:r>
-              <a:rPr kumimoji="1" lang="en-US" altLang="ja-JP" sz="8000" b="1" dirty="0"/>
-              <a:t>121</a:t>
-            </a:r>
-            <a:r>
-              <a:rPr kumimoji="1" lang="ja-JP" altLang="en-US" sz="8000" b="1" dirty="0"/>
+              <a:rPr kumimoji="1" lang="en-US" altLang="ja-JP" sz="8000" b="1"/>
+              <a:t>726</a:t>
+            </a:r>
+            <a:r>
+              <a:rPr kumimoji="1" lang="ja-JP" altLang="en-US" sz="8000" b="1"/>
               <a:t>時間</a:t>
             </a:r>
+            <a:endParaRPr kumimoji="1" lang="ja-JP" altLang="en-US" sz="8000" b="1" dirty="0"/>
           </a:p>
         </p:txBody>
       </p:sp>
@@ -7716,7 +7621,7 @@
         <p:spPr>
           <a:xfrm>
             <a:off x="1097280" y="4242238"/>
-            <a:ext cx="8677375" cy="584775"/>
+            <a:ext cx="8584401" cy="584775"/>
           </a:xfrm>
           <a:prstGeom prst="rect">
             <a:avLst/>
@@ -7735,7 +7640,7 @@
                   <a:srgbClr val="FF0000"/>
                 </a:solidFill>
               </a:rPr>
-              <a:t>・支払い通知設定</a:t>
+              <a:t>・支払い通知機能</a:t>
             </a:r>
             <a:r>
               <a:rPr kumimoji="1" lang="ja-JP" altLang="en-US" sz="3200" dirty="0"/>

--- a/9.発表資料/グループ開発_Aグループ発表資料.pptx
+++ b/9.発表資料/グループ開発_Aグループ発表資料.pptx
@@ -353,7 +353,7 @@
           <a:p>
             <a:fld id="{3A909A13-DC5A-484E-B79C-450173A2C501}" type="datetimeFigureOut">
               <a:rPr kumimoji="1" lang="ja-JP" altLang="en-US" smtClean="0"/>
-              <a:t>2020/6/28</a:t>
+              <a:t>2020/6/29</a:t>
             </a:fld>
             <a:endParaRPr kumimoji="1" lang="ja-JP" altLang="en-US"/>
           </a:p>
@@ -593,7 +593,7 @@
           <a:p>
             <a:fld id="{3A909A13-DC5A-484E-B79C-450173A2C501}" type="datetimeFigureOut">
               <a:rPr kumimoji="1" lang="ja-JP" altLang="en-US" smtClean="0"/>
-              <a:t>2020/6/28</a:t>
+              <a:t>2020/6/29</a:t>
             </a:fld>
             <a:endParaRPr kumimoji="1" lang="ja-JP" altLang="en-US"/>
           </a:p>
@@ -881,7 +881,7 @@
           <a:p>
             <a:fld id="{3A909A13-DC5A-484E-B79C-450173A2C501}" type="datetimeFigureOut">
               <a:rPr kumimoji="1" lang="ja-JP" altLang="en-US" smtClean="0"/>
-              <a:t>2020/6/28</a:t>
+              <a:t>2020/6/29</a:t>
             </a:fld>
             <a:endParaRPr kumimoji="1" lang="ja-JP" altLang="en-US"/>
           </a:p>
@@ -1087,7 +1087,7 @@
           <a:p>
             <a:fld id="{3A909A13-DC5A-484E-B79C-450173A2C501}" type="datetimeFigureOut">
               <a:rPr kumimoji="1" lang="ja-JP" altLang="en-US" smtClean="0"/>
-              <a:t>2020/6/28</a:t>
+              <a:t>2020/6/29</a:t>
             </a:fld>
             <a:endParaRPr kumimoji="1" lang="ja-JP" altLang="en-US"/>
           </a:p>
@@ -1430,7 +1430,7 @@
           <a:p>
             <a:fld id="{3A909A13-DC5A-484E-B79C-450173A2C501}" type="datetimeFigureOut">
               <a:rPr kumimoji="1" lang="ja-JP" altLang="en-US" smtClean="0"/>
-              <a:t>2020/6/28</a:t>
+              <a:t>2020/6/29</a:t>
             </a:fld>
             <a:endParaRPr kumimoji="1" lang="ja-JP" altLang="en-US"/>
           </a:p>
@@ -1769,7 +1769,7 @@
           <a:p>
             <a:fld id="{3A909A13-DC5A-484E-B79C-450173A2C501}" type="datetimeFigureOut">
               <a:rPr kumimoji="1" lang="ja-JP" altLang="en-US" smtClean="0"/>
-              <a:t>2020/6/28</a:t>
+              <a:t>2020/6/29</a:t>
             </a:fld>
             <a:endParaRPr kumimoji="1" lang="ja-JP" altLang="en-US"/>
           </a:p>
@@ -2212,7 +2212,7 @@
           <a:p>
             <a:fld id="{3A909A13-DC5A-484E-B79C-450173A2C501}" type="datetimeFigureOut">
               <a:rPr kumimoji="1" lang="ja-JP" altLang="en-US" smtClean="0"/>
-              <a:t>2020/6/28</a:t>
+              <a:t>2020/6/29</a:t>
             </a:fld>
             <a:endParaRPr kumimoji="1" lang="ja-JP" altLang="en-US"/>
           </a:p>
@@ -2330,7 +2330,7 @@
           <a:p>
             <a:fld id="{3A909A13-DC5A-484E-B79C-450173A2C501}" type="datetimeFigureOut">
               <a:rPr kumimoji="1" lang="ja-JP" altLang="en-US" smtClean="0"/>
-              <a:t>2020/6/28</a:t>
+              <a:t>2020/6/29</a:t>
             </a:fld>
             <a:endParaRPr kumimoji="1" lang="ja-JP" altLang="en-US"/>
           </a:p>
@@ -2501,7 +2501,7 @@
           <a:p>
             <a:fld id="{3A909A13-DC5A-484E-B79C-450173A2C501}" type="datetimeFigureOut">
               <a:rPr kumimoji="1" lang="ja-JP" altLang="en-US" smtClean="0"/>
-              <a:t>2020/6/28</a:t>
+              <a:t>2020/6/29</a:t>
             </a:fld>
             <a:endParaRPr kumimoji="1" lang="ja-JP" altLang="en-US"/>
           </a:p>
@@ -2887,7 +2887,7 @@
           <a:p>
             <a:fld id="{3A909A13-DC5A-484E-B79C-450173A2C501}" type="datetimeFigureOut">
               <a:rPr kumimoji="1" lang="ja-JP" altLang="en-US" smtClean="0"/>
-              <a:t>2020/6/28</a:t>
+              <a:t>2020/6/29</a:t>
             </a:fld>
             <a:endParaRPr kumimoji="1" lang="ja-JP" altLang="en-US"/>
           </a:p>
@@ -3269,7 +3269,7 @@
           <a:p>
             <a:fld id="{3A909A13-DC5A-484E-B79C-450173A2C501}" type="datetimeFigureOut">
               <a:rPr kumimoji="1" lang="ja-JP" altLang="en-US" smtClean="0"/>
-              <a:t>2020/6/28</a:t>
+              <a:t>2020/6/29</a:t>
             </a:fld>
             <a:endParaRPr kumimoji="1" lang="ja-JP" altLang="en-US"/>
           </a:p>
@@ -3588,7 +3588,7 @@
           <a:p>
             <a:fld id="{3A909A13-DC5A-484E-B79C-450173A2C501}" type="datetimeFigureOut">
               <a:rPr kumimoji="1" lang="ja-JP" altLang="en-US" smtClean="0"/>
-              <a:t>2020/6/28</a:t>
+              <a:t>2020/6/29</a:t>
             </a:fld>
             <a:endParaRPr kumimoji="1" lang="ja-JP" altLang="en-US"/>
           </a:p>
@@ -4227,13 +4227,13 @@
         <p:spPr/>
         <p:txBody>
           <a:bodyPr>
-            <a:normAutofit/>
+            <a:normAutofit fontScale="90000"/>
           </a:bodyPr>
           <a:lstStyle/>
           <a:p>
             <a:r>
               <a:rPr kumimoji="1" lang="ja-JP" altLang="en-US" sz="7200" dirty="0"/>
-              <a:t>グループ開発の感想（）</a:t>
+              <a:t>グループ開発の感想（石川）</a:t>
             </a:r>
           </a:p>
         </p:txBody>
@@ -4253,7 +4253,7 @@
         <p:spPr>
           <a:xfrm>
             <a:off x="1097280" y="2171700"/>
-            <a:ext cx="3054041" cy="646331"/>
+            <a:ext cx="10410222" cy="1200329"/>
           </a:xfrm>
           <a:prstGeom prst="rect">
             <a:avLst/>
@@ -4268,7 +4268,18 @@
           <a:p>
             <a:r>
               <a:rPr kumimoji="1" lang="ja-JP" altLang="en-US" sz="3600" b="1" dirty="0"/>
-              <a:t>担当した機能：</a:t>
+              <a:t>担当した機能：年表示、月表示、ユーザー情報修正、</a:t>
+            </a:r>
+            <a:endParaRPr kumimoji="1" lang="en-US" altLang="ja-JP" sz="3600" b="1" dirty="0"/>
+          </a:p>
+          <a:p>
+            <a:r>
+              <a:rPr kumimoji="1" lang="en-US" altLang="ja-JP" sz="3600" b="1" dirty="0"/>
+              <a:t>						</a:t>
+            </a:r>
+            <a:r>
+              <a:rPr kumimoji="1" lang="ja-JP" altLang="en-US" sz="3600" b="1" dirty="0"/>
+              <a:t> 設定画面</a:t>
             </a:r>
           </a:p>
         </p:txBody>
@@ -4287,8 +4298,8 @@
         </p:nvSpPr>
         <p:spPr>
           <a:xfrm>
-            <a:off x="1121324" y="3438281"/>
-            <a:ext cx="2964273" cy="646331"/>
+            <a:off x="1097280" y="4060038"/>
+            <a:ext cx="10918374" cy="646331"/>
           </a:xfrm>
           <a:prstGeom prst="rect">
             <a:avLst/>
@@ -4303,7 +4314,7 @@
           <a:p>
             <a:r>
               <a:rPr kumimoji="1" lang="ja-JP" altLang="en-US" sz="3600" b="1" dirty="0"/>
-              <a:t>難しかった点：</a:t>
+              <a:t>難しかった点：フレームワークの理解が難しかったです。</a:t>
             </a:r>
           </a:p>
         </p:txBody>
@@ -4322,8 +4333,8 @@
         </p:nvSpPr>
         <p:spPr>
           <a:xfrm>
-            <a:off x="1167812" y="4704862"/>
-            <a:ext cx="2871299" cy="646331"/>
+            <a:off x="1121324" y="5481039"/>
+            <a:ext cx="9692077" cy="646331"/>
           </a:xfrm>
           <a:prstGeom prst="rect">
             <a:avLst/>
@@ -4338,7 +4349,7 @@
           <a:p>
             <a:r>
               <a:rPr kumimoji="1" lang="ja-JP" altLang="en-US" sz="3600" b="1" dirty="0"/>
-              <a:t>学んだところ：</a:t>
+              <a:t>学んだところ：続けていればなんとかなる事です。</a:t>
             </a:r>
           </a:p>
         </p:txBody>
@@ -4392,13 +4403,13 @@
         <p:spPr/>
         <p:txBody>
           <a:bodyPr>
-            <a:normAutofit/>
+            <a:normAutofit fontScale="90000"/>
           </a:bodyPr>
           <a:lstStyle/>
           <a:p>
             <a:r>
               <a:rPr kumimoji="1" lang="ja-JP" altLang="en-US" sz="7200" dirty="0"/>
-              <a:t>グループ開発の感想（）</a:t>
+              <a:t>グループ開発の感想（神谷）</a:t>
             </a:r>
           </a:p>
         </p:txBody>
@@ -4452,7 +4463,7 @@
         </p:nvSpPr>
         <p:spPr>
           <a:xfrm>
-            <a:off x="1121324" y="3438281"/>
+            <a:off x="1097280" y="3634983"/>
             <a:ext cx="2964273" cy="646331"/>
           </a:xfrm>
           <a:prstGeom prst="rect">
@@ -4487,7 +4498,7 @@
         </p:nvSpPr>
         <p:spPr>
           <a:xfrm>
-            <a:off x="1167812" y="4704862"/>
+            <a:off x="1097280" y="5098267"/>
             <a:ext cx="2871299" cy="646331"/>
           </a:xfrm>
           <a:prstGeom prst="rect">
@@ -4557,13 +4568,13 @@
         <p:spPr/>
         <p:txBody>
           <a:bodyPr>
-            <a:normAutofit/>
+            <a:normAutofit fontScale="90000"/>
           </a:bodyPr>
           <a:lstStyle/>
           <a:p>
             <a:r>
               <a:rPr kumimoji="1" lang="ja-JP" altLang="en-US" sz="7200" dirty="0"/>
-              <a:t>グループ開発の感想（）</a:t>
+              <a:t>グループ開発の感想（池原）</a:t>
             </a:r>
           </a:p>
         </p:txBody>
@@ -4617,7 +4628,7 @@
         </p:nvSpPr>
         <p:spPr>
           <a:xfrm>
-            <a:off x="1121324" y="3438281"/>
+            <a:off x="1121324" y="3740907"/>
             <a:ext cx="2964273" cy="646331"/>
           </a:xfrm>
           <a:prstGeom prst="rect">
@@ -4652,7 +4663,7 @@
         </p:nvSpPr>
         <p:spPr>
           <a:xfrm>
-            <a:off x="1167812" y="4704862"/>
+            <a:off x="1121324" y="5310918"/>
             <a:ext cx="2871299" cy="646331"/>
           </a:xfrm>
           <a:prstGeom prst="rect">
@@ -4722,13 +4733,13 @@
         <p:spPr/>
         <p:txBody>
           <a:bodyPr>
-            <a:normAutofit/>
+            <a:normAutofit fontScale="90000"/>
           </a:bodyPr>
           <a:lstStyle/>
           <a:p>
             <a:r>
               <a:rPr kumimoji="1" lang="ja-JP" altLang="en-US" sz="7200" dirty="0"/>
-              <a:t>グループ開発の感想（）</a:t>
+              <a:t>グループ開発の感想（金城）</a:t>
             </a:r>
           </a:p>
         </p:txBody>
@@ -4747,7 +4758,7 @@
         </p:nvSpPr>
         <p:spPr>
           <a:xfrm>
-            <a:off x="1097280" y="2171700"/>
+            <a:off x="1145286" y="2264655"/>
             <a:ext cx="3054041" cy="646331"/>
           </a:xfrm>
           <a:prstGeom prst="rect">
@@ -4782,7 +4793,7 @@
         </p:nvSpPr>
         <p:spPr>
           <a:xfrm>
-            <a:off x="1121324" y="3438281"/>
+            <a:off x="1145286" y="3959983"/>
             <a:ext cx="2964273" cy="646331"/>
           </a:xfrm>
           <a:prstGeom prst="rect">
@@ -4817,7 +4828,7 @@
         </p:nvSpPr>
         <p:spPr>
           <a:xfrm>
-            <a:off x="1167812" y="4704862"/>
+            <a:off x="1097280" y="5353448"/>
             <a:ext cx="2871299" cy="646331"/>
           </a:xfrm>
           <a:prstGeom prst="rect">
@@ -6633,7 +6644,7 @@
                 <a:ea typeface="游ゴシック" pitchFamily="50"/>
                 <a:cs typeface="Tahoma" pitchFamily="2"/>
               </a:rPr>
-              <a:t>・言語：</a:t>
+              <a:t>・主要な言語：</a:t>
             </a:r>
             <a:r>
               <a:rPr lang="en-US" sz="4400" dirty="0">
@@ -7348,7 +7359,7 @@
         </p:nvSpPr>
         <p:spPr>
           <a:xfrm>
-            <a:off x="1970842" y="2767280"/>
+            <a:off x="7933822" y="2683571"/>
             <a:ext cx="3804247" cy="1323439"/>
           </a:xfrm>
           <a:prstGeom prst="rect">
@@ -7363,14 +7374,68 @@
           <a:lstStyle/>
           <a:p>
             <a:r>
-              <a:rPr kumimoji="1" lang="en-US" altLang="ja-JP" sz="8000" b="1"/>
+              <a:rPr kumimoji="1" lang="en-US" altLang="ja-JP" sz="8000" b="1" dirty="0">
+                <a:solidFill>
+                  <a:srgbClr val="FF0000"/>
+                </a:solidFill>
+              </a:rPr>
               <a:t>726</a:t>
             </a:r>
             <a:r>
-              <a:rPr kumimoji="1" lang="ja-JP" altLang="en-US" sz="8000" b="1"/>
+              <a:rPr kumimoji="1" lang="ja-JP" altLang="en-US" sz="8000" b="1" dirty="0">
+                <a:solidFill>
+                  <a:srgbClr val="FF0000"/>
+                </a:solidFill>
+              </a:rPr>
               <a:t>時間</a:t>
             </a:r>
-            <a:endParaRPr kumimoji="1" lang="ja-JP" altLang="en-US" sz="8000" b="1" dirty="0"/>
+          </a:p>
+        </p:txBody>
+      </p:sp>
+      <p:sp>
+        <p:nvSpPr>
+          <p:cNvPr id="5" name="テキスト ボックス 4">
+            <a:extLst>
+              <a:ext uri="{FF2B5EF4-FFF2-40B4-BE49-F238E27FC236}">
+                <a16:creationId xmlns:a16="http://schemas.microsoft.com/office/drawing/2014/main" id="{465E1197-0CAF-4C45-B847-20CC13079E99}"/>
+              </a:ext>
+            </a:extLst>
+          </p:cNvPr>
+          <p:cNvSpPr txBox="1"/>
+          <p:nvPr/>
+        </p:nvSpPr>
+        <p:spPr>
+          <a:xfrm>
+            <a:off x="453931" y="2683572"/>
+            <a:ext cx="7415813" cy="1323439"/>
+          </a:xfrm>
+          <a:prstGeom prst="rect">
+            <a:avLst/>
+          </a:prstGeom>
+          <a:noFill/>
+        </p:spPr>
+        <p:txBody>
+          <a:bodyPr wrap="none" rtlCol="0">
+            <a:spAutoFit/>
+          </a:bodyPr>
+          <a:lstStyle/>
+          <a:p>
+            <a:r>
+              <a:rPr kumimoji="1" lang="en-US" altLang="ja-JP" sz="8000" b="1" dirty="0"/>
+              <a:t>121</a:t>
+            </a:r>
+            <a:r>
+              <a:rPr kumimoji="1" lang="ja-JP" altLang="en-US" sz="8000" b="1" dirty="0"/>
+              <a:t>時間</a:t>
+            </a:r>
+            <a:r>
+              <a:rPr kumimoji="1" lang="en-US" altLang="ja-JP" sz="8000" b="1" dirty="0"/>
+              <a:t>×6</a:t>
+            </a:r>
+            <a:r>
+              <a:rPr kumimoji="1" lang="ja-JP" altLang="en-US" sz="8000" b="1" dirty="0"/>
+              <a:t>人＝</a:t>
+            </a:r>
           </a:p>
         </p:txBody>
       </p:sp>

--- a/9.発表資料/グループ開発_Aグループ発表資料.pptx
+++ b/9.発表資料/グループ開発_Aグループ発表資料.pptx
@@ -14,12 +14,12 @@
     <p:sldId id="269" r:id="rId8"/>
     <p:sldId id="271" r:id="rId9"/>
     <p:sldId id="259" r:id="rId10"/>
-    <p:sldId id="261" r:id="rId11"/>
-    <p:sldId id="273" r:id="rId12"/>
-    <p:sldId id="274" r:id="rId13"/>
-    <p:sldId id="275" r:id="rId14"/>
-    <p:sldId id="276" r:id="rId15"/>
-    <p:sldId id="277" r:id="rId16"/>
+    <p:sldId id="273" r:id="rId11"/>
+    <p:sldId id="274" r:id="rId12"/>
+    <p:sldId id="275" r:id="rId13"/>
+    <p:sldId id="276" r:id="rId14"/>
+    <p:sldId id="277" r:id="rId15"/>
+    <p:sldId id="278" r:id="rId16"/>
     <p:sldId id="267" r:id="rId17"/>
   </p:sldIdLst>
   <p:sldSz cx="12192000" cy="6858000"/>
@@ -4253,7 +4253,7 @@
         <p:spPr>
           <a:xfrm>
             <a:off x="1097280" y="2171700"/>
-            <a:ext cx="10410222" cy="1200329"/>
+            <a:ext cx="3244799" cy="646331"/>
           </a:xfrm>
           <a:prstGeom prst="rect">
             <a:avLst/>
@@ -4268,18 +4268,7 @@
           <a:p>
             <a:r>
               <a:rPr kumimoji="1" lang="ja-JP" altLang="en-US" sz="3600" b="1" dirty="0"/>
-              <a:t>担当した機能：年表示、月表示、ユーザー情報修正、</a:t>
-            </a:r>
-            <a:endParaRPr kumimoji="1" lang="en-US" altLang="ja-JP" sz="3600" b="1" dirty="0"/>
-          </a:p>
-          <a:p>
-            <a:r>
-              <a:rPr kumimoji="1" lang="en-US" altLang="ja-JP" sz="3600" b="1" dirty="0"/>
-              <a:t>						</a:t>
-            </a:r>
-            <a:r>
-              <a:rPr kumimoji="1" lang="ja-JP" altLang="en-US" sz="3600" b="1" dirty="0"/>
-              <a:t> 設定画面</a:t>
+              <a:t>成長したところ：</a:t>
             </a:r>
           </a:p>
         </p:txBody>
@@ -4298,8 +4287,8 @@
         </p:nvSpPr>
         <p:spPr>
           <a:xfrm>
-            <a:off x="1097280" y="4060038"/>
-            <a:ext cx="10918374" cy="646331"/>
+            <a:off x="1097280" y="3634983"/>
+            <a:ext cx="1343638" cy="646331"/>
           </a:xfrm>
           <a:prstGeom prst="rect">
             <a:avLst/>
@@ -4314,7 +4303,7 @@
           <a:p>
             <a:r>
               <a:rPr kumimoji="1" lang="ja-JP" altLang="en-US" sz="3600" b="1" dirty="0"/>
-              <a:t>難しかった点：フレームワークの理解が難しかったです。</a:t>
+              <a:t>反省：</a:t>
             </a:r>
           </a:p>
         </p:txBody>
@@ -4333,8 +4322,8 @@
         </p:nvSpPr>
         <p:spPr>
           <a:xfrm>
-            <a:off x="1121324" y="5481039"/>
-            <a:ext cx="9692077" cy="646331"/>
+            <a:off x="1097280" y="5098267"/>
+            <a:ext cx="2733441" cy="646331"/>
           </a:xfrm>
           <a:prstGeom prst="rect">
             <a:avLst/>
@@ -4349,7 +4338,7 @@
           <a:p>
             <a:r>
               <a:rPr kumimoji="1" lang="ja-JP" altLang="en-US" sz="3600" b="1" dirty="0"/>
-              <a:t>学んだところ：続けていればなんとかなる事です。</a:t>
+              <a:t>今後の目標：</a:t>
             </a:r>
           </a:p>
         </p:txBody>
@@ -4357,7 +4346,7 @@
     </p:spTree>
     <p:extLst>
       <p:ext uri="{BB962C8B-B14F-4D97-AF65-F5344CB8AC3E}">
-        <p14:creationId xmlns:p14="http://schemas.microsoft.com/office/powerpoint/2010/main" val="1664365239"/>
+        <p14:creationId xmlns:p14="http://schemas.microsoft.com/office/powerpoint/2010/main" val="2306527920"/>
       </p:ext>
     </p:extLst>
   </p:cSld>
@@ -4429,7 +4418,7 @@
         <p:spPr>
           <a:xfrm>
             <a:off x="1097280" y="2171700"/>
-            <a:ext cx="3054041" cy="646331"/>
+            <a:ext cx="3244799" cy="646331"/>
           </a:xfrm>
           <a:prstGeom prst="rect">
             <a:avLst/>
@@ -4444,7 +4433,7 @@
           <a:p>
             <a:r>
               <a:rPr kumimoji="1" lang="ja-JP" altLang="en-US" sz="3600" b="1" dirty="0"/>
-              <a:t>担当した機能：</a:t>
+              <a:t>成長したところ：</a:t>
             </a:r>
           </a:p>
         </p:txBody>
@@ -4464,7 +4453,7 @@
         <p:spPr>
           <a:xfrm>
             <a:off x="1097280" y="3634983"/>
-            <a:ext cx="2964273" cy="646331"/>
+            <a:ext cx="1343638" cy="646331"/>
           </a:xfrm>
           <a:prstGeom prst="rect">
             <a:avLst/>
@@ -4479,7 +4468,7 @@
           <a:p>
             <a:r>
               <a:rPr kumimoji="1" lang="ja-JP" altLang="en-US" sz="3600" b="1" dirty="0"/>
-              <a:t>難しかった点：</a:t>
+              <a:t>反省：</a:t>
             </a:r>
           </a:p>
         </p:txBody>
@@ -4499,7 +4488,7 @@
         <p:spPr>
           <a:xfrm>
             <a:off x="1097280" y="5098267"/>
-            <a:ext cx="2871299" cy="646331"/>
+            <a:ext cx="2733441" cy="646331"/>
           </a:xfrm>
           <a:prstGeom prst="rect">
             <a:avLst/>
@@ -4514,7 +4503,7 @@
           <a:p>
             <a:r>
               <a:rPr kumimoji="1" lang="ja-JP" altLang="en-US" sz="3600" b="1" dirty="0"/>
-              <a:t>学んだところ：</a:t>
+              <a:t>今後の目標：</a:t>
             </a:r>
           </a:p>
         </p:txBody>
@@ -4522,7 +4511,7 @@
     </p:spTree>
     <p:extLst>
       <p:ext uri="{BB962C8B-B14F-4D97-AF65-F5344CB8AC3E}">
-        <p14:creationId xmlns:p14="http://schemas.microsoft.com/office/powerpoint/2010/main" val="2306527920"/>
+        <p14:creationId xmlns:p14="http://schemas.microsoft.com/office/powerpoint/2010/main" val="3566843182"/>
       </p:ext>
     </p:extLst>
   </p:cSld>
@@ -4594,7 +4583,7 @@
         <p:spPr>
           <a:xfrm>
             <a:off x="1097280" y="2171700"/>
-            <a:ext cx="3054041" cy="646331"/>
+            <a:ext cx="3244799" cy="646331"/>
           </a:xfrm>
           <a:prstGeom prst="rect">
             <a:avLst/>
@@ -4609,7 +4598,7 @@
           <a:p>
             <a:r>
               <a:rPr kumimoji="1" lang="ja-JP" altLang="en-US" sz="3600" b="1" dirty="0"/>
-              <a:t>担当した機能：</a:t>
+              <a:t>成長したところ：</a:t>
             </a:r>
           </a:p>
         </p:txBody>
@@ -4628,8 +4617,8 @@
         </p:nvSpPr>
         <p:spPr>
           <a:xfrm>
-            <a:off x="1121324" y="3740907"/>
-            <a:ext cx="2964273" cy="646331"/>
+            <a:off x="1097280" y="3634983"/>
+            <a:ext cx="1343638" cy="646331"/>
           </a:xfrm>
           <a:prstGeom prst="rect">
             <a:avLst/>
@@ -4644,7 +4633,7 @@
           <a:p>
             <a:r>
               <a:rPr kumimoji="1" lang="ja-JP" altLang="en-US" sz="3600" b="1" dirty="0"/>
-              <a:t>難しかった点：</a:t>
+              <a:t>反省：</a:t>
             </a:r>
           </a:p>
         </p:txBody>
@@ -4663,8 +4652,8 @@
         </p:nvSpPr>
         <p:spPr>
           <a:xfrm>
-            <a:off x="1121324" y="5310918"/>
-            <a:ext cx="2871299" cy="646331"/>
+            <a:off x="1097280" y="5098267"/>
+            <a:ext cx="2733441" cy="646331"/>
           </a:xfrm>
           <a:prstGeom prst="rect">
             <a:avLst/>
@@ -4679,7 +4668,7 @@
           <a:p>
             <a:r>
               <a:rPr kumimoji="1" lang="ja-JP" altLang="en-US" sz="3600" b="1" dirty="0"/>
-              <a:t>学んだところ：</a:t>
+              <a:t>今後の目標：</a:t>
             </a:r>
           </a:p>
         </p:txBody>
@@ -4687,7 +4676,7 @@
     </p:spTree>
     <p:extLst>
       <p:ext uri="{BB962C8B-B14F-4D97-AF65-F5344CB8AC3E}">
-        <p14:creationId xmlns:p14="http://schemas.microsoft.com/office/powerpoint/2010/main" val="3048685331"/>
+        <p14:creationId xmlns:p14="http://schemas.microsoft.com/office/powerpoint/2010/main" val="2425936159"/>
       </p:ext>
     </p:extLst>
   </p:cSld>
@@ -4739,8 +4728,13 @@
           <a:p>
             <a:r>
               <a:rPr kumimoji="1" lang="ja-JP" altLang="en-US" sz="7200" dirty="0"/>
-              <a:t>グループ開発の感想（金城）</a:t>
-            </a:r>
+              <a:t>グループ開発の</a:t>
+            </a:r>
+            <a:r>
+              <a:rPr kumimoji="1" lang="ja-JP" altLang="en-US" sz="7200"/>
+              <a:t>感想（金城）</a:t>
+            </a:r>
+            <a:endParaRPr kumimoji="1" lang="ja-JP" altLang="en-US" sz="7200" dirty="0"/>
           </a:p>
         </p:txBody>
       </p:sp>
@@ -4758,8 +4752,8 @@
         </p:nvSpPr>
         <p:spPr>
           <a:xfrm>
-            <a:off x="1145286" y="2264655"/>
-            <a:ext cx="3054041" cy="646331"/>
+            <a:off x="1097280" y="2171700"/>
+            <a:ext cx="3244799" cy="646331"/>
           </a:xfrm>
           <a:prstGeom prst="rect">
             <a:avLst/>
@@ -4774,7 +4768,7 @@
           <a:p>
             <a:r>
               <a:rPr kumimoji="1" lang="ja-JP" altLang="en-US" sz="3600" b="1" dirty="0"/>
-              <a:t>担当した機能：</a:t>
+              <a:t>成長したところ：</a:t>
             </a:r>
           </a:p>
         </p:txBody>
@@ -4793,8 +4787,8 @@
         </p:nvSpPr>
         <p:spPr>
           <a:xfrm>
-            <a:off x="1145286" y="3959983"/>
-            <a:ext cx="2964273" cy="646331"/>
+            <a:off x="1097280" y="3634983"/>
+            <a:ext cx="1343638" cy="646331"/>
           </a:xfrm>
           <a:prstGeom prst="rect">
             <a:avLst/>
@@ -4809,7 +4803,7 @@
           <a:p>
             <a:r>
               <a:rPr kumimoji="1" lang="ja-JP" altLang="en-US" sz="3600" b="1" dirty="0"/>
-              <a:t>難しかった点：</a:t>
+              <a:t>反省：</a:t>
             </a:r>
           </a:p>
         </p:txBody>
@@ -4828,8 +4822,8 @@
         </p:nvSpPr>
         <p:spPr>
           <a:xfrm>
-            <a:off x="1097280" y="5353448"/>
-            <a:ext cx="2871299" cy="646331"/>
+            <a:off x="1097280" y="5098267"/>
+            <a:ext cx="2733441" cy="646331"/>
           </a:xfrm>
           <a:prstGeom prst="rect">
             <a:avLst/>
@@ -4844,7 +4838,7 @@
           <a:p>
             <a:r>
               <a:rPr kumimoji="1" lang="ja-JP" altLang="en-US" sz="3600" b="1" dirty="0"/>
-              <a:t>学んだところ：</a:t>
+              <a:t>今後の目標：</a:t>
             </a:r>
           </a:p>
         </p:txBody>
@@ -4852,7 +4846,7 @@
     </p:spTree>
     <p:extLst>
       <p:ext uri="{BB962C8B-B14F-4D97-AF65-F5344CB8AC3E}">
-        <p14:creationId xmlns:p14="http://schemas.microsoft.com/office/powerpoint/2010/main" val="3423968780"/>
+        <p14:creationId xmlns:p14="http://schemas.microsoft.com/office/powerpoint/2010/main" val="1122864593"/>
       </p:ext>
     </p:extLst>
   </p:cSld>
@@ -4924,7 +4918,7 @@
         <p:spPr>
           <a:xfrm>
             <a:off x="1097280" y="2171700"/>
-            <a:ext cx="3054041" cy="646331"/>
+            <a:ext cx="3244799" cy="646331"/>
           </a:xfrm>
           <a:prstGeom prst="rect">
             <a:avLst/>
@@ -4939,7 +4933,7 @@
           <a:p>
             <a:r>
               <a:rPr kumimoji="1" lang="ja-JP" altLang="en-US" sz="3600" b="1" dirty="0"/>
-              <a:t>担当した機能：</a:t>
+              <a:t>成長したところ：</a:t>
             </a:r>
           </a:p>
         </p:txBody>
@@ -4958,8 +4952,8 @@
         </p:nvSpPr>
         <p:spPr>
           <a:xfrm>
-            <a:off x="1121324" y="3438281"/>
-            <a:ext cx="2964273" cy="646331"/>
+            <a:off x="1097280" y="3634983"/>
+            <a:ext cx="1343638" cy="646331"/>
           </a:xfrm>
           <a:prstGeom prst="rect">
             <a:avLst/>
@@ -4974,7 +4968,7 @@
           <a:p>
             <a:r>
               <a:rPr kumimoji="1" lang="ja-JP" altLang="en-US" sz="3600" b="1" dirty="0"/>
-              <a:t>難しかった点：</a:t>
+              <a:t>反省：</a:t>
             </a:r>
           </a:p>
         </p:txBody>
@@ -4993,8 +4987,8 @@
         </p:nvSpPr>
         <p:spPr>
           <a:xfrm>
-            <a:off x="1167812" y="4704862"/>
-            <a:ext cx="2871299" cy="646331"/>
+            <a:off x="1097280" y="5098267"/>
+            <a:ext cx="2733441" cy="646331"/>
           </a:xfrm>
           <a:prstGeom prst="rect">
             <a:avLst/>
@@ -5009,7 +5003,7 @@
           <a:p>
             <a:r>
               <a:rPr kumimoji="1" lang="ja-JP" altLang="en-US" sz="3600" b="1" dirty="0"/>
-              <a:t>学んだところ：</a:t>
+              <a:t>今後の目標：</a:t>
             </a:r>
           </a:p>
         </p:txBody>
@@ -5017,7 +5011,7 @@
     </p:spTree>
     <p:extLst>
       <p:ext uri="{BB962C8B-B14F-4D97-AF65-F5344CB8AC3E}">
-        <p14:creationId xmlns:p14="http://schemas.microsoft.com/office/powerpoint/2010/main" val="3602555867"/>
+        <p14:creationId xmlns:p14="http://schemas.microsoft.com/office/powerpoint/2010/main" val="3887291209"/>
       </p:ext>
     </p:extLst>
   </p:cSld>
@@ -5089,7 +5083,7 @@
         <p:spPr>
           <a:xfrm>
             <a:off x="1097280" y="2171700"/>
-            <a:ext cx="3054041" cy="646331"/>
+            <a:ext cx="3244799" cy="646331"/>
           </a:xfrm>
           <a:prstGeom prst="rect">
             <a:avLst/>
@@ -5104,7 +5098,7 @@
           <a:p>
             <a:r>
               <a:rPr kumimoji="1" lang="ja-JP" altLang="en-US" sz="3600" b="1" dirty="0"/>
-              <a:t>担当した機能：</a:t>
+              <a:t>成長したところ：</a:t>
             </a:r>
           </a:p>
         </p:txBody>
@@ -5123,8 +5117,8 @@
         </p:nvSpPr>
         <p:spPr>
           <a:xfrm>
-            <a:off x="1121324" y="3438281"/>
-            <a:ext cx="2964273" cy="646331"/>
+            <a:off x="1097280" y="3634983"/>
+            <a:ext cx="1343638" cy="646331"/>
           </a:xfrm>
           <a:prstGeom prst="rect">
             <a:avLst/>
@@ -5139,7 +5133,7 @@
           <a:p>
             <a:r>
               <a:rPr kumimoji="1" lang="ja-JP" altLang="en-US" sz="3600" b="1" dirty="0"/>
-              <a:t>難しかった点：</a:t>
+              <a:t>反省：</a:t>
             </a:r>
           </a:p>
         </p:txBody>
@@ -5158,8 +5152,8 @@
         </p:nvSpPr>
         <p:spPr>
           <a:xfrm>
-            <a:off x="1167812" y="4704862"/>
-            <a:ext cx="2871299" cy="646331"/>
+            <a:off x="1097280" y="5098267"/>
+            <a:ext cx="2733441" cy="646331"/>
           </a:xfrm>
           <a:prstGeom prst="rect">
             <a:avLst/>
@@ -5174,7 +5168,7 @@
           <a:p>
             <a:r>
               <a:rPr kumimoji="1" lang="ja-JP" altLang="en-US" sz="3600" b="1" dirty="0"/>
-              <a:t>学んだところ：</a:t>
+              <a:t>今後の目標：</a:t>
             </a:r>
           </a:p>
         </p:txBody>
@@ -5182,7 +5176,7 @@
     </p:spTree>
     <p:extLst>
       <p:ext uri="{BB962C8B-B14F-4D97-AF65-F5344CB8AC3E}">
-        <p14:creationId xmlns:p14="http://schemas.microsoft.com/office/powerpoint/2010/main" val="4269286148"/>
+        <p14:creationId xmlns:p14="http://schemas.microsoft.com/office/powerpoint/2010/main" val="4271617465"/>
       </p:ext>
     </p:extLst>
   </p:cSld>

--- a/9.発表資料/グループ開発_Aグループ発表資料.pptx
+++ b/9.発表資料/グループ開発_Aグループ発表資料.pptx
@@ -14,13 +14,14 @@
     <p:sldId id="269" r:id="rId8"/>
     <p:sldId id="271" r:id="rId9"/>
     <p:sldId id="259" r:id="rId10"/>
-    <p:sldId id="273" r:id="rId11"/>
-    <p:sldId id="274" r:id="rId12"/>
-    <p:sldId id="275" r:id="rId13"/>
-    <p:sldId id="276" r:id="rId14"/>
-    <p:sldId id="277" r:id="rId15"/>
-    <p:sldId id="278" r:id="rId16"/>
-    <p:sldId id="267" r:id="rId17"/>
+    <p:sldId id="279" r:id="rId11"/>
+    <p:sldId id="273" r:id="rId12"/>
+    <p:sldId id="274" r:id="rId13"/>
+    <p:sldId id="275" r:id="rId14"/>
+    <p:sldId id="276" r:id="rId15"/>
+    <p:sldId id="277" r:id="rId16"/>
+    <p:sldId id="278" r:id="rId17"/>
+    <p:sldId id="267" r:id="rId18"/>
   </p:sldIdLst>
   <p:sldSz cx="12192000" cy="6858000"/>
   <p:notesSz cx="6858000" cy="9144000"/>
@@ -4210,40 +4211,10 @@
       </p:grpSpPr>
       <p:sp>
         <p:nvSpPr>
-          <p:cNvPr id="2" name="タイトル 1">
+          <p:cNvPr id="7" name="テキスト ボックス 6">
             <a:extLst>
               <a:ext uri="{FF2B5EF4-FFF2-40B4-BE49-F238E27FC236}">
-                <a16:creationId xmlns:a16="http://schemas.microsoft.com/office/drawing/2014/main" id="{0F1FF85F-9826-486D-8995-8295E2C94422}"/>
-              </a:ext>
-            </a:extLst>
-          </p:cNvPr>
-          <p:cNvSpPr>
-            <a:spLocks noGrp="1"/>
-          </p:cNvSpPr>
-          <p:nvPr>
-            <p:ph type="title"/>
-          </p:nvPr>
-        </p:nvSpPr>
-        <p:spPr/>
-        <p:txBody>
-          <a:bodyPr>
-            <a:normAutofit fontScale="90000"/>
-          </a:bodyPr>
-          <a:lstStyle/>
-          <a:p>
-            <a:r>
-              <a:rPr kumimoji="1" lang="ja-JP" altLang="en-US" sz="7200" dirty="0"/>
-              <a:t>グループ開発の感想（石川）</a:t>
-            </a:r>
-          </a:p>
-        </p:txBody>
-      </p:sp>
-      <p:sp>
-        <p:nvSpPr>
-          <p:cNvPr id="4" name="テキスト ボックス 3">
-            <a:extLst>
-              <a:ext uri="{FF2B5EF4-FFF2-40B4-BE49-F238E27FC236}">
-                <a16:creationId xmlns:a16="http://schemas.microsoft.com/office/drawing/2014/main" id="{310DA0C8-651F-4CEC-AF22-C284C1306C2A}"/>
+                <a16:creationId xmlns:a16="http://schemas.microsoft.com/office/drawing/2014/main" id="{18510C0C-4F2C-4FE6-96AA-BE01E1DCAAA4}"/>
               </a:ext>
             </a:extLst>
           </p:cNvPr>
@@ -4252,8 +4223,8 @@
         </p:nvSpPr>
         <p:spPr>
           <a:xfrm>
-            <a:off x="1097280" y="2171700"/>
-            <a:ext cx="3244799" cy="646331"/>
+            <a:off x="499729" y="1998921"/>
+            <a:ext cx="11341566" cy="1569660"/>
           </a:xfrm>
           <a:prstGeom prst="rect">
             <a:avLst/>
@@ -4267,78 +4238,8 @@
           <a:lstStyle/>
           <a:p>
             <a:r>
-              <a:rPr kumimoji="1" lang="ja-JP" altLang="en-US" sz="3600" b="1" dirty="0"/>
-              <a:t>成長したところ：</a:t>
-            </a:r>
-          </a:p>
-        </p:txBody>
-      </p:sp>
-      <p:sp>
-        <p:nvSpPr>
-          <p:cNvPr id="5" name="テキスト ボックス 4">
-            <a:extLst>
-              <a:ext uri="{FF2B5EF4-FFF2-40B4-BE49-F238E27FC236}">
-                <a16:creationId xmlns:a16="http://schemas.microsoft.com/office/drawing/2014/main" id="{4B092859-E840-48FD-8048-ABEDD3AF7591}"/>
-              </a:ext>
-            </a:extLst>
-          </p:cNvPr>
-          <p:cNvSpPr txBox="1"/>
-          <p:nvPr/>
-        </p:nvSpPr>
-        <p:spPr>
-          <a:xfrm>
-            <a:off x="1097280" y="3634983"/>
-            <a:ext cx="1343638" cy="646331"/>
-          </a:xfrm>
-          <a:prstGeom prst="rect">
-            <a:avLst/>
-          </a:prstGeom>
-          <a:noFill/>
-        </p:spPr>
-        <p:txBody>
-          <a:bodyPr wrap="none" rtlCol="0">
-            <a:spAutoFit/>
-          </a:bodyPr>
-          <a:lstStyle/>
-          <a:p>
-            <a:r>
-              <a:rPr kumimoji="1" lang="ja-JP" altLang="en-US" sz="3600" b="1" dirty="0"/>
-              <a:t>反省：</a:t>
-            </a:r>
-          </a:p>
-        </p:txBody>
-      </p:sp>
-      <p:sp>
-        <p:nvSpPr>
-          <p:cNvPr id="6" name="テキスト ボックス 5">
-            <a:extLst>
-              <a:ext uri="{FF2B5EF4-FFF2-40B4-BE49-F238E27FC236}">
-                <a16:creationId xmlns:a16="http://schemas.microsoft.com/office/drawing/2014/main" id="{E70C25A1-7B57-4252-9A3B-B1F61B5DAE3D}"/>
-              </a:ext>
-            </a:extLst>
-          </p:cNvPr>
-          <p:cNvSpPr txBox="1"/>
-          <p:nvPr/>
-        </p:nvSpPr>
-        <p:spPr>
-          <a:xfrm>
-            <a:off x="1097280" y="5098267"/>
-            <a:ext cx="2733441" cy="646331"/>
-          </a:xfrm>
-          <a:prstGeom prst="rect">
-            <a:avLst/>
-          </a:prstGeom>
-          <a:noFill/>
-        </p:spPr>
-        <p:txBody>
-          <a:bodyPr wrap="none" rtlCol="0">
-            <a:spAutoFit/>
-          </a:bodyPr>
-          <a:lstStyle/>
-          <a:p>
-            <a:r>
-              <a:rPr kumimoji="1" lang="ja-JP" altLang="en-US" sz="3600" b="1" dirty="0"/>
-              <a:t>今後の目標：</a:t>
+              <a:rPr kumimoji="1" lang="ja-JP" altLang="en-US" sz="9600" dirty="0"/>
+              <a:t>デモを行っていきます</a:t>
             </a:r>
           </a:p>
         </p:txBody>
@@ -4346,7 +4247,7 @@
     </p:spTree>
     <p:extLst>
       <p:ext uri="{BB962C8B-B14F-4D97-AF65-F5344CB8AC3E}">
-        <p14:creationId xmlns:p14="http://schemas.microsoft.com/office/powerpoint/2010/main" val="2306527920"/>
+        <p14:creationId xmlns:p14="http://schemas.microsoft.com/office/powerpoint/2010/main" val="1418979413"/>
       </p:ext>
     </p:extLst>
   </p:cSld>
@@ -4398,7 +4299,7 @@
           <a:p>
             <a:r>
               <a:rPr kumimoji="1" lang="ja-JP" altLang="en-US" sz="7200" dirty="0"/>
-              <a:t>グループ開発の感想（神谷）</a:t>
+              <a:t>グループ開発の感想（石川）</a:t>
             </a:r>
           </a:p>
         </p:txBody>
@@ -4511,7 +4412,7 @@
     </p:spTree>
     <p:extLst>
       <p:ext uri="{BB962C8B-B14F-4D97-AF65-F5344CB8AC3E}">
-        <p14:creationId xmlns:p14="http://schemas.microsoft.com/office/powerpoint/2010/main" val="3566843182"/>
+        <p14:creationId xmlns:p14="http://schemas.microsoft.com/office/powerpoint/2010/main" val="2306527920"/>
       </p:ext>
     </p:extLst>
   </p:cSld>
@@ -4563,7 +4464,7 @@
           <a:p>
             <a:r>
               <a:rPr kumimoji="1" lang="ja-JP" altLang="en-US" sz="7200" dirty="0"/>
-              <a:t>グループ開発の感想（池原）</a:t>
+              <a:t>グループ開発の感想（神谷）</a:t>
             </a:r>
           </a:p>
         </p:txBody>
@@ -4676,7 +4577,7 @@
     </p:spTree>
     <p:extLst>
       <p:ext uri="{BB962C8B-B14F-4D97-AF65-F5344CB8AC3E}">
-        <p14:creationId xmlns:p14="http://schemas.microsoft.com/office/powerpoint/2010/main" val="2425936159"/>
+        <p14:creationId xmlns:p14="http://schemas.microsoft.com/office/powerpoint/2010/main" val="3566843182"/>
       </p:ext>
     </p:extLst>
   </p:cSld>
@@ -4728,13 +4629,8 @@
           <a:p>
             <a:r>
               <a:rPr kumimoji="1" lang="ja-JP" altLang="en-US" sz="7200" dirty="0"/>
-              <a:t>グループ開発の</a:t>
-            </a:r>
-            <a:r>
-              <a:rPr kumimoji="1" lang="ja-JP" altLang="en-US" sz="7200"/>
-              <a:t>感想（金城）</a:t>
-            </a:r>
-            <a:endParaRPr kumimoji="1" lang="ja-JP" altLang="en-US" sz="7200" dirty="0"/>
+              <a:t>グループ開発の感想（池原）</a:t>
+            </a:r>
           </a:p>
         </p:txBody>
       </p:sp>
@@ -4846,7 +4742,7 @@
     </p:spTree>
     <p:extLst>
       <p:ext uri="{BB962C8B-B14F-4D97-AF65-F5344CB8AC3E}">
-        <p14:creationId xmlns:p14="http://schemas.microsoft.com/office/powerpoint/2010/main" val="1122864593"/>
+        <p14:creationId xmlns:p14="http://schemas.microsoft.com/office/powerpoint/2010/main" val="2425936159"/>
       </p:ext>
     </p:extLst>
   </p:cSld>
@@ -4892,14 +4788,19 @@
         <p:spPr/>
         <p:txBody>
           <a:bodyPr>
-            <a:normAutofit/>
+            <a:normAutofit fontScale="90000"/>
           </a:bodyPr>
           <a:lstStyle/>
           <a:p>
             <a:r>
               <a:rPr kumimoji="1" lang="ja-JP" altLang="en-US" sz="7200" dirty="0"/>
-              <a:t>グループ開発の感想（）</a:t>
-            </a:r>
+              <a:t>グループ開発の</a:t>
+            </a:r>
+            <a:r>
+              <a:rPr kumimoji="1" lang="ja-JP" altLang="en-US" sz="7200"/>
+              <a:t>感想（金城）</a:t>
+            </a:r>
+            <a:endParaRPr kumimoji="1" lang="ja-JP" altLang="en-US" sz="7200" dirty="0"/>
           </a:p>
         </p:txBody>
       </p:sp>
@@ -5011,7 +4912,7 @@
     </p:spTree>
     <p:extLst>
       <p:ext uri="{BB962C8B-B14F-4D97-AF65-F5344CB8AC3E}">
-        <p14:creationId xmlns:p14="http://schemas.microsoft.com/office/powerpoint/2010/main" val="3887291209"/>
+        <p14:creationId xmlns:p14="http://schemas.microsoft.com/office/powerpoint/2010/main" val="1122864593"/>
       </p:ext>
     </p:extLst>
   </p:cSld>
@@ -5057,13 +4958,178 @@
         <p:spPr/>
         <p:txBody>
           <a:bodyPr>
-            <a:normAutofit/>
+            <a:normAutofit fontScale="90000"/>
           </a:bodyPr>
           <a:lstStyle/>
           <a:p>
             <a:r>
               <a:rPr kumimoji="1" lang="ja-JP" altLang="en-US" sz="7200" dirty="0"/>
-              <a:t>グループ開発の感想（）</a:t>
+              <a:t>グループ開発の感想（大城）</a:t>
+            </a:r>
+          </a:p>
+        </p:txBody>
+      </p:sp>
+      <p:sp>
+        <p:nvSpPr>
+          <p:cNvPr id="4" name="テキスト ボックス 3">
+            <a:extLst>
+              <a:ext uri="{FF2B5EF4-FFF2-40B4-BE49-F238E27FC236}">
+                <a16:creationId xmlns:a16="http://schemas.microsoft.com/office/drawing/2014/main" id="{310DA0C8-651F-4CEC-AF22-C284C1306C2A}"/>
+              </a:ext>
+            </a:extLst>
+          </p:cNvPr>
+          <p:cNvSpPr txBox="1"/>
+          <p:nvPr/>
+        </p:nvSpPr>
+        <p:spPr>
+          <a:xfrm>
+            <a:off x="1097280" y="2171700"/>
+            <a:ext cx="3244799" cy="646331"/>
+          </a:xfrm>
+          <a:prstGeom prst="rect">
+            <a:avLst/>
+          </a:prstGeom>
+          <a:noFill/>
+        </p:spPr>
+        <p:txBody>
+          <a:bodyPr wrap="none" rtlCol="0">
+            <a:spAutoFit/>
+          </a:bodyPr>
+          <a:lstStyle/>
+          <a:p>
+            <a:r>
+              <a:rPr kumimoji="1" lang="ja-JP" altLang="en-US" sz="3600" b="1" dirty="0"/>
+              <a:t>成長したところ：</a:t>
+            </a:r>
+          </a:p>
+        </p:txBody>
+      </p:sp>
+      <p:sp>
+        <p:nvSpPr>
+          <p:cNvPr id="5" name="テキスト ボックス 4">
+            <a:extLst>
+              <a:ext uri="{FF2B5EF4-FFF2-40B4-BE49-F238E27FC236}">
+                <a16:creationId xmlns:a16="http://schemas.microsoft.com/office/drawing/2014/main" id="{4B092859-E840-48FD-8048-ABEDD3AF7591}"/>
+              </a:ext>
+            </a:extLst>
+          </p:cNvPr>
+          <p:cNvSpPr txBox="1"/>
+          <p:nvPr/>
+        </p:nvSpPr>
+        <p:spPr>
+          <a:xfrm>
+            <a:off x="1097280" y="3634983"/>
+            <a:ext cx="1343638" cy="646331"/>
+          </a:xfrm>
+          <a:prstGeom prst="rect">
+            <a:avLst/>
+          </a:prstGeom>
+          <a:noFill/>
+        </p:spPr>
+        <p:txBody>
+          <a:bodyPr wrap="none" rtlCol="0">
+            <a:spAutoFit/>
+          </a:bodyPr>
+          <a:lstStyle/>
+          <a:p>
+            <a:r>
+              <a:rPr kumimoji="1" lang="ja-JP" altLang="en-US" sz="3600" b="1" dirty="0"/>
+              <a:t>反省：</a:t>
+            </a:r>
+          </a:p>
+        </p:txBody>
+      </p:sp>
+      <p:sp>
+        <p:nvSpPr>
+          <p:cNvPr id="6" name="テキスト ボックス 5">
+            <a:extLst>
+              <a:ext uri="{FF2B5EF4-FFF2-40B4-BE49-F238E27FC236}">
+                <a16:creationId xmlns:a16="http://schemas.microsoft.com/office/drawing/2014/main" id="{E70C25A1-7B57-4252-9A3B-B1F61B5DAE3D}"/>
+              </a:ext>
+            </a:extLst>
+          </p:cNvPr>
+          <p:cNvSpPr txBox="1"/>
+          <p:nvPr/>
+        </p:nvSpPr>
+        <p:spPr>
+          <a:xfrm>
+            <a:off x="1097280" y="5098267"/>
+            <a:ext cx="2733441" cy="646331"/>
+          </a:xfrm>
+          <a:prstGeom prst="rect">
+            <a:avLst/>
+          </a:prstGeom>
+          <a:noFill/>
+        </p:spPr>
+        <p:txBody>
+          <a:bodyPr wrap="none" rtlCol="0">
+            <a:spAutoFit/>
+          </a:bodyPr>
+          <a:lstStyle/>
+          <a:p>
+            <a:r>
+              <a:rPr kumimoji="1" lang="ja-JP" altLang="en-US" sz="3600" b="1" dirty="0"/>
+              <a:t>今後の目標：</a:t>
+            </a:r>
+          </a:p>
+        </p:txBody>
+      </p:sp>
+    </p:spTree>
+    <p:extLst>
+      <p:ext uri="{BB962C8B-B14F-4D97-AF65-F5344CB8AC3E}">
+        <p14:creationId xmlns:p14="http://schemas.microsoft.com/office/powerpoint/2010/main" val="3887291209"/>
+      </p:ext>
+    </p:extLst>
+  </p:cSld>
+  <p:clrMapOvr>
+    <a:masterClrMapping/>
+  </p:clrMapOvr>
+</p:sld>
+</file>
+
+<file path=ppt/slides/slide16.xml><?xml version="1.0" encoding="utf-8"?>
+<p:sld xmlns:a="http://schemas.openxmlformats.org/drawingml/2006/main" xmlns:r="http://schemas.openxmlformats.org/officeDocument/2006/relationships" xmlns:p="http://schemas.openxmlformats.org/presentationml/2006/main">
+  <p:cSld>
+    <p:spTree>
+      <p:nvGrpSpPr>
+        <p:cNvPr id="1" name=""/>
+        <p:cNvGrpSpPr/>
+        <p:nvPr/>
+      </p:nvGrpSpPr>
+      <p:grpSpPr>
+        <a:xfrm>
+          <a:off x="0" y="0"/>
+          <a:ext cx="0" cy="0"/>
+          <a:chOff x="0" y="0"/>
+          <a:chExt cx="0" cy="0"/>
+        </a:xfrm>
+      </p:grpSpPr>
+      <p:sp>
+        <p:nvSpPr>
+          <p:cNvPr id="2" name="タイトル 1">
+            <a:extLst>
+              <a:ext uri="{FF2B5EF4-FFF2-40B4-BE49-F238E27FC236}">
+                <a16:creationId xmlns:a16="http://schemas.microsoft.com/office/drawing/2014/main" id="{0F1FF85F-9826-486D-8995-8295E2C94422}"/>
+              </a:ext>
+            </a:extLst>
+          </p:cNvPr>
+          <p:cNvSpPr>
+            <a:spLocks noGrp="1"/>
+          </p:cNvSpPr>
+          <p:nvPr>
+            <p:ph type="title"/>
+          </p:nvPr>
+        </p:nvSpPr>
+        <p:spPr/>
+        <p:txBody>
+          <a:bodyPr>
+            <a:normAutofit fontScale="90000"/>
+          </a:bodyPr>
+          <a:lstStyle/>
+          <a:p>
+            <a:r>
+              <a:rPr kumimoji="1" lang="ja-JP" altLang="en-US" sz="7200" dirty="0"/>
+              <a:t>グループ開発の感想（山本）</a:t>
             </a:r>
           </a:p>
         </p:txBody>
@@ -5186,7 +5252,7 @@
 </p:sld>
 </file>
 
-<file path=ppt/slides/slide16.xml><?xml version="1.0" encoding="utf-8"?>
+<file path=ppt/slides/slide17.xml><?xml version="1.0" encoding="utf-8"?>
 <p:sld xmlns:a="http://schemas.openxmlformats.org/drawingml/2006/main" xmlns:r="http://schemas.openxmlformats.org/officeDocument/2006/relationships" xmlns:p="http://schemas.openxmlformats.org/presentationml/2006/main">
   <p:cSld>
     <p:spTree>

--- a/9.発表資料/グループ開発_Aグループ発表資料.pptx
+++ b/9.発表資料/グループ開発_Aグループ発表資料.pptx
@@ -17,11 +17,12 @@
     <p:sldId id="279" r:id="rId11"/>
     <p:sldId id="273" r:id="rId12"/>
     <p:sldId id="274" r:id="rId13"/>
-    <p:sldId id="275" r:id="rId14"/>
-    <p:sldId id="276" r:id="rId15"/>
-    <p:sldId id="277" r:id="rId16"/>
-    <p:sldId id="278" r:id="rId17"/>
-    <p:sldId id="267" r:id="rId18"/>
+    <p:sldId id="280" r:id="rId14"/>
+    <p:sldId id="281" r:id="rId15"/>
+    <p:sldId id="282" r:id="rId16"/>
+    <p:sldId id="283" r:id="rId17"/>
+    <p:sldId id="285" r:id="rId18"/>
+    <p:sldId id="286" r:id="rId19"/>
   </p:sldIdLst>
   <p:sldSz cx="12192000" cy="6858000"/>
   <p:notesSz cx="6858000" cy="9144000"/>
@@ -4164,7 +4165,7 @@
         <p:spPr/>
         <p:txBody>
           <a:bodyPr>
-            <a:normAutofit/>
+            <a:normAutofit fontScale="92500" lnSpcReduction="10000"/>
           </a:bodyPr>
           <a:lstStyle/>
           <a:p>
@@ -4174,8 +4175,32 @@
             </a:r>
             <a:r>
               <a:rPr kumimoji="1" lang="ja-JP" altLang="en-US" sz="3600" b="1" dirty="0"/>
-              <a:t>グループ</a:t>
-            </a:r>
+              <a:t>グループメンバー</a:t>
+            </a:r>
+            <a:r>
+              <a:rPr kumimoji="1" lang="en-US" altLang="ja-JP" sz="3600" b="1" dirty="0"/>
+              <a:t>			</a:t>
+            </a:r>
+            <a:r>
+              <a:rPr kumimoji="1" lang="ja-JP" altLang="en-US" sz="3600" b="1" dirty="0"/>
+              <a:t>山本　金城　石川</a:t>
+            </a:r>
+            <a:endParaRPr kumimoji="1" lang="en-US" altLang="ja-JP" sz="3600" b="1" dirty="0"/>
+          </a:p>
+          <a:p>
+            <a:r>
+              <a:rPr kumimoji="1" lang="en-US" altLang="ja-JP" sz="3600" b="1" dirty="0"/>
+              <a:t>						</a:t>
+            </a:r>
+            <a:r>
+              <a:rPr kumimoji="1" lang="ja-JP" altLang="en-US" sz="3600" b="1" dirty="0"/>
+              <a:t>神谷　池原　大城</a:t>
+            </a:r>
+            <a:r>
+              <a:rPr kumimoji="1" lang="en-US" altLang="ja-JP" sz="3600" b="1" dirty="0"/>
+              <a:t>	</a:t>
+            </a:r>
+            <a:endParaRPr kumimoji="1" lang="ja-JP" altLang="en-US" sz="3600" b="1" dirty="0"/>
           </a:p>
         </p:txBody>
       </p:sp>
@@ -4298,8 +4323,12 @@
           <a:lstStyle/>
           <a:p>
             <a:r>
+              <a:rPr lang="ja-JP" altLang="en-US" sz="7200" dirty="0"/>
+              <a:t>グループ開発の</a:t>
+            </a:r>
+            <a:r>
               <a:rPr kumimoji="1" lang="ja-JP" altLang="en-US" sz="7200" dirty="0"/>
-              <a:t>グループ開発の感想（石川）</a:t>
+              <a:t>感想（石川）</a:t>
             </a:r>
           </a:p>
         </p:txBody>
@@ -4318,8 +4347,8 @@
         </p:nvSpPr>
         <p:spPr>
           <a:xfrm>
-            <a:off x="1097280" y="2171700"/>
-            <a:ext cx="3244799" cy="646331"/>
+            <a:off x="1759669" y="2262775"/>
+            <a:ext cx="7555273" cy="646331"/>
           </a:xfrm>
           <a:prstGeom prst="rect">
             <a:avLst/>
@@ -4333,8 +4362,16 @@
           <a:lstStyle/>
           <a:p>
             <a:r>
+              <a:rPr kumimoji="1" lang="ja-JP" altLang="en-US" sz="3600" b="1" dirty="0">
+                <a:solidFill>
+                  <a:srgbClr val="FF0000"/>
+                </a:solidFill>
+              </a:rPr>
+              <a:t>成長したところ</a:t>
+            </a:r>
+            <a:r>
               <a:rPr kumimoji="1" lang="ja-JP" altLang="en-US" sz="3600" b="1" dirty="0"/>
-              <a:t>成長したところ：</a:t>
+              <a:t>：フレームワークの理解</a:t>
             </a:r>
           </a:p>
         </p:txBody>
@@ -4353,8 +4390,8 @@
         </p:nvSpPr>
         <p:spPr>
           <a:xfrm>
-            <a:off x="1097280" y="3634983"/>
-            <a:ext cx="1343638" cy="646331"/>
+            <a:off x="1759669" y="3493168"/>
+            <a:ext cx="3196709" cy="646331"/>
           </a:xfrm>
           <a:prstGeom prst="rect">
             <a:avLst/>
@@ -4368,8 +4405,16 @@
           <a:lstStyle/>
           <a:p>
             <a:r>
+              <a:rPr kumimoji="1" lang="ja-JP" altLang="en-US" sz="3600" b="1" dirty="0">
+                <a:solidFill>
+                  <a:srgbClr val="FF0000"/>
+                </a:solidFill>
+              </a:rPr>
+              <a:t>反省</a:t>
+            </a:r>
+            <a:r>
               <a:rPr kumimoji="1" lang="ja-JP" altLang="en-US" sz="3600" b="1" dirty="0"/>
-              <a:t>反省：</a:t>
+              <a:t>：意思疎通</a:t>
             </a:r>
           </a:p>
         </p:txBody>
@@ -4388,8 +4433,8 @@
         </p:nvSpPr>
         <p:spPr>
           <a:xfrm>
-            <a:off x="1097280" y="5098267"/>
-            <a:ext cx="2733441" cy="646331"/>
+            <a:off x="1759669" y="4949980"/>
+            <a:ext cx="4586512" cy="646331"/>
           </a:xfrm>
           <a:prstGeom prst="rect">
             <a:avLst/>
@@ -4403,8 +4448,16 @@
           <a:lstStyle/>
           <a:p>
             <a:r>
+              <a:rPr kumimoji="1" lang="ja-JP" altLang="en-US" sz="3600" b="1" dirty="0">
+                <a:solidFill>
+                  <a:srgbClr val="FF0000"/>
+                </a:solidFill>
+              </a:rPr>
+              <a:t>今後の目標</a:t>
+            </a:r>
+            <a:r>
               <a:rPr kumimoji="1" lang="ja-JP" altLang="en-US" sz="3600" b="1" dirty="0"/>
-              <a:t>今後の目標：</a:t>
+              <a:t>：資格取得</a:t>
             </a:r>
           </a:p>
         </p:txBody>
@@ -4463,8 +4516,20 @@
           <a:lstStyle/>
           <a:p>
             <a:r>
+              <a:rPr lang="ja-JP" altLang="en-US" sz="7200" dirty="0"/>
+              <a:t>グループ開発の</a:t>
+            </a:r>
+            <a:r>
               <a:rPr kumimoji="1" lang="ja-JP" altLang="en-US" sz="7200" dirty="0"/>
-              <a:t>グループ開発の感想（神谷）</a:t>
+              <a:t>感想（</a:t>
+            </a:r>
+            <a:r>
+              <a:rPr lang="ja-JP" altLang="en-US" sz="7200" dirty="0"/>
+              <a:t>神谷</a:t>
+            </a:r>
+            <a:r>
+              <a:rPr kumimoji="1" lang="ja-JP" altLang="en-US" sz="7200" dirty="0"/>
+              <a:t>）</a:t>
             </a:r>
           </a:p>
         </p:txBody>
@@ -4483,8 +4548,8 @@
         </p:nvSpPr>
         <p:spPr>
           <a:xfrm>
-            <a:off x="1097280" y="2171700"/>
-            <a:ext cx="3244799" cy="646331"/>
+            <a:off x="585922" y="2231147"/>
+            <a:ext cx="7555273" cy="646331"/>
           </a:xfrm>
           <a:prstGeom prst="rect">
             <a:avLst/>
@@ -4498,8 +4563,16 @@
           <a:lstStyle/>
           <a:p>
             <a:r>
+              <a:rPr kumimoji="1" lang="ja-JP" altLang="en-US" sz="3600" b="1" dirty="0">
+                <a:solidFill>
+                  <a:srgbClr val="FF0000"/>
+                </a:solidFill>
+              </a:rPr>
+              <a:t>成長したところ</a:t>
+            </a:r>
+            <a:r>
               <a:rPr kumimoji="1" lang="ja-JP" altLang="en-US" sz="3600" b="1" dirty="0"/>
-              <a:t>成長したところ：</a:t>
+              <a:t>：フレームワークの理解</a:t>
             </a:r>
           </a:p>
         </p:txBody>
@@ -4518,8 +4591,8 @@
         </p:nvSpPr>
         <p:spPr>
           <a:xfrm>
-            <a:off x="1097280" y="3634983"/>
-            <a:ext cx="1343638" cy="646331"/>
+            <a:off x="585922" y="3634983"/>
+            <a:ext cx="3196709" cy="646331"/>
           </a:xfrm>
           <a:prstGeom prst="rect">
             <a:avLst/>
@@ -4533,8 +4606,16 @@
           <a:lstStyle/>
           <a:p>
             <a:r>
+              <a:rPr kumimoji="1" lang="ja-JP" altLang="en-US" sz="3600" b="1" dirty="0">
+                <a:solidFill>
+                  <a:srgbClr val="FF0000"/>
+                </a:solidFill>
+              </a:rPr>
+              <a:t>反省</a:t>
+            </a:r>
+            <a:r>
               <a:rPr kumimoji="1" lang="ja-JP" altLang="en-US" sz="3600" b="1" dirty="0"/>
-              <a:t>反省：</a:t>
+              <a:t>：意思疎通</a:t>
             </a:r>
           </a:p>
         </p:txBody>
@@ -4553,8 +4634,8 @@
         </p:nvSpPr>
         <p:spPr>
           <a:xfrm>
-            <a:off x="1097280" y="5098267"/>
-            <a:ext cx="2733441" cy="646331"/>
+            <a:off x="693243" y="5038819"/>
+            <a:ext cx="6258445" cy="646331"/>
           </a:xfrm>
           <a:prstGeom prst="rect">
             <a:avLst/>
@@ -4568,8 +4649,16 @@
           <a:lstStyle/>
           <a:p>
             <a:r>
+              <a:rPr kumimoji="1" lang="ja-JP" altLang="en-US" sz="3600" b="1" dirty="0">
+                <a:solidFill>
+                  <a:srgbClr val="FF0000"/>
+                </a:solidFill>
+              </a:rPr>
+              <a:t>今後の目標</a:t>
+            </a:r>
+            <a:r>
               <a:rPr kumimoji="1" lang="ja-JP" altLang="en-US" sz="3600" b="1" dirty="0"/>
-              <a:t>今後の目標：</a:t>
+              <a:t>：技術を身に着ける</a:t>
             </a:r>
           </a:p>
         </p:txBody>
@@ -4628,8 +4717,12 @@
           <a:lstStyle/>
           <a:p>
             <a:r>
+              <a:rPr lang="ja-JP" altLang="en-US" sz="7200" dirty="0"/>
+              <a:t>グループ開発の</a:t>
+            </a:r>
+            <a:r>
               <a:rPr kumimoji="1" lang="ja-JP" altLang="en-US" sz="7200" dirty="0"/>
-              <a:t>グループ開発の感想（池原）</a:t>
+              <a:t>感想（池原）</a:t>
             </a:r>
           </a:p>
         </p:txBody>
@@ -4648,8 +4741,8 @@
         </p:nvSpPr>
         <p:spPr>
           <a:xfrm>
-            <a:off x="1097280" y="2171700"/>
-            <a:ext cx="3244799" cy="646331"/>
+            <a:off x="1097280" y="2231147"/>
+            <a:ext cx="6165470" cy="646331"/>
           </a:xfrm>
           <a:prstGeom prst="rect">
             <a:avLst/>
@@ -4663,8 +4756,16 @@
           <a:lstStyle/>
           <a:p>
             <a:r>
+              <a:rPr kumimoji="1" lang="ja-JP" altLang="en-US" sz="3600" b="1" dirty="0">
+                <a:solidFill>
+                  <a:srgbClr val="FF0000"/>
+                </a:solidFill>
+              </a:rPr>
+              <a:t>成長したところ</a:t>
+            </a:r>
+            <a:r>
               <a:rPr kumimoji="1" lang="ja-JP" altLang="en-US" sz="3600" b="1" dirty="0"/>
-              <a:t>成長したところ：</a:t>
+              <a:t>：フレームワーク</a:t>
             </a:r>
           </a:p>
         </p:txBody>
@@ -4684,7 +4785,7 @@
         <p:spPr>
           <a:xfrm>
             <a:off x="1097280" y="3634983"/>
-            <a:ext cx="1343638" cy="646331"/>
+            <a:ext cx="3634328" cy="646331"/>
           </a:xfrm>
           <a:prstGeom prst="rect">
             <a:avLst/>
@@ -4698,8 +4799,16 @@
           <a:lstStyle/>
           <a:p>
             <a:r>
+              <a:rPr kumimoji="1" lang="ja-JP" altLang="en-US" sz="3600" b="1" dirty="0">
+                <a:solidFill>
+                  <a:srgbClr val="FF0000"/>
+                </a:solidFill>
+              </a:rPr>
+              <a:t>反省</a:t>
+            </a:r>
+            <a:r>
               <a:rPr kumimoji="1" lang="ja-JP" altLang="en-US" sz="3600" b="1" dirty="0"/>
-              <a:t>反省：</a:t>
+              <a:t>：無駄が多い</a:t>
             </a:r>
           </a:p>
         </p:txBody>
@@ -4718,8 +4827,8 @@
         </p:nvSpPr>
         <p:spPr>
           <a:xfrm>
-            <a:off x="1097280" y="5098267"/>
-            <a:ext cx="2733441" cy="646331"/>
+            <a:off x="1097280" y="5038819"/>
+            <a:ext cx="4586512" cy="646331"/>
           </a:xfrm>
           <a:prstGeom prst="rect">
             <a:avLst/>
@@ -4733,8 +4842,16 @@
           <a:lstStyle/>
           <a:p>
             <a:r>
+              <a:rPr kumimoji="1" lang="ja-JP" altLang="en-US" sz="3600" b="1" dirty="0">
+                <a:solidFill>
+                  <a:srgbClr val="FF0000"/>
+                </a:solidFill>
+              </a:rPr>
+              <a:t>今後の目標</a:t>
+            </a:r>
+            <a:r>
               <a:rPr kumimoji="1" lang="ja-JP" altLang="en-US" sz="3600" b="1" dirty="0"/>
-              <a:t>今後の目標：</a:t>
+              <a:t>：資格取得</a:t>
             </a:r>
           </a:p>
         </p:txBody>
@@ -4742,7 +4859,7 @@
     </p:spTree>
     <p:extLst>
       <p:ext uri="{BB962C8B-B14F-4D97-AF65-F5344CB8AC3E}">
-        <p14:creationId xmlns:p14="http://schemas.microsoft.com/office/powerpoint/2010/main" val="2425936159"/>
+        <p14:creationId xmlns:p14="http://schemas.microsoft.com/office/powerpoint/2010/main" val="2862146539"/>
       </p:ext>
     </p:extLst>
   </p:cSld>
@@ -4793,14 +4910,13 @@
           <a:lstStyle/>
           <a:p>
             <a:r>
+              <a:rPr lang="ja-JP" altLang="en-US" sz="7200" dirty="0"/>
+              <a:t>グループ開発の</a:t>
+            </a:r>
+            <a:r>
               <a:rPr kumimoji="1" lang="ja-JP" altLang="en-US" sz="7200" dirty="0"/>
-              <a:t>グループ開発の</a:t>
-            </a:r>
-            <a:r>
-              <a:rPr kumimoji="1" lang="ja-JP" altLang="en-US" sz="7200"/>
               <a:t>感想（金城）</a:t>
             </a:r>
-            <a:endParaRPr kumimoji="1" lang="ja-JP" altLang="en-US" sz="7200" dirty="0"/>
           </a:p>
         </p:txBody>
       </p:sp>
@@ -4818,8 +4934,8 @@
         </p:nvSpPr>
         <p:spPr>
           <a:xfrm>
-            <a:off x="1097280" y="2171700"/>
-            <a:ext cx="3244799" cy="646331"/>
+            <a:off x="1233622" y="2616785"/>
+            <a:ext cx="8970726" cy="646331"/>
           </a:xfrm>
           <a:prstGeom prst="rect">
             <a:avLst/>
@@ -4833,8 +4949,16 @@
           <a:lstStyle/>
           <a:p>
             <a:r>
+              <a:rPr kumimoji="1" lang="ja-JP" altLang="en-US" sz="3600" b="1" dirty="0">
+                <a:solidFill>
+                  <a:srgbClr val="FF0000"/>
+                </a:solidFill>
+              </a:rPr>
+              <a:t>成長したところ</a:t>
+            </a:r>
+            <a:r>
               <a:rPr kumimoji="1" lang="ja-JP" altLang="en-US" sz="3600" b="1" dirty="0"/>
-              <a:t>成長したところ：</a:t>
+              <a:t>：システム開発の流れの理解</a:t>
             </a:r>
           </a:p>
         </p:txBody>
@@ -4853,8 +4977,8 @@
         </p:nvSpPr>
         <p:spPr>
           <a:xfrm>
-            <a:off x="1097280" y="3634983"/>
-            <a:ext cx="1343638" cy="646331"/>
+            <a:off x="1233622" y="3860457"/>
+            <a:ext cx="5662127" cy="646331"/>
           </a:xfrm>
           <a:prstGeom prst="rect">
             <a:avLst/>
@@ -4868,8 +4992,16 @@
           <a:lstStyle/>
           <a:p>
             <a:r>
+              <a:rPr kumimoji="1" lang="ja-JP" altLang="en-US" sz="3600" b="1" dirty="0">
+                <a:solidFill>
+                  <a:srgbClr val="FF0000"/>
+                </a:solidFill>
+              </a:rPr>
+              <a:t>反省</a:t>
+            </a:r>
+            <a:r>
               <a:rPr kumimoji="1" lang="ja-JP" altLang="en-US" sz="3600" b="1" dirty="0"/>
-              <a:t>反省：</a:t>
+              <a:t>：作業の分担の不十分</a:t>
             </a:r>
           </a:p>
         </p:txBody>
@@ -4888,8 +5020,8 @@
         </p:nvSpPr>
         <p:spPr>
           <a:xfrm>
-            <a:off x="1097280" y="5098267"/>
-            <a:ext cx="2733441" cy="646331"/>
+            <a:off x="1240657" y="5104129"/>
+            <a:ext cx="8193269" cy="646331"/>
           </a:xfrm>
           <a:prstGeom prst="rect">
             <a:avLst/>
@@ -4903,8 +5035,16 @@
           <a:lstStyle/>
           <a:p>
             <a:r>
+              <a:rPr kumimoji="1" lang="ja-JP" altLang="en-US" sz="3600" b="1" dirty="0">
+                <a:solidFill>
+                  <a:srgbClr val="FF0000"/>
+                </a:solidFill>
+              </a:rPr>
+              <a:t>今後の目標</a:t>
+            </a:r>
+            <a:r>
               <a:rPr kumimoji="1" lang="ja-JP" altLang="en-US" sz="3600" b="1" dirty="0"/>
-              <a:t>今後の目標：</a:t>
+              <a:t>：グループの意思疎通の強化</a:t>
             </a:r>
           </a:p>
         </p:txBody>
@@ -4912,7 +5052,7 @@
     </p:spTree>
     <p:extLst>
       <p:ext uri="{BB962C8B-B14F-4D97-AF65-F5344CB8AC3E}">
-        <p14:creationId xmlns:p14="http://schemas.microsoft.com/office/powerpoint/2010/main" val="1122864593"/>
+        <p14:creationId xmlns:p14="http://schemas.microsoft.com/office/powerpoint/2010/main" val="2197534057"/>
       </p:ext>
     </p:extLst>
   </p:cSld>
@@ -4983,8 +5123,8 @@
         </p:nvSpPr>
         <p:spPr>
           <a:xfrm>
-            <a:off x="1097280" y="2171700"/>
-            <a:ext cx="3244799" cy="646331"/>
+            <a:off x="1097280" y="2231147"/>
+            <a:ext cx="6165470" cy="646331"/>
           </a:xfrm>
           <a:prstGeom prst="rect">
             <a:avLst/>
@@ -4998,8 +5138,16 @@
           <a:lstStyle/>
           <a:p>
             <a:r>
+              <a:rPr kumimoji="1" lang="ja-JP" altLang="en-US" sz="3600" b="1" dirty="0">
+                <a:solidFill>
+                  <a:srgbClr val="FF0000"/>
+                </a:solidFill>
+              </a:rPr>
+              <a:t>成長したところ</a:t>
+            </a:r>
+            <a:r>
               <a:rPr kumimoji="1" lang="ja-JP" altLang="en-US" sz="3600" b="1" dirty="0"/>
-              <a:t>成長したところ：</a:t>
+              <a:t>：フレームワーク</a:t>
             </a:r>
           </a:p>
         </p:txBody>
@@ -5018,8 +5166,8 @@
         </p:nvSpPr>
         <p:spPr>
           <a:xfrm>
-            <a:off x="1097280" y="3634983"/>
-            <a:ext cx="1343638" cy="646331"/>
+            <a:off x="1097280" y="3514311"/>
+            <a:ext cx="4809330" cy="646331"/>
           </a:xfrm>
           <a:prstGeom prst="rect">
             <a:avLst/>
@@ -5033,8 +5181,16 @@
           <a:lstStyle/>
           <a:p>
             <a:r>
+              <a:rPr kumimoji="1" lang="ja-JP" altLang="en-US" sz="3600" b="1" dirty="0">
+                <a:solidFill>
+                  <a:srgbClr val="FF0000"/>
+                </a:solidFill>
+              </a:rPr>
+              <a:t>反省</a:t>
+            </a:r>
+            <a:r>
               <a:rPr kumimoji="1" lang="ja-JP" altLang="en-US" sz="3600" b="1" dirty="0"/>
-              <a:t>反省：</a:t>
+              <a:t>：コミュニケーション</a:t>
             </a:r>
           </a:p>
         </p:txBody>
@@ -5053,8 +5209,8 @@
         </p:nvSpPr>
         <p:spPr>
           <a:xfrm>
-            <a:off x="1097280" y="5098267"/>
-            <a:ext cx="2733441" cy="646331"/>
+            <a:off x="1097280" y="4797475"/>
+            <a:ext cx="7425431" cy="646331"/>
           </a:xfrm>
           <a:prstGeom prst="rect">
             <a:avLst/>
@@ -5068,8 +5224,16 @@
           <a:lstStyle/>
           <a:p>
             <a:r>
+              <a:rPr kumimoji="1" lang="ja-JP" altLang="en-US" sz="3600" b="1" dirty="0">
+                <a:solidFill>
+                  <a:srgbClr val="FF0000"/>
+                </a:solidFill>
+              </a:rPr>
+              <a:t>今後の目標</a:t>
+            </a:r>
+            <a:r>
               <a:rPr kumimoji="1" lang="ja-JP" altLang="en-US" sz="3600" b="1" dirty="0"/>
-              <a:t>今後の目標：</a:t>
+              <a:t>：本社の方々と仲良くなる</a:t>
             </a:r>
           </a:p>
         </p:txBody>
@@ -5077,7 +5241,7 @@
     </p:spTree>
     <p:extLst>
       <p:ext uri="{BB962C8B-B14F-4D97-AF65-F5344CB8AC3E}">
-        <p14:creationId xmlns:p14="http://schemas.microsoft.com/office/powerpoint/2010/main" val="3887291209"/>
+        <p14:creationId xmlns:p14="http://schemas.microsoft.com/office/powerpoint/2010/main" val="2641126043"/>
       </p:ext>
     </p:extLst>
   </p:cSld>
@@ -5128,8 +5292,12 @@
           <a:lstStyle/>
           <a:p>
             <a:r>
+              <a:rPr lang="ja-JP" altLang="en-US" sz="7200" dirty="0"/>
+              <a:t>グループ開発の感想</a:t>
+            </a:r>
+            <a:r>
               <a:rPr kumimoji="1" lang="ja-JP" altLang="en-US" sz="7200" dirty="0"/>
-              <a:t>グループ開発の感想（山本）</a:t>
+              <a:t>（山本）</a:t>
             </a:r>
           </a:p>
         </p:txBody>
@@ -5148,8 +5316,8 @@
         </p:nvSpPr>
         <p:spPr>
           <a:xfrm>
-            <a:off x="1097280" y="2171700"/>
-            <a:ext cx="3244799" cy="646331"/>
+            <a:off x="585922" y="2231147"/>
+            <a:ext cx="9845965" cy="646331"/>
           </a:xfrm>
           <a:prstGeom prst="rect">
             <a:avLst/>
@@ -5163,8 +5331,16 @@
           <a:lstStyle/>
           <a:p>
             <a:r>
+              <a:rPr kumimoji="1" lang="ja-JP" altLang="en-US" sz="3600" b="1" dirty="0">
+                <a:solidFill>
+                  <a:srgbClr val="FF0000"/>
+                </a:solidFill>
+              </a:rPr>
+              <a:t>成長したところ</a:t>
+            </a:r>
+            <a:r>
               <a:rPr kumimoji="1" lang="ja-JP" altLang="en-US" sz="3600" b="1" dirty="0"/>
-              <a:t>成長したところ：</a:t>
+              <a:t>：コミュニケーションの大切さの認識</a:t>
             </a:r>
           </a:p>
         </p:txBody>
@@ -5183,8 +5359,8 @@
         </p:nvSpPr>
         <p:spPr>
           <a:xfrm>
-            <a:off x="1097280" y="3634983"/>
-            <a:ext cx="1343638" cy="646331"/>
+            <a:off x="585922" y="3634983"/>
+            <a:ext cx="5745484" cy="646331"/>
           </a:xfrm>
           <a:prstGeom prst="rect">
             <a:avLst/>
@@ -5198,9 +5374,18 @@
           <a:lstStyle/>
           <a:p>
             <a:r>
+              <a:rPr kumimoji="1" lang="ja-JP" altLang="en-US" sz="3600" b="1" dirty="0">
+                <a:solidFill>
+                  <a:srgbClr val="FF0000"/>
+                </a:solidFill>
+              </a:rPr>
+              <a:t>反省</a:t>
+            </a:r>
+            <a:r>
               <a:rPr kumimoji="1" lang="ja-JP" altLang="en-US" sz="3600" b="1" dirty="0"/>
-              <a:t>反省：</a:t>
-            </a:r>
+              <a:t>：開発目的の認識・共有</a:t>
+            </a:r>
+            <a:endParaRPr kumimoji="1" lang="en-US" altLang="ja-JP" sz="3600" b="1" dirty="0"/>
           </a:p>
         </p:txBody>
       </p:sp>
@@ -5218,8 +5403,8 @@
         </p:nvSpPr>
         <p:spPr>
           <a:xfrm>
-            <a:off x="1097280" y="5098267"/>
-            <a:ext cx="2733441" cy="646331"/>
+            <a:off x="693243" y="5038819"/>
+            <a:ext cx="5941050" cy="646331"/>
           </a:xfrm>
           <a:prstGeom prst="rect">
             <a:avLst/>
@@ -5233,8 +5418,16 @@
           <a:lstStyle/>
           <a:p>
             <a:r>
+              <a:rPr kumimoji="1" lang="ja-JP" altLang="en-US" sz="3600" b="1" dirty="0">
+                <a:solidFill>
+                  <a:srgbClr val="FF0000"/>
+                </a:solidFill>
+              </a:rPr>
+              <a:t>今後の目標</a:t>
+            </a:r>
+            <a:r>
               <a:rPr kumimoji="1" lang="ja-JP" altLang="en-US" sz="3600" b="1" dirty="0"/>
-              <a:t>今後の目標：</a:t>
+              <a:t>：自己研鑽に励む</a:t>
             </a:r>
           </a:p>
         </p:txBody>
@@ -5242,7 +5435,7 @@
     </p:spTree>
     <p:extLst>
       <p:ext uri="{BB962C8B-B14F-4D97-AF65-F5344CB8AC3E}">
-        <p14:creationId xmlns:p14="http://schemas.microsoft.com/office/powerpoint/2010/main" val="4271617465"/>
+        <p14:creationId xmlns:p14="http://schemas.microsoft.com/office/powerpoint/2010/main" val="1563629520"/>
       </p:ext>
     </p:extLst>
   </p:cSld>
@@ -5274,7 +5467,7 @@
           <p:cNvPr id="2" name="タイトル 1">
             <a:extLst>
               <a:ext uri="{FF2B5EF4-FFF2-40B4-BE49-F238E27FC236}">
-                <a16:creationId xmlns:a16="http://schemas.microsoft.com/office/drawing/2014/main" id="{B4436B5E-A88D-4BC0-8384-1276317B120B}"/>
+                <a16:creationId xmlns:a16="http://schemas.microsoft.com/office/drawing/2014/main" id="{66DA7C36-B1FD-4B1D-A5E9-5B3D9D8920FA}"/>
               </a:ext>
             </a:extLst>
           </p:cNvPr>
@@ -5282,29 +5475,64 @@
             <a:spLocks noGrp="1"/>
           </p:cNvSpPr>
           <p:nvPr>
-            <p:ph type="title"/>
+            <p:ph type="title" idx="4294967295"/>
           </p:nvPr>
         </p:nvSpPr>
-        <p:spPr/>
+        <p:spPr>
+          <a:xfrm>
+            <a:off x="1352550" y="1979613"/>
+            <a:ext cx="10058400" cy="1449387"/>
+          </a:xfrm>
+        </p:spPr>
         <p:txBody>
           <a:bodyPr>
-            <a:normAutofit/>
+            <a:noAutofit/>
           </a:bodyPr>
           <a:lstStyle/>
           <a:p>
             <a:r>
               <a:rPr kumimoji="1" lang="ja-JP" altLang="en-US" sz="7200" dirty="0"/>
-              <a:t>全体の感想</a:t>
-            </a:r>
-          </a:p>
-        </p:txBody>
-      </p:sp>
-      <p:sp>
-        <p:nvSpPr>
-          <p:cNvPr id="3" name="テキスト ボックス 2">
+              <a:t>研修を終えての個人感想</a:t>
+            </a:r>
+          </a:p>
+        </p:txBody>
+      </p:sp>
+    </p:spTree>
+    <p:extLst>
+      <p:ext uri="{BB962C8B-B14F-4D97-AF65-F5344CB8AC3E}">
+        <p14:creationId xmlns:p14="http://schemas.microsoft.com/office/powerpoint/2010/main" val="2043936001"/>
+      </p:ext>
+    </p:extLst>
+  </p:cSld>
+  <p:clrMapOvr>
+    <a:masterClrMapping/>
+  </p:clrMapOvr>
+</p:sld>
+</file>
+
+<file path=ppt/slides/slide18.xml><?xml version="1.0" encoding="utf-8"?>
+<p:sld xmlns:a="http://schemas.openxmlformats.org/drawingml/2006/main" xmlns:r="http://schemas.openxmlformats.org/officeDocument/2006/relationships" xmlns:p="http://schemas.openxmlformats.org/presentationml/2006/main">
+  <p:cSld>
+    <p:spTree>
+      <p:nvGrpSpPr>
+        <p:cNvPr id="1" name=""/>
+        <p:cNvGrpSpPr/>
+        <p:nvPr/>
+      </p:nvGrpSpPr>
+      <p:grpSpPr>
+        <a:xfrm>
+          <a:off x="0" y="0"/>
+          <a:ext cx="0" cy="0"/>
+          <a:chOff x="0" y="0"/>
+          <a:chExt cx="0" cy="0"/>
+        </a:xfrm>
+      </p:grpSpPr>
+      <p:sp>
+        <p:nvSpPr>
+          <p:cNvPr id="2" name="テキスト ボックス 1">
             <a:extLst>
               <a:ext uri="{FF2B5EF4-FFF2-40B4-BE49-F238E27FC236}">
-                <a16:creationId xmlns:a16="http://schemas.microsoft.com/office/drawing/2014/main" id="{BB3C34DA-9FEF-405E-91EC-A6C89778EC70}"/>
+                <a16:creationId xmlns:a16="http://schemas.microsoft.com/office/drawing/2014/main" id="{CEF876E5-6EF3-4C93-B234-44BB99E63661}"/>
               </a:ext>
             </a:extLst>
           </p:cNvPr>
@@ -5313,8 +5541,8 @@
         </p:nvSpPr>
         <p:spPr>
           <a:xfrm>
-            <a:off x="1097280" y="2171700"/>
-            <a:ext cx="8284464" cy="830997"/>
+            <a:off x="494947" y="2875002"/>
+            <a:ext cx="11202106" cy="1107996"/>
           </a:xfrm>
           <a:prstGeom prst="rect">
             <a:avLst/>
@@ -5322,135 +5550,14 @@
           <a:noFill/>
         </p:spPr>
         <p:txBody>
-          <a:bodyPr wrap="square" rtlCol="0">
+          <a:bodyPr wrap="none" rtlCol="0">
             <a:spAutoFit/>
           </a:bodyPr>
           <a:lstStyle/>
           <a:p>
             <a:r>
-              <a:rPr kumimoji="1" lang="ja-JP" altLang="en-US" sz="4800" b="1" dirty="0"/>
-              <a:t>・</a:t>
-            </a:r>
-            <a:r>
-              <a:rPr kumimoji="1" lang="en-US" altLang="ja-JP" sz="4800" b="1" dirty="0" err="1"/>
-              <a:t>Github</a:t>
-            </a:r>
-            <a:r>
-              <a:rPr kumimoji="1" lang="ja-JP" altLang="en-US" sz="4800" b="1" dirty="0"/>
-              <a:t>の使い方</a:t>
-            </a:r>
-          </a:p>
-        </p:txBody>
-      </p:sp>
-      <p:sp>
-        <p:nvSpPr>
-          <p:cNvPr id="4" name="テキスト ボックス 3">
-            <a:extLst>
-              <a:ext uri="{FF2B5EF4-FFF2-40B4-BE49-F238E27FC236}">
-                <a16:creationId xmlns:a16="http://schemas.microsoft.com/office/drawing/2014/main" id="{77AF7F66-2502-401A-88FB-DCEADF0C4BFF}"/>
-              </a:ext>
-            </a:extLst>
-          </p:cNvPr>
-          <p:cNvSpPr txBox="1"/>
-          <p:nvPr/>
-        </p:nvSpPr>
-        <p:spPr>
-          <a:xfrm>
-            <a:off x="1127760" y="3147127"/>
-            <a:ext cx="8284464" cy="830997"/>
-          </a:xfrm>
-          <a:prstGeom prst="rect">
-            <a:avLst/>
-          </a:prstGeom>
-          <a:noFill/>
-        </p:spPr>
-        <p:txBody>
-          <a:bodyPr wrap="square" rtlCol="0">
-            <a:spAutoFit/>
-          </a:bodyPr>
-          <a:lstStyle/>
-          <a:p>
-            <a:r>
-              <a:rPr kumimoji="1" lang="ja-JP" altLang="en-US" sz="4800" b="1" dirty="0"/>
-              <a:t>・コーディング規約</a:t>
-            </a:r>
-          </a:p>
-        </p:txBody>
-      </p:sp>
-      <p:sp>
-        <p:nvSpPr>
-          <p:cNvPr id="6" name="テキスト ボックス 5">
-            <a:extLst>
-              <a:ext uri="{FF2B5EF4-FFF2-40B4-BE49-F238E27FC236}">
-                <a16:creationId xmlns:a16="http://schemas.microsoft.com/office/drawing/2014/main" id="{7F3DB48E-FA8C-43EE-9465-79935112EC45}"/>
-              </a:ext>
-            </a:extLst>
-          </p:cNvPr>
-          <p:cNvSpPr txBox="1"/>
-          <p:nvPr/>
-        </p:nvSpPr>
-        <p:spPr>
-          <a:xfrm>
-            <a:off x="1127760" y="4130308"/>
-            <a:ext cx="8284464" cy="830997"/>
-          </a:xfrm>
-          <a:prstGeom prst="rect">
-            <a:avLst/>
-          </a:prstGeom>
-          <a:noFill/>
-        </p:spPr>
-        <p:txBody>
-          <a:bodyPr wrap="square" rtlCol="0">
-            <a:spAutoFit/>
-          </a:bodyPr>
-          <a:lstStyle/>
-          <a:p>
-            <a:r>
-              <a:rPr kumimoji="1" lang="ja-JP" altLang="en-US" sz="4800" b="1" dirty="0"/>
-              <a:t>・</a:t>
-            </a:r>
-            <a:r>
-              <a:rPr kumimoji="1" lang="en-US" altLang="ja-JP" sz="4800" b="1" dirty="0" err="1"/>
-              <a:t>Springboot</a:t>
-            </a:r>
-            <a:r>
-              <a:rPr kumimoji="1" lang="ja-JP" altLang="en-US" sz="4800" b="1" dirty="0"/>
-              <a:t>を学んだこと</a:t>
-            </a:r>
-          </a:p>
-        </p:txBody>
-      </p:sp>
-      <p:sp>
-        <p:nvSpPr>
-          <p:cNvPr id="7" name="テキスト ボックス 6">
-            <a:extLst>
-              <a:ext uri="{FF2B5EF4-FFF2-40B4-BE49-F238E27FC236}">
-                <a16:creationId xmlns:a16="http://schemas.microsoft.com/office/drawing/2014/main" id="{C369CA87-8DBB-4E3B-8CDA-470F1C5B4445}"/>
-              </a:ext>
-            </a:extLst>
-          </p:cNvPr>
-          <p:cNvSpPr txBox="1"/>
-          <p:nvPr/>
-        </p:nvSpPr>
-        <p:spPr>
-          <a:xfrm>
-            <a:off x="1127760" y="5156385"/>
-            <a:ext cx="8284464" cy="830997"/>
-          </a:xfrm>
-          <a:prstGeom prst="rect">
-            <a:avLst/>
-          </a:prstGeom>
-          <a:noFill/>
-        </p:spPr>
-        <p:txBody>
-          <a:bodyPr wrap="square" rtlCol="0">
-            <a:spAutoFit/>
-          </a:bodyPr>
-          <a:lstStyle/>
-          <a:p>
-            <a:r>
-              <a:rPr kumimoji="1" lang="ja-JP" altLang="en-US" sz="4800" b="1" dirty="0"/>
-              <a:t>・結合テストの難しさ</a:t>
+              <a:rPr kumimoji="1" lang="ja-JP" altLang="en-US" sz="6600" dirty="0"/>
+              <a:t>ご清聴ありがとうございました。</a:t>
             </a:r>
           </a:p>
         </p:txBody>
@@ -5458,7 +5565,7 @@
     </p:spTree>
     <p:extLst>
       <p:ext uri="{BB962C8B-B14F-4D97-AF65-F5344CB8AC3E}">
-        <p14:creationId xmlns:p14="http://schemas.microsoft.com/office/powerpoint/2010/main" val="1184513188"/>
+        <p14:creationId xmlns:p14="http://schemas.microsoft.com/office/powerpoint/2010/main" val="3294635790"/>
       </p:ext>
     </p:extLst>
   </p:cSld>
@@ -5860,7 +5967,7 @@
           <a:p>
             <a:r>
               <a:rPr kumimoji="1" lang="ja-JP" altLang="en-US" sz="4800" dirty="0"/>
-              <a:t>・グループ開発の全体感想</a:t>
+              <a:t>・研修を終えての個人感想</a:t>
             </a:r>
           </a:p>
         </p:txBody>

--- a/9.発表資料/グループ開発_Aグループ発表資料.pptx
+++ b/9.発表資料/グループ開発_Aグループ発表資料.pptx
@@ -15,14 +15,9 @@
     <p:sldId id="271" r:id="rId9"/>
     <p:sldId id="259" r:id="rId10"/>
     <p:sldId id="279" r:id="rId11"/>
-    <p:sldId id="273" r:id="rId12"/>
-    <p:sldId id="274" r:id="rId13"/>
-    <p:sldId id="280" r:id="rId14"/>
-    <p:sldId id="281" r:id="rId15"/>
-    <p:sldId id="282" r:id="rId16"/>
-    <p:sldId id="283" r:id="rId17"/>
-    <p:sldId id="285" r:id="rId18"/>
-    <p:sldId id="286" r:id="rId19"/>
+    <p:sldId id="283" r:id="rId12"/>
+    <p:sldId id="285" r:id="rId13"/>
+    <p:sldId id="286" r:id="rId14"/>
   </p:sldIdLst>
   <p:sldSz cx="12192000" cy="6858000"/>
   <p:notesSz cx="6858000" cy="9144000"/>
@@ -4183,7 +4178,7 @@
             </a:r>
             <a:r>
               <a:rPr kumimoji="1" lang="ja-JP" altLang="en-US" sz="3600" b="1" dirty="0"/>
-              <a:t>山本　金城　石川</a:t>
+              <a:t>山本　神谷　池原</a:t>
             </a:r>
             <a:endParaRPr kumimoji="1" lang="en-US" altLang="ja-JP" sz="3600" b="1" dirty="0"/>
           </a:p>
@@ -4193,12 +4188,16 @@
               <a:t>						</a:t>
             </a:r>
             <a:r>
+              <a:rPr lang="ja-JP" altLang="en-US" sz="3600" b="1" dirty="0"/>
+              <a:t>石川</a:t>
+            </a:r>
+            <a:r>
               <a:rPr kumimoji="1" lang="ja-JP" altLang="en-US" sz="3600" b="1" dirty="0"/>
-              <a:t>神谷　池原　大城</a:t>
-            </a:r>
-            <a:r>
-              <a:rPr kumimoji="1" lang="en-US" altLang="ja-JP" sz="3600" b="1" dirty="0"/>
-              <a:t>	</a:t>
+              <a:t>　大城</a:t>
+            </a:r>
+            <a:r>
+              <a:rPr lang="ja-JP" altLang="en-US" sz="3600" b="1" dirty="0"/>
+              <a:t>　金城</a:t>
             </a:r>
             <a:endParaRPr kumimoji="1" lang="ja-JP" altLang="en-US" sz="3600" b="1" dirty="0"/>
           </a:p>
@@ -4318,18 +4317,15 @@
         <p:spPr/>
         <p:txBody>
           <a:bodyPr>
-            <a:normAutofit fontScale="90000"/>
+            <a:normAutofit/>
           </a:bodyPr>
           <a:lstStyle/>
           <a:p>
             <a:r>
               <a:rPr lang="ja-JP" altLang="en-US" sz="7200" dirty="0"/>
-              <a:t>グループ開発の</a:t>
-            </a:r>
-            <a:r>
-              <a:rPr kumimoji="1" lang="ja-JP" altLang="en-US" sz="7200" dirty="0"/>
-              <a:t>感想（石川）</a:t>
-            </a:r>
+              <a:t>グループ開発の全体感想</a:t>
+            </a:r>
+            <a:endParaRPr kumimoji="1" lang="ja-JP" altLang="en-US" sz="7200" dirty="0"/>
           </a:p>
         </p:txBody>
       </p:sp>
@@ -4347,7 +4343,7 @@
         </p:nvSpPr>
         <p:spPr>
           <a:xfrm>
-            <a:off x="1759669" y="2262775"/>
+            <a:off x="585922" y="2231147"/>
             <a:ext cx="7555273" cy="646331"/>
           </a:xfrm>
           <a:prstGeom prst="rect">
@@ -4390,7 +4386,7 @@
         </p:nvSpPr>
         <p:spPr>
           <a:xfrm>
-            <a:off x="1759669" y="3493168"/>
+            <a:off x="585922" y="3634983"/>
             <a:ext cx="3196709" cy="646331"/>
           </a:xfrm>
           <a:prstGeom prst="rect">
@@ -4416,56 +4412,14 @@
               <a:rPr kumimoji="1" lang="ja-JP" altLang="en-US" sz="3600" b="1" dirty="0"/>
               <a:t>：意思疎通</a:t>
             </a:r>
-          </a:p>
-        </p:txBody>
-      </p:sp>
-      <p:sp>
-        <p:nvSpPr>
-          <p:cNvPr id="6" name="テキスト ボックス 5">
-            <a:extLst>
-              <a:ext uri="{FF2B5EF4-FFF2-40B4-BE49-F238E27FC236}">
-                <a16:creationId xmlns:a16="http://schemas.microsoft.com/office/drawing/2014/main" id="{E70C25A1-7B57-4252-9A3B-B1F61B5DAE3D}"/>
-              </a:ext>
-            </a:extLst>
-          </p:cNvPr>
-          <p:cNvSpPr txBox="1"/>
-          <p:nvPr/>
-        </p:nvSpPr>
-        <p:spPr>
-          <a:xfrm>
-            <a:off x="1759669" y="4949980"/>
-            <a:ext cx="4586512" cy="646331"/>
-          </a:xfrm>
-          <a:prstGeom prst="rect">
-            <a:avLst/>
-          </a:prstGeom>
-          <a:noFill/>
-        </p:spPr>
-        <p:txBody>
-          <a:bodyPr wrap="none" rtlCol="0">
-            <a:spAutoFit/>
-          </a:bodyPr>
-          <a:lstStyle/>
-          <a:p>
-            <a:r>
-              <a:rPr kumimoji="1" lang="ja-JP" altLang="en-US" sz="3600" b="1" dirty="0">
-                <a:solidFill>
-                  <a:srgbClr val="FF0000"/>
-                </a:solidFill>
-              </a:rPr>
-              <a:t>今後の目標</a:t>
-            </a:r>
-            <a:r>
-              <a:rPr kumimoji="1" lang="ja-JP" altLang="en-US" sz="3600" b="1" dirty="0"/>
-              <a:t>：資格取得</a:t>
-            </a:r>
+            <a:endParaRPr kumimoji="1" lang="en-US" altLang="ja-JP" sz="3600" b="1" dirty="0"/>
           </a:p>
         </p:txBody>
       </p:sp>
     </p:spTree>
     <p:extLst>
       <p:ext uri="{BB962C8B-B14F-4D97-AF65-F5344CB8AC3E}">
-        <p14:creationId xmlns:p14="http://schemas.microsoft.com/office/powerpoint/2010/main" val="2306527920"/>
+        <p14:creationId xmlns:p14="http://schemas.microsoft.com/office/powerpoint/2010/main" val="1563629520"/>
       </p:ext>
     </p:extLst>
   </p:cSld>
@@ -4497,976 +4451,6 @@
           <p:cNvPr id="2" name="タイトル 1">
             <a:extLst>
               <a:ext uri="{FF2B5EF4-FFF2-40B4-BE49-F238E27FC236}">
-                <a16:creationId xmlns:a16="http://schemas.microsoft.com/office/drawing/2014/main" id="{0F1FF85F-9826-486D-8995-8295E2C94422}"/>
-              </a:ext>
-            </a:extLst>
-          </p:cNvPr>
-          <p:cNvSpPr>
-            <a:spLocks noGrp="1"/>
-          </p:cNvSpPr>
-          <p:nvPr>
-            <p:ph type="title"/>
-          </p:nvPr>
-        </p:nvSpPr>
-        <p:spPr/>
-        <p:txBody>
-          <a:bodyPr>
-            <a:normAutofit fontScale="90000"/>
-          </a:bodyPr>
-          <a:lstStyle/>
-          <a:p>
-            <a:r>
-              <a:rPr lang="ja-JP" altLang="en-US" sz="7200" dirty="0"/>
-              <a:t>グループ開発の</a:t>
-            </a:r>
-            <a:r>
-              <a:rPr kumimoji="1" lang="ja-JP" altLang="en-US" sz="7200" dirty="0"/>
-              <a:t>感想（</a:t>
-            </a:r>
-            <a:r>
-              <a:rPr lang="ja-JP" altLang="en-US" sz="7200" dirty="0"/>
-              <a:t>神谷</a:t>
-            </a:r>
-            <a:r>
-              <a:rPr kumimoji="1" lang="ja-JP" altLang="en-US" sz="7200" dirty="0"/>
-              <a:t>）</a:t>
-            </a:r>
-          </a:p>
-        </p:txBody>
-      </p:sp>
-      <p:sp>
-        <p:nvSpPr>
-          <p:cNvPr id="4" name="テキスト ボックス 3">
-            <a:extLst>
-              <a:ext uri="{FF2B5EF4-FFF2-40B4-BE49-F238E27FC236}">
-                <a16:creationId xmlns:a16="http://schemas.microsoft.com/office/drawing/2014/main" id="{310DA0C8-651F-4CEC-AF22-C284C1306C2A}"/>
-              </a:ext>
-            </a:extLst>
-          </p:cNvPr>
-          <p:cNvSpPr txBox="1"/>
-          <p:nvPr/>
-        </p:nvSpPr>
-        <p:spPr>
-          <a:xfrm>
-            <a:off x="585922" y="2231147"/>
-            <a:ext cx="7555273" cy="646331"/>
-          </a:xfrm>
-          <a:prstGeom prst="rect">
-            <a:avLst/>
-          </a:prstGeom>
-          <a:noFill/>
-        </p:spPr>
-        <p:txBody>
-          <a:bodyPr wrap="none" rtlCol="0">
-            <a:spAutoFit/>
-          </a:bodyPr>
-          <a:lstStyle/>
-          <a:p>
-            <a:r>
-              <a:rPr kumimoji="1" lang="ja-JP" altLang="en-US" sz="3600" b="1" dirty="0">
-                <a:solidFill>
-                  <a:srgbClr val="FF0000"/>
-                </a:solidFill>
-              </a:rPr>
-              <a:t>成長したところ</a:t>
-            </a:r>
-            <a:r>
-              <a:rPr kumimoji="1" lang="ja-JP" altLang="en-US" sz="3600" b="1" dirty="0"/>
-              <a:t>：フレームワークの理解</a:t>
-            </a:r>
-          </a:p>
-        </p:txBody>
-      </p:sp>
-      <p:sp>
-        <p:nvSpPr>
-          <p:cNvPr id="5" name="テキスト ボックス 4">
-            <a:extLst>
-              <a:ext uri="{FF2B5EF4-FFF2-40B4-BE49-F238E27FC236}">
-                <a16:creationId xmlns:a16="http://schemas.microsoft.com/office/drawing/2014/main" id="{4B092859-E840-48FD-8048-ABEDD3AF7591}"/>
-              </a:ext>
-            </a:extLst>
-          </p:cNvPr>
-          <p:cNvSpPr txBox="1"/>
-          <p:nvPr/>
-        </p:nvSpPr>
-        <p:spPr>
-          <a:xfrm>
-            <a:off x="585922" y="3634983"/>
-            <a:ext cx="3196709" cy="646331"/>
-          </a:xfrm>
-          <a:prstGeom prst="rect">
-            <a:avLst/>
-          </a:prstGeom>
-          <a:noFill/>
-        </p:spPr>
-        <p:txBody>
-          <a:bodyPr wrap="none" rtlCol="0">
-            <a:spAutoFit/>
-          </a:bodyPr>
-          <a:lstStyle/>
-          <a:p>
-            <a:r>
-              <a:rPr kumimoji="1" lang="ja-JP" altLang="en-US" sz="3600" b="1" dirty="0">
-                <a:solidFill>
-                  <a:srgbClr val="FF0000"/>
-                </a:solidFill>
-              </a:rPr>
-              <a:t>反省</a:t>
-            </a:r>
-            <a:r>
-              <a:rPr kumimoji="1" lang="ja-JP" altLang="en-US" sz="3600" b="1" dirty="0"/>
-              <a:t>：意思疎通</a:t>
-            </a:r>
-          </a:p>
-        </p:txBody>
-      </p:sp>
-      <p:sp>
-        <p:nvSpPr>
-          <p:cNvPr id="6" name="テキスト ボックス 5">
-            <a:extLst>
-              <a:ext uri="{FF2B5EF4-FFF2-40B4-BE49-F238E27FC236}">
-                <a16:creationId xmlns:a16="http://schemas.microsoft.com/office/drawing/2014/main" id="{E70C25A1-7B57-4252-9A3B-B1F61B5DAE3D}"/>
-              </a:ext>
-            </a:extLst>
-          </p:cNvPr>
-          <p:cNvSpPr txBox="1"/>
-          <p:nvPr/>
-        </p:nvSpPr>
-        <p:spPr>
-          <a:xfrm>
-            <a:off x="693243" y="5038819"/>
-            <a:ext cx="6258445" cy="646331"/>
-          </a:xfrm>
-          <a:prstGeom prst="rect">
-            <a:avLst/>
-          </a:prstGeom>
-          <a:noFill/>
-        </p:spPr>
-        <p:txBody>
-          <a:bodyPr wrap="none" rtlCol="0">
-            <a:spAutoFit/>
-          </a:bodyPr>
-          <a:lstStyle/>
-          <a:p>
-            <a:r>
-              <a:rPr kumimoji="1" lang="ja-JP" altLang="en-US" sz="3600" b="1" dirty="0">
-                <a:solidFill>
-                  <a:srgbClr val="FF0000"/>
-                </a:solidFill>
-              </a:rPr>
-              <a:t>今後の目標</a:t>
-            </a:r>
-            <a:r>
-              <a:rPr kumimoji="1" lang="ja-JP" altLang="en-US" sz="3600" b="1" dirty="0"/>
-              <a:t>：技術を身に着ける</a:t>
-            </a:r>
-          </a:p>
-        </p:txBody>
-      </p:sp>
-    </p:spTree>
-    <p:extLst>
-      <p:ext uri="{BB962C8B-B14F-4D97-AF65-F5344CB8AC3E}">
-        <p14:creationId xmlns:p14="http://schemas.microsoft.com/office/powerpoint/2010/main" val="3566843182"/>
-      </p:ext>
-    </p:extLst>
-  </p:cSld>
-  <p:clrMapOvr>
-    <a:masterClrMapping/>
-  </p:clrMapOvr>
-</p:sld>
-</file>
-
-<file path=ppt/slides/slide13.xml><?xml version="1.0" encoding="utf-8"?>
-<p:sld xmlns:a="http://schemas.openxmlformats.org/drawingml/2006/main" xmlns:r="http://schemas.openxmlformats.org/officeDocument/2006/relationships" xmlns:p="http://schemas.openxmlformats.org/presentationml/2006/main">
-  <p:cSld>
-    <p:spTree>
-      <p:nvGrpSpPr>
-        <p:cNvPr id="1" name=""/>
-        <p:cNvGrpSpPr/>
-        <p:nvPr/>
-      </p:nvGrpSpPr>
-      <p:grpSpPr>
-        <a:xfrm>
-          <a:off x="0" y="0"/>
-          <a:ext cx="0" cy="0"/>
-          <a:chOff x="0" y="0"/>
-          <a:chExt cx="0" cy="0"/>
-        </a:xfrm>
-      </p:grpSpPr>
-      <p:sp>
-        <p:nvSpPr>
-          <p:cNvPr id="2" name="タイトル 1">
-            <a:extLst>
-              <a:ext uri="{FF2B5EF4-FFF2-40B4-BE49-F238E27FC236}">
-                <a16:creationId xmlns:a16="http://schemas.microsoft.com/office/drawing/2014/main" id="{0F1FF85F-9826-486D-8995-8295E2C94422}"/>
-              </a:ext>
-            </a:extLst>
-          </p:cNvPr>
-          <p:cNvSpPr>
-            <a:spLocks noGrp="1"/>
-          </p:cNvSpPr>
-          <p:nvPr>
-            <p:ph type="title"/>
-          </p:nvPr>
-        </p:nvSpPr>
-        <p:spPr/>
-        <p:txBody>
-          <a:bodyPr>
-            <a:normAutofit fontScale="90000"/>
-          </a:bodyPr>
-          <a:lstStyle/>
-          <a:p>
-            <a:r>
-              <a:rPr lang="ja-JP" altLang="en-US" sz="7200" dirty="0"/>
-              <a:t>グループ開発の</a:t>
-            </a:r>
-            <a:r>
-              <a:rPr kumimoji="1" lang="ja-JP" altLang="en-US" sz="7200" dirty="0"/>
-              <a:t>感想（池原）</a:t>
-            </a:r>
-          </a:p>
-        </p:txBody>
-      </p:sp>
-      <p:sp>
-        <p:nvSpPr>
-          <p:cNvPr id="4" name="テキスト ボックス 3">
-            <a:extLst>
-              <a:ext uri="{FF2B5EF4-FFF2-40B4-BE49-F238E27FC236}">
-                <a16:creationId xmlns:a16="http://schemas.microsoft.com/office/drawing/2014/main" id="{310DA0C8-651F-4CEC-AF22-C284C1306C2A}"/>
-              </a:ext>
-            </a:extLst>
-          </p:cNvPr>
-          <p:cNvSpPr txBox="1"/>
-          <p:nvPr/>
-        </p:nvSpPr>
-        <p:spPr>
-          <a:xfrm>
-            <a:off x="1097280" y="2231147"/>
-            <a:ext cx="6165470" cy="646331"/>
-          </a:xfrm>
-          <a:prstGeom prst="rect">
-            <a:avLst/>
-          </a:prstGeom>
-          <a:noFill/>
-        </p:spPr>
-        <p:txBody>
-          <a:bodyPr wrap="none" rtlCol="0">
-            <a:spAutoFit/>
-          </a:bodyPr>
-          <a:lstStyle/>
-          <a:p>
-            <a:r>
-              <a:rPr kumimoji="1" lang="ja-JP" altLang="en-US" sz="3600" b="1" dirty="0">
-                <a:solidFill>
-                  <a:srgbClr val="FF0000"/>
-                </a:solidFill>
-              </a:rPr>
-              <a:t>成長したところ</a:t>
-            </a:r>
-            <a:r>
-              <a:rPr kumimoji="1" lang="ja-JP" altLang="en-US" sz="3600" b="1" dirty="0"/>
-              <a:t>：フレームワーク</a:t>
-            </a:r>
-          </a:p>
-        </p:txBody>
-      </p:sp>
-      <p:sp>
-        <p:nvSpPr>
-          <p:cNvPr id="5" name="テキスト ボックス 4">
-            <a:extLst>
-              <a:ext uri="{FF2B5EF4-FFF2-40B4-BE49-F238E27FC236}">
-                <a16:creationId xmlns:a16="http://schemas.microsoft.com/office/drawing/2014/main" id="{4B092859-E840-48FD-8048-ABEDD3AF7591}"/>
-              </a:ext>
-            </a:extLst>
-          </p:cNvPr>
-          <p:cNvSpPr txBox="1"/>
-          <p:nvPr/>
-        </p:nvSpPr>
-        <p:spPr>
-          <a:xfrm>
-            <a:off x="1097280" y="3634983"/>
-            <a:ext cx="3634328" cy="646331"/>
-          </a:xfrm>
-          <a:prstGeom prst="rect">
-            <a:avLst/>
-          </a:prstGeom>
-          <a:noFill/>
-        </p:spPr>
-        <p:txBody>
-          <a:bodyPr wrap="none" rtlCol="0">
-            <a:spAutoFit/>
-          </a:bodyPr>
-          <a:lstStyle/>
-          <a:p>
-            <a:r>
-              <a:rPr kumimoji="1" lang="ja-JP" altLang="en-US" sz="3600" b="1" dirty="0">
-                <a:solidFill>
-                  <a:srgbClr val="FF0000"/>
-                </a:solidFill>
-              </a:rPr>
-              <a:t>反省</a:t>
-            </a:r>
-            <a:r>
-              <a:rPr kumimoji="1" lang="ja-JP" altLang="en-US" sz="3600" b="1" dirty="0"/>
-              <a:t>：無駄が多い</a:t>
-            </a:r>
-          </a:p>
-        </p:txBody>
-      </p:sp>
-      <p:sp>
-        <p:nvSpPr>
-          <p:cNvPr id="6" name="テキスト ボックス 5">
-            <a:extLst>
-              <a:ext uri="{FF2B5EF4-FFF2-40B4-BE49-F238E27FC236}">
-                <a16:creationId xmlns:a16="http://schemas.microsoft.com/office/drawing/2014/main" id="{E70C25A1-7B57-4252-9A3B-B1F61B5DAE3D}"/>
-              </a:ext>
-            </a:extLst>
-          </p:cNvPr>
-          <p:cNvSpPr txBox="1"/>
-          <p:nvPr/>
-        </p:nvSpPr>
-        <p:spPr>
-          <a:xfrm>
-            <a:off x="1097280" y="5038819"/>
-            <a:ext cx="4586512" cy="646331"/>
-          </a:xfrm>
-          <a:prstGeom prst="rect">
-            <a:avLst/>
-          </a:prstGeom>
-          <a:noFill/>
-        </p:spPr>
-        <p:txBody>
-          <a:bodyPr wrap="none" rtlCol="0">
-            <a:spAutoFit/>
-          </a:bodyPr>
-          <a:lstStyle/>
-          <a:p>
-            <a:r>
-              <a:rPr kumimoji="1" lang="ja-JP" altLang="en-US" sz="3600" b="1" dirty="0">
-                <a:solidFill>
-                  <a:srgbClr val="FF0000"/>
-                </a:solidFill>
-              </a:rPr>
-              <a:t>今後の目標</a:t>
-            </a:r>
-            <a:r>
-              <a:rPr kumimoji="1" lang="ja-JP" altLang="en-US" sz="3600" b="1" dirty="0"/>
-              <a:t>：資格取得</a:t>
-            </a:r>
-          </a:p>
-        </p:txBody>
-      </p:sp>
-    </p:spTree>
-    <p:extLst>
-      <p:ext uri="{BB962C8B-B14F-4D97-AF65-F5344CB8AC3E}">
-        <p14:creationId xmlns:p14="http://schemas.microsoft.com/office/powerpoint/2010/main" val="2862146539"/>
-      </p:ext>
-    </p:extLst>
-  </p:cSld>
-  <p:clrMapOvr>
-    <a:masterClrMapping/>
-  </p:clrMapOvr>
-</p:sld>
-</file>
-
-<file path=ppt/slides/slide14.xml><?xml version="1.0" encoding="utf-8"?>
-<p:sld xmlns:a="http://schemas.openxmlformats.org/drawingml/2006/main" xmlns:r="http://schemas.openxmlformats.org/officeDocument/2006/relationships" xmlns:p="http://schemas.openxmlformats.org/presentationml/2006/main">
-  <p:cSld>
-    <p:spTree>
-      <p:nvGrpSpPr>
-        <p:cNvPr id="1" name=""/>
-        <p:cNvGrpSpPr/>
-        <p:nvPr/>
-      </p:nvGrpSpPr>
-      <p:grpSpPr>
-        <a:xfrm>
-          <a:off x="0" y="0"/>
-          <a:ext cx="0" cy="0"/>
-          <a:chOff x="0" y="0"/>
-          <a:chExt cx="0" cy="0"/>
-        </a:xfrm>
-      </p:grpSpPr>
-      <p:sp>
-        <p:nvSpPr>
-          <p:cNvPr id="2" name="タイトル 1">
-            <a:extLst>
-              <a:ext uri="{FF2B5EF4-FFF2-40B4-BE49-F238E27FC236}">
-                <a16:creationId xmlns:a16="http://schemas.microsoft.com/office/drawing/2014/main" id="{0F1FF85F-9826-486D-8995-8295E2C94422}"/>
-              </a:ext>
-            </a:extLst>
-          </p:cNvPr>
-          <p:cNvSpPr>
-            <a:spLocks noGrp="1"/>
-          </p:cNvSpPr>
-          <p:nvPr>
-            <p:ph type="title"/>
-          </p:nvPr>
-        </p:nvSpPr>
-        <p:spPr/>
-        <p:txBody>
-          <a:bodyPr>
-            <a:normAutofit fontScale="90000"/>
-          </a:bodyPr>
-          <a:lstStyle/>
-          <a:p>
-            <a:r>
-              <a:rPr lang="ja-JP" altLang="en-US" sz="7200" dirty="0"/>
-              <a:t>グループ開発の</a:t>
-            </a:r>
-            <a:r>
-              <a:rPr kumimoji="1" lang="ja-JP" altLang="en-US" sz="7200" dirty="0"/>
-              <a:t>感想（金城）</a:t>
-            </a:r>
-          </a:p>
-        </p:txBody>
-      </p:sp>
-      <p:sp>
-        <p:nvSpPr>
-          <p:cNvPr id="4" name="テキスト ボックス 3">
-            <a:extLst>
-              <a:ext uri="{FF2B5EF4-FFF2-40B4-BE49-F238E27FC236}">
-                <a16:creationId xmlns:a16="http://schemas.microsoft.com/office/drawing/2014/main" id="{310DA0C8-651F-4CEC-AF22-C284C1306C2A}"/>
-              </a:ext>
-            </a:extLst>
-          </p:cNvPr>
-          <p:cNvSpPr txBox="1"/>
-          <p:nvPr/>
-        </p:nvSpPr>
-        <p:spPr>
-          <a:xfrm>
-            <a:off x="1233622" y="2616785"/>
-            <a:ext cx="8970726" cy="646331"/>
-          </a:xfrm>
-          <a:prstGeom prst="rect">
-            <a:avLst/>
-          </a:prstGeom>
-          <a:noFill/>
-        </p:spPr>
-        <p:txBody>
-          <a:bodyPr wrap="none" rtlCol="0">
-            <a:spAutoFit/>
-          </a:bodyPr>
-          <a:lstStyle/>
-          <a:p>
-            <a:r>
-              <a:rPr kumimoji="1" lang="ja-JP" altLang="en-US" sz="3600" b="1" dirty="0">
-                <a:solidFill>
-                  <a:srgbClr val="FF0000"/>
-                </a:solidFill>
-              </a:rPr>
-              <a:t>成長したところ</a:t>
-            </a:r>
-            <a:r>
-              <a:rPr kumimoji="1" lang="ja-JP" altLang="en-US" sz="3600" b="1" dirty="0"/>
-              <a:t>：システム開発の流れの理解</a:t>
-            </a:r>
-          </a:p>
-        </p:txBody>
-      </p:sp>
-      <p:sp>
-        <p:nvSpPr>
-          <p:cNvPr id="5" name="テキスト ボックス 4">
-            <a:extLst>
-              <a:ext uri="{FF2B5EF4-FFF2-40B4-BE49-F238E27FC236}">
-                <a16:creationId xmlns:a16="http://schemas.microsoft.com/office/drawing/2014/main" id="{4B092859-E840-48FD-8048-ABEDD3AF7591}"/>
-              </a:ext>
-            </a:extLst>
-          </p:cNvPr>
-          <p:cNvSpPr txBox="1"/>
-          <p:nvPr/>
-        </p:nvSpPr>
-        <p:spPr>
-          <a:xfrm>
-            <a:off x="1233622" y="3860457"/>
-            <a:ext cx="5662127" cy="646331"/>
-          </a:xfrm>
-          <a:prstGeom prst="rect">
-            <a:avLst/>
-          </a:prstGeom>
-          <a:noFill/>
-        </p:spPr>
-        <p:txBody>
-          <a:bodyPr wrap="none" rtlCol="0">
-            <a:spAutoFit/>
-          </a:bodyPr>
-          <a:lstStyle/>
-          <a:p>
-            <a:r>
-              <a:rPr kumimoji="1" lang="ja-JP" altLang="en-US" sz="3600" b="1" dirty="0">
-                <a:solidFill>
-                  <a:srgbClr val="FF0000"/>
-                </a:solidFill>
-              </a:rPr>
-              <a:t>反省</a:t>
-            </a:r>
-            <a:r>
-              <a:rPr kumimoji="1" lang="ja-JP" altLang="en-US" sz="3600" b="1" dirty="0"/>
-              <a:t>：作業の分担の不十分</a:t>
-            </a:r>
-          </a:p>
-        </p:txBody>
-      </p:sp>
-      <p:sp>
-        <p:nvSpPr>
-          <p:cNvPr id="6" name="テキスト ボックス 5">
-            <a:extLst>
-              <a:ext uri="{FF2B5EF4-FFF2-40B4-BE49-F238E27FC236}">
-                <a16:creationId xmlns:a16="http://schemas.microsoft.com/office/drawing/2014/main" id="{E70C25A1-7B57-4252-9A3B-B1F61B5DAE3D}"/>
-              </a:ext>
-            </a:extLst>
-          </p:cNvPr>
-          <p:cNvSpPr txBox="1"/>
-          <p:nvPr/>
-        </p:nvSpPr>
-        <p:spPr>
-          <a:xfrm>
-            <a:off x="1240657" y="5104129"/>
-            <a:ext cx="8193269" cy="646331"/>
-          </a:xfrm>
-          <a:prstGeom prst="rect">
-            <a:avLst/>
-          </a:prstGeom>
-          <a:noFill/>
-        </p:spPr>
-        <p:txBody>
-          <a:bodyPr wrap="none" rtlCol="0">
-            <a:spAutoFit/>
-          </a:bodyPr>
-          <a:lstStyle/>
-          <a:p>
-            <a:r>
-              <a:rPr kumimoji="1" lang="ja-JP" altLang="en-US" sz="3600" b="1" dirty="0">
-                <a:solidFill>
-                  <a:srgbClr val="FF0000"/>
-                </a:solidFill>
-              </a:rPr>
-              <a:t>今後の目標</a:t>
-            </a:r>
-            <a:r>
-              <a:rPr kumimoji="1" lang="ja-JP" altLang="en-US" sz="3600" b="1" dirty="0"/>
-              <a:t>：グループの意思疎通の強化</a:t>
-            </a:r>
-          </a:p>
-        </p:txBody>
-      </p:sp>
-    </p:spTree>
-    <p:extLst>
-      <p:ext uri="{BB962C8B-B14F-4D97-AF65-F5344CB8AC3E}">
-        <p14:creationId xmlns:p14="http://schemas.microsoft.com/office/powerpoint/2010/main" val="2197534057"/>
-      </p:ext>
-    </p:extLst>
-  </p:cSld>
-  <p:clrMapOvr>
-    <a:masterClrMapping/>
-  </p:clrMapOvr>
-</p:sld>
-</file>
-
-<file path=ppt/slides/slide15.xml><?xml version="1.0" encoding="utf-8"?>
-<p:sld xmlns:a="http://schemas.openxmlformats.org/drawingml/2006/main" xmlns:r="http://schemas.openxmlformats.org/officeDocument/2006/relationships" xmlns:p="http://schemas.openxmlformats.org/presentationml/2006/main">
-  <p:cSld>
-    <p:spTree>
-      <p:nvGrpSpPr>
-        <p:cNvPr id="1" name=""/>
-        <p:cNvGrpSpPr/>
-        <p:nvPr/>
-      </p:nvGrpSpPr>
-      <p:grpSpPr>
-        <a:xfrm>
-          <a:off x="0" y="0"/>
-          <a:ext cx="0" cy="0"/>
-          <a:chOff x="0" y="0"/>
-          <a:chExt cx="0" cy="0"/>
-        </a:xfrm>
-      </p:grpSpPr>
-      <p:sp>
-        <p:nvSpPr>
-          <p:cNvPr id="2" name="タイトル 1">
-            <a:extLst>
-              <a:ext uri="{FF2B5EF4-FFF2-40B4-BE49-F238E27FC236}">
-                <a16:creationId xmlns:a16="http://schemas.microsoft.com/office/drawing/2014/main" id="{0F1FF85F-9826-486D-8995-8295E2C94422}"/>
-              </a:ext>
-            </a:extLst>
-          </p:cNvPr>
-          <p:cNvSpPr>
-            <a:spLocks noGrp="1"/>
-          </p:cNvSpPr>
-          <p:nvPr>
-            <p:ph type="title"/>
-          </p:nvPr>
-        </p:nvSpPr>
-        <p:spPr/>
-        <p:txBody>
-          <a:bodyPr>
-            <a:normAutofit fontScale="90000"/>
-          </a:bodyPr>
-          <a:lstStyle/>
-          <a:p>
-            <a:r>
-              <a:rPr kumimoji="1" lang="ja-JP" altLang="en-US" sz="7200" dirty="0"/>
-              <a:t>グループ開発の感想（大城）</a:t>
-            </a:r>
-          </a:p>
-        </p:txBody>
-      </p:sp>
-      <p:sp>
-        <p:nvSpPr>
-          <p:cNvPr id="4" name="テキスト ボックス 3">
-            <a:extLst>
-              <a:ext uri="{FF2B5EF4-FFF2-40B4-BE49-F238E27FC236}">
-                <a16:creationId xmlns:a16="http://schemas.microsoft.com/office/drawing/2014/main" id="{310DA0C8-651F-4CEC-AF22-C284C1306C2A}"/>
-              </a:ext>
-            </a:extLst>
-          </p:cNvPr>
-          <p:cNvSpPr txBox="1"/>
-          <p:nvPr/>
-        </p:nvSpPr>
-        <p:spPr>
-          <a:xfrm>
-            <a:off x="1097280" y="2231147"/>
-            <a:ext cx="6165470" cy="646331"/>
-          </a:xfrm>
-          <a:prstGeom prst="rect">
-            <a:avLst/>
-          </a:prstGeom>
-          <a:noFill/>
-        </p:spPr>
-        <p:txBody>
-          <a:bodyPr wrap="none" rtlCol="0">
-            <a:spAutoFit/>
-          </a:bodyPr>
-          <a:lstStyle/>
-          <a:p>
-            <a:r>
-              <a:rPr kumimoji="1" lang="ja-JP" altLang="en-US" sz="3600" b="1" dirty="0">
-                <a:solidFill>
-                  <a:srgbClr val="FF0000"/>
-                </a:solidFill>
-              </a:rPr>
-              <a:t>成長したところ</a:t>
-            </a:r>
-            <a:r>
-              <a:rPr kumimoji="1" lang="ja-JP" altLang="en-US" sz="3600" b="1" dirty="0"/>
-              <a:t>：フレームワーク</a:t>
-            </a:r>
-          </a:p>
-        </p:txBody>
-      </p:sp>
-      <p:sp>
-        <p:nvSpPr>
-          <p:cNvPr id="5" name="テキスト ボックス 4">
-            <a:extLst>
-              <a:ext uri="{FF2B5EF4-FFF2-40B4-BE49-F238E27FC236}">
-                <a16:creationId xmlns:a16="http://schemas.microsoft.com/office/drawing/2014/main" id="{4B092859-E840-48FD-8048-ABEDD3AF7591}"/>
-              </a:ext>
-            </a:extLst>
-          </p:cNvPr>
-          <p:cNvSpPr txBox="1"/>
-          <p:nvPr/>
-        </p:nvSpPr>
-        <p:spPr>
-          <a:xfrm>
-            <a:off x="1097280" y="3514311"/>
-            <a:ext cx="4809330" cy="646331"/>
-          </a:xfrm>
-          <a:prstGeom prst="rect">
-            <a:avLst/>
-          </a:prstGeom>
-          <a:noFill/>
-        </p:spPr>
-        <p:txBody>
-          <a:bodyPr wrap="none" rtlCol="0">
-            <a:spAutoFit/>
-          </a:bodyPr>
-          <a:lstStyle/>
-          <a:p>
-            <a:r>
-              <a:rPr kumimoji="1" lang="ja-JP" altLang="en-US" sz="3600" b="1" dirty="0">
-                <a:solidFill>
-                  <a:srgbClr val="FF0000"/>
-                </a:solidFill>
-              </a:rPr>
-              <a:t>反省</a:t>
-            </a:r>
-            <a:r>
-              <a:rPr kumimoji="1" lang="ja-JP" altLang="en-US" sz="3600" b="1" dirty="0"/>
-              <a:t>：コミュニケーション</a:t>
-            </a:r>
-          </a:p>
-        </p:txBody>
-      </p:sp>
-      <p:sp>
-        <p:nvSpPr>
-          <p:cNvPr id="6" name="テキスト ボックス 5">
-            <a:extLst>
-              <a:ext uri="{FF2B5EF4-FFF2-40B4-BE49-F238E27FC236}">
-                <a16:creationId xmlns:a16="http://schemas.microsoft.com/office/drawing/2014/main" id="{E70C25A1-7B57-4252-9A3B-B1F61B5DAE3D}"/>
-              </a:ext>
-            </a:extLst>
-          </p:cNvPr>
-          <p:cNvSpPr txBox="1"/>
-          <p:nvPr/>
-        </p:nvSpPr>
-        <p:spPr>
-          <a:xfrm>
-            <a:off x="1097280" y="4797475"/>
-            <a:ext cx="7425431" cy="646331"/>
-          </a:xfrm>
-          <a:prstGeom prst="rect">
-            <a:avLst/>
-          </a:prstGeom>
-          <a:noFill/>
-        </p:spPr>
-        <p:txBody>
-          <a:bodyPr wrap="none" rtlCol="0">
-            <a:spAutoFit/>
-          </a:bodyPr>
-          <a:lstStyle/>
-          <a:p>
-            <a:r>
-              <a:rPr kumimoji="1" lang="ja-JP" altLang="en-US" sz="3600" b="1" dirty="0">
-                <a:solidFill>
-                  <a:srgbClr val="FF0000"/>
-                </a:solidFill>
-              </a:rPr>
-              <a:t>今後の目標</a:t>
-            </a:r>
-            <a:r>
-              <a:rPr kumimoji="1" lang="ja-JP" altLang="en-US" sz="3600" b="1" dirty="0"/>
-              <a:t>：本社の方々と仲良くなる</a:t>
-            </a:r>
-          </a:p>
-        </p:txBody>
-      </p:sp>
-    </p:spTree>
-    <p:extLst>
-      <p:ext uri="{BB962C8B-B14F-4D97-AF65-F5344CB8AC3E}">
-        <p14:creationId xmlns:p14="http://schemas.microsoft.com/office/powerpoint/2010/main" val="2641126043"/>
-      </p:ext>
-    </p:extLst>
-  </p:cSld>
-  <p:clrMapOvr>
-    <a:masterClrMapping/>
-  </p:clrMapOvr>
-</p:sld>
-</file>
-
-<file path=ppt/slides/slide16.xml><?xml version="1.0" encoding="utf-8"?>
-<p:sld xmlns:a="http://schemas.openxmlformats.org/drawingml/2006/main" xmlns:r="http://schemas.openxmlformats.org/officeDocument/2006/relationships" xmlns:p="http://schemas.openxmlformats.org/presentationml/2006/main">
-  <p:cSld>
-    <p:spTree>
-      <p:nvGrpSpPr>
-        <p:cNvPr id="1" name=""/>
-        <p:cNvGrpSpPr/>
-        <p:nvPr/>
-      </p:nvGrpSpPr>
-      <p:grpSpPr>
-        <a:xfrm>
-          <a:off x="0" y="0"/>
-          <a:ext cx="0" cy="0"/>
-          <a:chOff x="0" y="0"/>
-          <a:chExt cx="0" cy="0"/>
-        </a:xfrm>
-      </p:grpSpPr>
-      <p:sp>
-        <p:nvSpPr>
-          <p:cNvPr id="2" name="タイトル 1">
-            <a:extLst>
-              <a:ext uri="{FF2B5EF4-FFF2-40B4-BE49-F238E27FC236}">
-                <a16:creationId xmlns:a16="http://schemas.microsoft.com/office/drawing/2014/main" id="{0F1FF85F-9826-486D-8995-8295E2C94422}"/>
-              </a:ext>
-            </a:extLst>
-          </p:cNvPr>
-          <p:cNvSpPr>
-            <a:spLocks noGrp="1"/>
-          </p:cNvSpPr>
-          <p:nvPr>
-            <p:ph type="title"/>
-          </p:nvPr>
-        </p:nvSpPr>
-        <p:spPr/>
-        <p:txBody>
-          <a:bodyPr>
-            <a:normAutofit fontScale="90000"/>
-          </a:bodyPr>
-          <a:lstStyle/>
-          <a:p>
-            <a:r>
-              <a:rPr lang="ja-JP" altLang="en-US" sz="7200" dirty="0"/>
-              <a:t>グループ開発の感想</a:t>
-            </a:r>
-            <a:r>
-              <a:rPr kumimoji="1" lang="ja-JP" altLang="en-US" sz="7200" dirty="0"/>
-              <a:t>（山本）</a:t>
-            </a:r>
-          </a:p>
-        </p:txBody>
-      </p:sp>
-      <p:sp>
-        <p:nvSpPr>
-          <p:cNvPr id="4" name="テキスト ボックス 3">
-            <a:extLst>
-              <a:ext uri="{FF2B5EF4-FFF2-40B4-BE49-F238E27FC236}">
-                <a16:creationId xmlns:a16="http://schemas.microsoft.com/office/drawing/2014/main" id="{310DA0C8-651F-4CEC-AF22-C284C1306C2A}"/>
-              </a:ext>
-            </a:extLst>
-          </p:cNvPr>
-          <p:cNvSpPr txBox="1"/>
-          <p:nvPr/>
-        </p:nvSpPr>
-        <p:spPr>
-          <a:xfrm>
-            <a:off x="585922" y="2231147"/>
-            <a:ext cx="9845965" cy="646331"/>
-          </a:xfrm>
-          <a:prstGeom prst="rect">
-            <a:avLst/>
-          </a:prstGeom>
-          <a:noFill/>
-        </p:spPr>
-        <p:txBody>
-          <a:bodyPr wrap="none" rtlCol="0">
-            <a:spAutoFit/>
-          </a:bodyPr>
-          <a:lstStyle/>
-          <a:p>
-            <a:r>
-              <a:rPr kumimoji="1" lang="ja-JP" altLang="en-US" sz="3600" b="1" dirty="0">
-                <a:solidFill>
-                  <a:srgbClr val="FF0000"/>
-                </a:solidFill>
-              </a:rPr>
-              <a:t>成長したところ</a:t>
-            </a:r>
-            <a:r>
-              <a:rPr kumimoji="1" lang="ja-JP" altLang="en-US" sz="3600" b="1" dirty="0"/>
-              <a:t>：コミュニケーションの大切さの認識</a:t>
-            </a:r>
-          </a:p>
-        </p:txBody>
-      </p:sp>
-      <p:sp>
-        <p:nvSpPr>
-          <p:cNvPr id="5" name="テキスト ボックス 4">
-            <a:extLst>
-              <a:ext uri="{FF2B5EF4-FFF2-40B4-BE49-F238E27FC236}">
-                <a16:creationId xmlns:a16="http://schemas.microsoft.com/office/drawing/2014/main" id="{4B092859-E840-48FD-8048-ABEDD3AF7591}"/>
-              </a:ext>
-            </a:extLst>
-          </p:cNvPr>
-          <p:cNvSpPr txBox="1"/>
-          <p:nvPr/>
-        </p:nvSpPr>
-        <p:spPr>
-          <a:xfrm>
-            <a:off x="585922" y="3634983"/>
-            <a:ext cx="5745484" cy="646331"/>
-          </a:xfrm>
-          <a:prstGeom prst="rect">
-            <a:avLst/>
-          </a:prstGeom>
-          <a:noFill/>
-        </p:spPr>
-        <p:txBody>
-          <a:bodyPr wrap="none" rtlCol="0">
-            <a:spAutoFit/>
-          </a:bodyPr>
-          <a:lstStyle/>
-          <a:p>
-            <a:r>
-              <a:rPr kumimoji="1" lang="ja-JP" altLang="en-US" sz="3600" b="1" dirty="0">
-                <a:solidFill>
-                  <a:srgbClr val="FF0000"/>
-                </a:solidFill>
-              </a:rPr>
-              <a:t>反省</a:t>
-            </a:r>
-            <a:r>
-              <a:rPr kumimoji="1" lang="ja-JP" altLang="en-US" sz="3600" b="1" dirty="0"/>
-              <a:t>：開発目的の認識・共有</a:t>
-            </a:r>
-            <a:endParaRPr kumimoji="1" lang="en-US" altLang="ja-JP" sz="3600" b="1" dirty="0"/>
-          </a:p>
-        </p:txBody>
-      </p:sp>
-      <p:sp>
-        <p:nvSpPr>
-          <p:cNvPr id="6" name="テキスト ボックス 5">
-            <a:extLst>
-              <a:ext uri="{FF2B5EF4-FFF2-40B4-BE49-F238E27FC236}">
-                <a16:creationId xmlns:a16="http://schemas.microsoft.com/office/drawing/2014/main" id="{E70C25A1-7B57-4252-9A3B-B1F61B5DAE3D}"/>
-              </a:ext>
-            </a:extLst>
-          </p:cNvPr>
-          <p:cNvSpPr txBox="1"/>
-          <p:nvPr/>
-        </p:nvSpPr>
-        <p:spPr>
-          <a:xfrm>
-            <a:off x="693243" y="5038819"/>
-            <a:ext cx="5941050" cy="646331"/>
-          </a:xfrm>
-          <a:prstGeom prst="rect">
-            <a:avLst/>
-          </a:prstGeom>
-          <a:noFill/>
-        </p:spPr>
-        <p:txBody>
-          <a:bodyPr wrap="none" rtlCol="0">
-            <a:spAutoFit/>
-          </a:bodyPr>
-          <a:lstStyle/>
-          <a:p>
-            <a:r>
-              <a:rPr kumimoji="1" lang="ja-JP" altLang="en-US" sz="3600" b="1" dirty="0">
-                <a:solidFill>
-                  <a:srgbClr val="FF0000"/>
-                </a:solidFill>
-              </a:rPr>
-              <a:t>今後の目標</a:t>
-            </a:r>
-            <a:r>
-              <a:rPr kumimoji="1" lang="ja-JP" altLang="en-US" sz="3600" b="1" dirty="0"/>
-              <a:t>：自己研鑽に励む</a:t>
-            </a:r>
-          </a:p>
-        </p:txBody>
-      </p:sp>
-    </p:spTree>
-    <p:extLst>
-      <p:ext uri="{BB962C8B-B14F-4D97-AF65-F5344CB8AC3E}">
-        <p14:creationId xmlns:p14="http://schemas.microsoft.com/office/powerpoint/2010/main" val="1563629520"/>
-      </p:ext>
-    </p:extLst>
-  </p:cSld>
-  <p:clrMapOvr>
-    <a:masterClrMapping/>
-  </p:clrMapOvr>
-</p:sld>
-</file>
-
-<file path=ppt/slides/slide17.xml><?xml version="1.0" encoding="utf-8"?>
-<p:sld xmlns:a="http://schemas.openxmlformats.org/drawingml/2006/main" xmlns:r="http://schemas.openxmlformats.org/officeDocument/2006/relationships" xmlns:p="http://schemas.openxmlformats.org/presentationml/2006/main">
-  <p:cSld>
-    <p:spTree>
-      <p:nvGrpSpPr>
-        <p:cNvPr id="1" name=""/>
-        <p:cNvGrpSpPr/>
-        <p:nvPr/>
-      </p:nvGrpSpPr>
-      <p:grpSpPr>
-        <a:xfrm>
-          <a:off x="0" y="0"/>
-          <a:ext cx="0" cy="0"/>
-          <a:chOff x="0" y="0"/>
-          <a:chExt cx="0" cy="0"/>
-        </a:xfrm>
-      </p:grpSpPr>
-      <p:sp>
-        <p:nvSpPr>
-          <p:cNvPr id="2" name="タイトル 1">
-            <a:extLst>
-              <a:ext uri="{FF2B5EF4-FFF2-40B4-BE49-F238E27FC236}">
                 <a16:creationId xmlns:a16="http://schemas.microsoft.com/office/drawing/2014/main" id="{66DA7C36-B1FD-4B1D-A5E9-5B3D9D8920FA}"/>
               </a:ext>
             </a:extLst>
@@ -5510,7 +4494,7 @@
 </p:sld>
 </file>
 
-<file path=ppt/slides/slide18.xml><?xml version="1.0" encoding="utf-8"?>
+<file path=ppt/slides/slide13.xml><?xml version="1.0" encoding="utf-8"?>
 <p:sld xmlns:a="http://schemas.openxmlformats.org/drawingml/2006/main" xmlns:r="http://schemas.openxmlformats.org/officeDocument/2006/relationships" xmlns:p="http://schemas.openxmlformats.org/presentationml/2006/main">
   <p:cSld>
     <p:spTree>
